--- a/7- Midterm Presentation/7- Midterm Presentation.pptx
+++ b/7- Midterm Presentation/7- Midterm Presentation.pptx
@@ -6265,8 +6265,8 @@
       </p:par>
     </p:tnLst>
     <p:bldLst>
+      <p:bldP build="whole" bldLvl="1" animBg="1" rev="0" advAuto="0" spid="170" grpId="2"/>
       <p:bldP build="whole" bldLvl="1" animBg="1" rev="0" advAuto="0" spid="169" grpId="1"/>
-      <p:bldP build="whole" bldLvl="1" animBg="1" rev="0" advAuto="0" spid="170" grpId="2"/>
     </p:bldLst>
   </p:timing>
 </p:sld>
@@ -6358,7 +6358,7 @@
         </p:nvGraphicFramePr>
         <p:xfrm>
           <a:off x="1322603" y="1225550"/>
-          <a:ext cx="21751495" cy="11277601"/>
+          <a:ext cx="21751495" cy="11277600"/>
         </p:xfrm>
         <a:graphic xmlns:a="http://schemas.openxmlformats.org/drawingml/2006/main">
           <a:graphicData uri="http://schemas.openxmlformats.org/drawingml/2006/table">
@@ -6434,7 +6434,7 @@
                     <a:bodyPr/>
                     <a:lstStyle/>
                     <a:p>
-                      <a:pPr algn="just" defTabSz="457200">
+                      <a:pPr defTabSz="457200">
                         <a:lnSpc>
                           <a:spcPct val="120000"/>
                         </a:lnSpc>
@@ -6448,7 +6448,7 @@
                         </a:defRPr>
                       </a:pPr>
                       <a:r>
-                        <a:rPr sz="3800">
+                        <a:rPr sz="3900">
                           <a:solidFill>
                             <a:srgbClr val="FFFFFF"/>
                           </a:solidFill>
@@ -6457,8 +6457,7 @@
                           <a:cs typeface="Helvetica"/>
                           <a:sym typeface="Helvetica"/>
                         </a:rPr>
-                        <a:t>User must give permission to manage the  -Wi-Fi network control.</a:t>
+                        <a:t>User must give permission to manage the Wi-Fi network control.</a:t>
                       </a:r>
                     </a:p>
                   </a:txBody>
@@ -6469,7 +6468,7 @@
                     <a:bodyPr/>
                     <a:lstStyle/>
                     <a:p>
-                      <a:pPr algn="l" defTabSz="457200">
+                      <a:pPr defTabSz="457200">
                         <a:lnSpc>
                           <a:spcPct val="120000"/>
                         </a:lnSpc>
@@ -6483,7 +6482,7 @@
                         </a:defRPr>
                       </a:pPr>
                       <a:r>
-                        <a:rPr sz="3800">
+                        <a:rPr sz="3900">
                           <a:solidFill>
                             <a:srgbClr val="FFFFFF"/>
                           </a:solidFill>
@@ -6492,8 +6491,7 @@
                           <a:cs typeface="Helvetica"/>
                           <a:sym typeface="Helvetica"/>
                         </a:rPr>
-                        <a:t>User can set the range according to dBm  -values on Wi-Fi list.</a:t>
+                        <a:t>User can set the range according to dBm values on Wi-Fi list.</a:t>
                       </a:r>
                     </a:p>
                   </a:txBody>
@@ -6506,14 +6504,14 @@
                     <a:bodyPr/>
                     <a:lstStyle/>
                     <a:p>
-                      <a:pPr algn="l" defTabSz="457200">
+                      <a:pPr defTabSz="457200">
                         <a:lnSpc>
                           <a:spcPct val="120000"/>
                         </a:lnSpc>
                         <a:spcBef>
                           <a:spcPts val="300"/>
                         </a:spcBef>
-                        <a:defRPr sz="3800">
+                        <a:defRPr sz="3900">
                           <a:latin typeface="Helvetica"/>
                           <a:ea typeface="Helvetica"/>
                           <a:cs typeface="Helvetica"/>
@@ -6545,7 +6543,7 @@
                     <a:bodyPr/>
                     <a:lstStyle/>
                     <a:p>
-                      <a:pPr algn="l" defTabSz="457200">
+                      <a:pPr defTabSz="457200">
                         <a:lnSpc>
                           <a:spcPct val="120000"/>
                         </a:lnSpc>
@@ -6559,7 +6557,7 @@
                         </a:defRPr>
                       </a:pPr>
                       <a:r>
-                        <a:rPr sz="3800">
+                        <a:rPr sz="3900">
                           <a:solidFill>
                             <a:srgbClr val="FFFFFF"/>
                           </a:solidFill>
@@ -6568,8 +6566,7 @@
                           <a:cs typeface="Helvetica"/>
                           <a:sym typeface="Helvetica"/>
                         </a:rPr>
-                        <a:t>The application connects to the prioritized  -Wi-Fi’s first.</a:t>
+                        <a:t>The application connects to the prioritized Wi-Fi’s first.</a:t>
                       </a:r>
                     </a:p>
                   </a:txBody>
@@ -6582,7 +6579,7 @@
                     <a:bodyPr/>
                     <a:lstStyle/>
                     <a:p>
-                      <a:pPr algn="l" defTabSz="457200">
+                      <a:pPr defTabSz="457200">
                         <a:lnSpc>
                           <a:spcPct val="120000"/>
                         </a:lnSpc>
@@ -6596,7 +6593,7 @@
                         </a:defRPr>
                       </a:pPr>
                       <a:r>
-                        <a:rPr sz="3800">
+                        <a:rPr sz="3900">
                           <a:solidFill>
                             <a:srgbClr val="FFFFFF"/>
                           </a:solidFill>
@@ -6616,7 +6613,7 @@
                     <a:bodyPr/>
                     <a:lstStyle/>
                     <a:p>
-                      <a:pPr algn="l" defTabSz="457200">
+                      <a:pPr defTabSz="457200">
                         <a:lnSpc>
                           <a:spcPct val="120000"/>
                         </a:lnSpc>
@@ -6630,7 +6627,7 @@
                         </a:defRPr>
                       </a:pPr>
                       <a:r>
-                        <a:rPr sz="3800">
+                        <a:rPr sz="3900">
                           <a:solidFill>
                             <a:srgbClr val="FFFFFF"/>
                           </a:solidFill>
@@ -6639,8 +6636,7 @@
                           <a:cs typeface="Helvetica"/>
                           <a:sym typeface="Helvetica"/>
                         </a:rPr>
-                        <a:t>Application will work periodically depending  -on the input value.</a:t>
+                        <a:t>Application will work periodically depending on the input value.</a:t>
                       </a:r>
                     </a:p>
                   </a:txBody>
@@ -6653,7 +6649,7 @@
                     <a:bodyPr/>
                     <a:lstStyle/>
                     <a:p>
-                      <a:pPr algn="l" defTabSz="457200">
+                      <a:pPr defTabSz="457200">
                         <a:lnSpc>
                           <a:spcPct val="120000"/>
                         </a:lnSpc>
@@ -6667,7 +6663,7 @@
                         </a:defRPr>
                       </a:pPr>
                       <a:r>
-                        <a:rPr sz="3800">
+                        <a:rPr sz="3900">
                           <a:solidFill>
                             <a:srgbClr val="FFFFFF"/>
                           </a:solidFill>
@@ -6687,7 +6683,7 @@
                     <a:bodyPr/>
                     <a:lstStyle/>
                     <a:p>
-                      <a:pPr algn="l" defTabSz="457200">
+                      <a:pPr defTabSz="457200">
                         <a:lnSpc>
                           <a:spcPct val="120000"/>
                         </a:lnSpc>
@@ -6701,7 +6697,7 @@
                         </a:defRPr>
                       </a:pPr>
                       <a:r>
-                        <a:rPr sz="3800">
+                        <a:rPr sz="3900">
                           <a:solidFill>
                             <a:srgbClr val="FFFFFF"/>
                           </a:solidFill>

--- a/7- Midterm Presentation/7- Midterm Presentation.pptx
+++ b/7- Midterm Presentation/7- Midterm Presentation.pptx
@@ -1,25 +1,25 @@
 
 <file path=ppt/presentation.xml><?xml version="1.0" encoding="utf-8"?>
-<p:presentation xmlns:a="http://schemas.openxmlformats.org/drawingml/2006/main" xmlns:r="http://schemas.openxmlformats.org/officeDocument/2006/relationships" xmlns:p="http://schemas.openxmlformats.org/presentationml/2006/main" xmlns:m="http://schemas.openxmlformats.org/officeDocument/2006/math" xmlns:a14="http://schemas.microsoft.com/office/drawing/2010/main">
+<p:presentation xmlns:a="http://schemas.openxmlformats.org/drawingml/2006/main" xmlns:r="http://schemas.openxmlformats.org/officeDocument/2006/relationships" xmlns:p="http://schemas.openxmlformats.org/presentationml/2006/main">
   <p:sldMasterIdLst>
-    <p:sldMasterId id="2147483648" r:id="rId5"/>
+    <p:sldMasterId id="2147483648" r:id="rId1"/>
   </p:sldMasterIdLst>
   <p:notesMasterIdLst>
-    <p:notesMasterId r:id="rId7"/>
+    <p:notesMasterId r:id="rId14"/>
   </p:notesMasterIdLst>
   <p:sldIdLst>
-    <p:sldId id="256" r:id="rId8"/>
-    <p:sldId id="257" r:id="rId9"/>
-    <p:sldId id="258" r:id="rId10"/>
-    <p:sldId id="259" r:id="rId11"/>
-    <p:sldId id="260" r:id="rId12"/>
-    <p:sldId id="261" r:id="rId13"/>
-    <p:sldId id="262" r:id="rId14"/>
-    <p:sldId id="263" r:id="rId15"/>
-    <p:sldId id="264" r:id="rId16"/>
-    <p:sldId id="265" r:id="rId17"/>
-    <p:sldId id="266" r:id="rId18"/>
-    <p:sldId id="267" r:id="rId19"/>
+    <p:sldId id="256" r:id="rId2"/>
+    <p:sldId id="257" r:id="rId3"/>
+    <p:sldId id="258" r:id="rId4"/>
+    <p:sldId id="259" r:id="rId5"/>
+    <p:sldId id="260" r:id="rId6"/>
+    <p:sldId id="261" r:id="rId7"/>
+    <p:sldId id="262" r:id="rId8"/>
+    <p:sldId id="263" r:id="rId9"/>
+    <p:sldId id="264" r:id="rId10"/>
+    <p:sldId id="265" r:id="rId11"/>
+    <p:sldId id="266" r:id="rId12"/>
+    <p:sldId id="267" r:id="rId13"/>
   </p:sldIdLst>
   <p:sldSz cx="24384000" cy="13716000"/>
   <p:notesSz cx="6858000" cy="9144000"/>
@@ -39,7 +39,7 @@
       <a:buFontTx/>
       <a:buNone/>
       <a:tabLst/>
-      <a:defRPr b="0" baseline="0" cap="none" i="0" spc="0" strike="noStrike" sz="1800" u="none" kumimoji="0" normalizeH="0">
+      <a:defRPr kumimoji="0" sz="1800" b="0" i="0" u="none" strike="noStrike" cap="none" spc="0" normalizeH="0" baseline="0">
         <a:ln>
           <a:noFill/>
         </a:ln>
@@ -65,7 +65,7 @@
       <a:buFontTx/>
       <a:buNone/>
       <a:tabLst/>
-      <a:defRPr b="0" baseline="0" cap="none" i="0" spc="0" strike="noStrike" sz="2400" u="none" kumimoji="0" normalizeH="0">
+      <a:defRPr kumimoji="0" sz="2400" b="0" i="0" u="none" strike="noStrike" cap="none" spc="0" normalizeH="0" baseline="0">
         <a:ln>
           <a:noFill/>
         </a:ln>
@@ -95,7 +95,7 @@
       <a:buFontTx/>
       <a:buNone/>
       <a:tabLst/>
-      <a:defRPr b="0" baseline="0" cap="none" i="0" spc="0" strike="noStrike" sz="2400" u="none" kumimoji="0" normalizeH="0">
+      <a:defRPr kumimoji="0" sz="2400" b="0" i="0" u="none" strike="noStrike" cap="none" spc="0" normalizeH="0" baseline="0">
         <a:ln>
           <a:noFill/>
         </a:ln>
@@ -125,7 +125,7 @@
       <a:buFontTx/>
       <a:buNone/>
       <a:tabLst/>
-      <a:defRPr b="0" baseline="0" cap="none" i="0" spc="0" strike="noStrike" sz="2400" u="none" kumimoji="0" normalizeH="0">
+      <a:defRPr kumimoji="0" sz="2400" b="0" i="0" u="none" strike="noStrike" cap="none" spc="0" normalizeH="0" baseline="0">
         <a:ln>
           <a:noFill/>
         </a:ln>
@@ -155,7 +155,7 @@
       <a:buFontTx/>
       <a:buNone/>
       <a:tabLst/>
-      <a:defRPr b="0" baseline="0" cap="none" i="0" spc="0" strike="noStrike" sz="2400" u="none" kumimoji="0" normalizeH="0">
+      <a:defRPr kumimoji="0" sz="2400" b="0" i="0" u="none" strike="noStrike" cap="none" spc="0" normalizeH="0" baseline="0">
         <a:ln>
           <a:noFill/>
         </a:ln>
@@ -185,7 +185,7 @@
       <a:buFontTx/>
       <a:buNone/>
       <a:tabLst/>
-      <a:defRPr b="0" baseline="0" cap="none" i="0" spc="0" strike="noStrike" sz="2400" u="none" kumimoji="0" normalizeH="0">
+      <a:defRPr kumimoji="0" sz="2400" b="0" i="0" u="none" strike="noStrike" cap="none" spc="0" normalizeH="0" baseline="0">
         <a:ln>
           <a:noFill/>
         </a:ln>
@@ -215,7 +215,7 @@
       <a:buFontTx/>
       <a:buNone/>
       <a:tabLst/>
-      <a:defRPr b="0" baseline="0" cap="none" i="0" spc="0" strike="noStrike" sz="2400" u="none" kumimoji="0" normalizeH="0">
+      <a:defRPr kumimoji="0" sz="2400" b="0" i="0" u="none" strike="noStrike" cap="none" spc="0" normalizeH="0" baseline="0">
         <a:ln>
           <a:noFill/>
         </a:ln>
@@ -245,7 +245,7 @@
       <a:buFontTx/>
       <a:buNone/>
       <a:tabLst/>
-      <a:defRPr b="0" baseline="0" cap="none" i="0" spc="0" strike="noStrike" sz="2400" u="none" kumimoji="0" normalizeH="0">
+      <a:defRPr kumimoji="0" sz="2400" b="0" i="0" u="none" strike="noStrike" cap="none" spc="0" normalizeH="0" baseline="0">
         <a:ln>
           <a:noFill/>
         </a:ln>
@@ -275,7 +275,7 @@
       <a:buFontTx/>
       <a:buNone/>
       <a:tabLst/>
-      <a:defRPr b="0" baseline="0" cap="none" i="0" spc="0" strike="noStrike" sz="2400" u="none" kumimoji="0" normalizeH="0">
+      <a:defRPr kumimoji="0" sz="2400" b="0" i="0" u="none" strike="noStrike" cap="none" spc="0" normalizeH="0" baseline="0">
         <a:ln>
           <a:noFill/>
         </a:ln>
@@ -305,7 +305,7 @@
       <a:buFontTx/>
       <a:buNone/>
       <a:tabLst/>
-      <a:defRPr b="0" baseline="0" cap="none" i="0" spc="0" strike="noStrike" sz="2400" u="none" kumimoji="0" normalizeH="0">
+      <a:defRPr kumimoji="0" sz="2400" b="0" i="0" u="none" strike="noStrike" cap="none" spc="0" normalizeH="0" baseline="0">
         <a:ln>
           <a:noFill/>
         </a:ln>
@@ -324,13 +324,14 @@
 </p:presentation>
 </file>
 
-<file path=ppt/commentAuthors.xml><?xml version="1.0" encoding="utf-8"?>
-<p:cmAuthorLst xmlns:a="http://schemas.openxmlformats.org/drawingml/2006/main" xmlns:r="http://schemas.openxmlformats.org/officeDocument/2006/relationships" xmlns:p="http://schemas.openxmlformats.org/presentationml/2006/main" xmlns:m="http://schemas.openxmlformats.org/officeDocument/2006/math" xmlns:a14="http://schemas.microsoft.com/office/drawing/2010/main"/>
-</file>
-
 <file path=ppt/notesMasters/notesMaster1.xml><?xml version="1.0" encoding="utf-8"?>
-<p:notesMaster xmlns:a="http://schemas.openxmlformats.org/drawingml/2006/main" xmlns:r="http://schemas.openxmlformats.org/officeDocument/2006/relationships" xmlns:p="http://schemas.openxmlformats.org/presentationml/2006/main" xmlns:m="http://schemas.openxmlformats.org/officeDocument/2006/math" xmlns:a14="http://schemas.microsoft.com/office/drawing/2010/main">
+<p:notesMaster xmlns:a="http://schemas.openxmlformats.org/drawingml/2006/main" xmlns:r="http://schemas.openxmlformats.org/officeDocument/2006/relationships" xmlns:p="http://schemas.openxmlformats.org/presentationml/2006/main">
   <p:cSld>
+    <p:bg>
+      <p:bgRef idx="1001">
+        <a:schemeClr val="bg1"/>
+      </p:bgRef>
+    </p:bg>
     <p:spTree>
       <p:nvGrpSpPr>
         <p:cNvPr id="1" name=""/>
@@ -348,7 +349,9 @@
       <p:sp>
         <p:nvSpPr>
           <p:cNvPr id="148" name="Shape 148"/>
-          <p:cNvSpPr/>
+          <p:cNvSpPr>
+            <a:spLocks noGrp="1" noRot="1" noChangeAspect="1"/>
+          </p:cNvSpPr>
           <p:nvPr>
             <p:ph type="sldImg"/>
           </p:nvPr>
@@ -366,14 +369,16 @@
           <a:bodyPr/>
           <a:lstStyle/>
           <a:p>
-            <a:pPr/>
+            <a:endParaRPr/>
           </a:p>
         </p:txBody>
       </p:sp>
       <p:sp>
         <p:nvSpPr>
           <p:cNvPr id="149" name="Shape 149"/>
-          <p:cNvSpPr/>
+          <p:cNvSpPr>
+            <a:spLocks noGrp="1"/>
+          </p:cNvSpPr>
           <p:nvPr>
             <p:ph type="body" sz="quarter" idx="1"/>
           </p:nvPr>
@@ -391,7 +396,7 @@
           <a:bodyPr/>
           <a:lstStyle/>
           <a:p>
-            <a:pPr/>
+            <a:endParaRPr/>
           </a:p>
         </p:txBody>
       </p:sp>
@@ -503,7 +508,7 @@
 </file>
 
 <file path=ppt/slideLayouts/slideLayout1.xml><?xml version="1.0" encoding="utf-8"?>
-<p:sldLayout xmlns:a="http://schemas.openxmlformats.org/drawingml/2006/main" xmlns:r="http://schemas.openxmlformats.org/officeDocument/2006/relationships" xmlns:p="http://schemas.openxmlformats.org/presentationml/2006/main" xmlns:m="http://schemas.openxmlformats.org/officeDocument/2006/math" xmlns:a14="http://schemas.microsoft.com/office/drawing/2010/main" type="title" showMasterSp="1" showMasterPhAnim="1">
+<p:sldLayout xmlns:a="http://schemas.openxmlformats.org/drawingml/2006/main" xmlns:r="http://schemas.openxmlformats.org/officeDocument/2006/relationships" xmlns:p="http://schemas.openxmlformats.org/presentationml/2006/main" type="title">
   <p:cSld name="Title">
     <p:spTree>
       <p:nvGrpSpPr>
@@ -522,7 +527,9 @@
       <p:sp>
         <p:nvSpPr>
           <p:cNvPr id="11" name="Presentation Title"/>
-          <p:cNvSpPr txBox="1"/>
+          <p:cNvSpPr txBox="1">
+            <a:spLocks noGrp="1"/>
+          </p:cNvSpPr>
           <p:nvPr>
             <p:ph type="title" hasCustomPrompt="1"/>
           </p:nvPr>
@@ -543,7 +550,7 @@
               <a:lnSpc>
                 <a:spcPct val="90000"/>
               </a:lnSpc>
-              <a:defRPr spc="-348" sz="11600">
+              <a:defRPr sz="11600" spc="-348">
                 <a:gradFill flip="none" rotWithShape="1">
                   <a:gsLst>
                     <a:gs pos="0">
@@ -559,7 +566,6 @@
             </a:lvl1pPr>
           </a:lstStyle>
           <a:p>
-            <a:pPr/>
             <a:r>
               <a:t>Presentation Title</a:t>
             </a:r>
@@ -569,7 +575,9 @@
       <p:sp>
         <p:nvSpPr>
           <p:cNvPr id="12" name="Author and Date"/>
-          <p:cNvSpPr txBox="1"/>
+          <p:cNvSpPr txBox="1">
+            <a:spLocks noGrp="1"/>
+          </p:cNvSpPr>
           <p:nvPr>
             <p:ph type="body" sz="quarter" idx="21" hasCustomPrompt="1"/>
           </p:nvPr>
@@ -597,15 +605,14 @@
                 <a:solidFill>
                   <a:srgbClr val="D5D5D5"/>
                 </a:solidFill>
-                <a:latin typeface="Graphik Medium"/>
-                <a:ea typeface="Graphik Medium"/>
-                <a:cs typeface="Graphik Medium"/>
+                <a:latin typeface="Graphik-Medium"/>
+                <a:ea typeface="Graphik-Medium"/>
+                <a:cs typeface="Graphik-Medium"/>
                 <a:sym typeface="Graphik Medium"/>
               </a:defRPr>
             </a:lvl1pPr>
           </a:lstStyle>
           <a:p>
-            <a:pPr/>
             <a:r>
               <a:t>Author and Date</a:t>
             </a:r>
@@ -615,7 +622,9 @@
       <p:sp>
         <p:nvSpPr>
           <p:cNvPr id="13" name="Body Level One…"/>
-          <p:cNvSpPr txBox="1"/>
+          <p:cNvSpPr txBox="1">
+            <a:spLocks noGrp="1"/>
+          </p:cNvSpPr>
           <p:nvPr>
             <p:ph type="body" sz="quarter" idx="1" hasCustomPrompt="1"/>
           </p:nvPr>
@@ -643,9 +652,9 @@
                 <a:solidFill>
                   <a:srgbClr val="D5D5D5"/>
                 </a:solidFill>
-                <a:latin typeface="Graphik Medium"/>
-                <a:ea typeface="Graphik Medium"/>
-                <a:cs typeface="Graphik Medium"/>
+                <a:latin typeface="Graphik-Medium"/>
+                <a:ea typeface="Graphik-Medium"/>
+                <a:cs typeface="Graphik-Medium"/>
                 <a:sym typeface="Graphik Medium"/>
               </a:defRPr>
             </a:lvl1pPr>
@@ -660,9 +669,9 @@
                 <a:solidFill>
                   <a:srgbClr val="D5D5D5"/>
                 </a:solidFill>
-                <a:latin typeface="Graphik Medium"/>
-                <a:ea typeface="Graphik Medium"/>
-                <a:cs typeface="Graphik Medium"/>
+                <a:latin typeface="Graphik-Medium"/>
+                <a:ea typeface="Graphik-Medium"/>
+                <a:cs typeface="Graphik-Medium"/>
                 <a:sym typeface="Graphik Medium"/>
               </a:defRPr>
             </a:lvl2pPr>
@@ -677,9 +686,9 @@
                 <a:solidFill>
                   <a:srgbClr val="D5D5D5"/>
                 </a:solidFill>
-                <a:latin typeface="Graphik Medium"/>
-                <a:ea typeface="Graphik Medium"/>
-                <a:cs typeface="Graphik Medium"/>
+                <a:latin typeface="Graphik-Medium"/>
+                <a:ea typeface="Graphik-Medium"/>
+                <a:cs typeface="Graphik-Medium"/>
                 <a:sym typeface="Graphik Medium"/>
               </a:defRPr>
             </a:lvl3pPr>
@@ -694,9 +703,9 @@
                 <a:solidFill>
                   <a:srgbClr val="D5D5D5"/>
                 </a:solidFill>
-                <a:latin typeface="Graphik Medium"/>
-                <a:ea typeface="Graphik Medium"/>
-                <a:cs typeface="Graphik Medium"/>
+                <a:latin typeface="Graphik-Medium"/>
+                <a:ea typeface="Graphik-Medium"/>
+                <a:cs typeface="Graphik-Medium"/>
                 <a:sym typeface="Graphik Medium"/>
               </a:defRPr>
             </a:lvl4pPr>
@@ -711,49 +720,42 @@
                 <a:solidFill>
                   <a:srgbClr val="D5D5D5"/>
                 </a:solidFill>
-                <a:latin typeface="Graphik Medium"/>
-                <a:ea typeface="Graphik Medium"/>
-                <a:cs typeface="Graphik Medium"/>
+                <a:latin typeface="Graphik-Medium"/>
+                <a:ea typeface="Graphik-Medium"/>
+                <a:cs typeface="Graphik-Medium"/>
                 <a:sym typeface="Graphik Medium"/>
               </a:defRPr>
             </a:lvl5pPr>
           </a:lstStyle>
           <a:p>
-            <a:pPr/>
             <a:r>
               <a:t>Presentation Subtitle</a:t>
             </a:r>
           </a:p>
           <a:p>
             <a:pPr lvl="1"/>
-            <a:r>
-              <a:t/>
-            </a:r>
+            <a:endParaRPr/>
           </a:p>
           <a:p>
             <a:pPr lvl="2"/>
-            <a:r>
-              <a:t/>
-            </a:r>
+            <a:endParaRPr/>
           </a:p>
           <a:p>
             <a:pPr lvl="3"/>
-            <a:r>
-              <a:t/>
-            </a:r>
+            <a:endParaRPr/>
           </a:p>
           <a:p>
             <a:pPr lvl="4"/>
-            <a:r>
-              <a:t/>
-            </a:r>
+            <a:endParaRPr/>
           </a:p>
         </p:txBody>
       </p:sp>
       <p:sp>
         <p:nvSpPr>
           <p:cNvPr id="14" name="Slide Number"/>
-          <p:cNvSpPr txBox="1"/>
+          <p:cNvSpPr txBox="1">
+            <a:spLocks noGrp="1"/>
+          </p:cNvSpPr>
           <p:nvPr>
             <p:ph type="sldNum" sz="quarter" idx="2"/>
           </p:nvPr>
@@ -767,8 +769,10 @@
           <a:bodyPr/>
           <a:lstStyle/>
           <a:p>
-            <a:pPr/>
-            <a:fld id="{86CB4B4D-7CA3-9044-876B-883B54F8677D}" type="slidenum"/>
+            <a:fld id="{86CB4B4D-7CA3-9044-876B-883B54F8677D}" type="slidenum">
+              <a:t>‹#›</a:t>
+            </a:fld>
+            <a:endParaRPr/>
           </a:p>
         </p:txBody>
       </p:sp>
@@ -777,12 +781,12 @@
   <p:clrMapOvr>
     <a:masterClrMapping/>
   </p:clrMapOvr>
-  <p:transition xmlns:p14="http://schemas.microsoft.com/office/powerpoint/2010/main" spd="med" advClick="1"/>
+  <p:transition spd="med"/>
 </p:sldLayout>
 </file>
 
 <file path=ppt/slideLayouts/slideLayout10.xml><?xml version="1.0" encoding="utf-8"?>
-<p:sldLayout xmlns:a="http://schemas.openxmlformats.org/drawingml/2006/main" xmlns:r="http://schemas.openxmlformats.org/officeDocument/2006/relationships" xmlns:p="http://schemas.openxmlformats.org/presentationml/2006/main" xmlns:m="http://schemas.openxmlformats.org/officeDocument/2006/math" xmlns:a14="http://schemas.microsoft.com/office/drawing/2010/main" type="tx" showMasterSp="1" showMasterPhAnim="1">
+<p:sldLayout xmlns:a="http://schemas.openxmlformats.org/drawingml/2006/main" xmlns:r="http://schemas.openxmlformats.org/officeDocument/2006/relationships" xmlns:p="http://schemas.openxmlformats.org/presentationml/2006/main" type="tx">
   <p:cSld name="Statement">
     <p:spTree>
       <p:nvGrpSpPr>
@@ -801,7 +805,9 @@
       <p:sp>
         <p:nvSpPr>
           <p:cNvPr id="98" name="Body Level One…"/>
-          <p:cNvSpPr txBox="1"/>
+          <p:cNvSpPr txBox="1">
+            <a:spLocks noGrp="1"/>
+          </p:cNvSpPr>
           <p:nvPr>
             <p:ph type="body" sz="half" idx="1" hasCustomPrompt="1"/>
           </p:nvPr>
@@ -825,7 +831,7 @@
               <a:buClrTx/>
               <a:buSzTx/>
               <a:buNone/>
-              <a:defRPr spc="-252" sz="8400">
+              <a:defRPr sz="8400" spc="-252">
                 <a:gradFill flip="none" rotWithShape="1">
                   <a:gsLst>
                     <a:gs pos="0">
@@ -837,9 +843,9 @@
                   </a:gsLst>
                   <a:lin ang="5400000" scaled="0"/>
                 </a:gradFill>
-                <a:latin typeface="Graphik Medium"/>
-                <a:ea typeface="Graphik Medium"/>
-                <a:cs typeface="Graphik Medium"/>
+                <a:latin typeface="Graphik-Medium"/>
+                <a:ea typeface="Graphik-Medium"/>
+                <a:cs typeface="Graphik-Medium"/>
                 <a:sym typeface="Graphik Medium"/>
               </a:defRPr>
             </a:lvl1pPr>
@@ -850,7 +856,7 @@
               <a:buClrTx/>
               <a:buSzTx/>
               <a:buNone/>
-              <a:defRPr spc="-252" sz="8400">
+              <a:defRPr sz="8400" spc="-252">
                 <a:gradFill flip="none" rotWithShape="1">
                   <a:gsLst>
                     <a:gs pos="0">
@@ -862,9 +868,9 @@
                   </a:gsLst>
                   <a:lin ang="5400000" scaled="0"/>
                 </a:gradFill>
-                <a:latin typeface="Graphik Medium"/>
-                <a:ea typeface="Graphik Medium"/>
-                <a:cs typeface="Graphik Medium"/>
+                <a:latin typeface="Graphik-Medium"/>
+                <a:ea typeface="Graphik-Medium"/>
+                <a:cs typeface="Graphik-Medium"/>
                 <a:sym typeface="Graphik Medium"/>
               </a:defRPr>
             </a:lvl2pPr>
@@ -875,7 +881,7 @@
               <a:buClrTx/>
               <a:buSzTx/>
               <a:buNone/>
-              <a:defRPr spc="-252" sz="8400">
+              <a:defRPr sz="8400" spc="-252">
                 <a:gradFill flip="none" rotWithShape="1">
                   <a:gsLst>
                     <a:gs pos="0">
@@ -887,9 +893,9 @@
                   </a:gsLst>
                   <a:lin ang="5400000" scaled="0"/>
                 </a:gradFill>
-                <a:latin typeface="Graphik Medium"/>
-                <a:ea typeface="Graphik Medium"/>
-                <a:cs typeface="Graphik Medium"/>
+                <a:latin typeface="Graphik-Medium"/>
+                <a:ea typeface="Graphik-Medium"/>
+                <a:cs typeface="Graphik-Medium"/>
                 <a:sym typeface="Graphik Medium"/>
               </a:defRPr>
             </a:lvl3pPr>
@@ -900,7 +906,7 @@
               <a:buClrTx/>
               <a:buSzTx/>
               <a:buNone/>
-              <a:defRPr spc="-252" sz="8400">
+              <a:defRPr sz="8400" spc="-252">
                 <a:gradFill flip="none" rotWithShape="1">
                   <a:gsLst>
                     <a:gs pos="0">
@@ -912,9 +918,9 @@
                   </a:gsLst>
                   <a:lin ang="5400000" scaled="0"/>
                 </a:gradFill>
-                <a:latin typeface="Graphik Medium"/>
-                <a:ea typeface="Graphik Medium"/>
-                <a:cs typeface="Graphik Medium"/>
+                <a:latin typeface="Graphik-Medium"/>
+                <a:ea typeface="Graphik-Medium"/>
+                <a:cs typeface="Graphik-Medium"/>
                 <a:sym typeface="Graphik Medium"/>
               </a:defRPr>
             </a:lvl4pPr>
@@ -925,7 +931,7 @@
               <a:buClrTx/>
               <a:buSzTx/>
               <a:buNone/>
-              <a:defRPr spc="-252" sz="8400">
+              <a:defRPr sz="8400" spc="-252">
                 <a:gradFill flip="none" rotWithShape="1">
                   <a:gsLst>
                     <a:gs pos="0">
@@ -937,49 +943,42 @@
                   </a:gsLst>
                   <a:lin ang="5400000" scaled="0"/>
                 </a:gradFill>
-                <a:latin typeface="Graphik Medium"/>
-                <a:ea typeface="Graphik Medium"/>
-                <a:cs typeface="Graphik Medium"/>
+                <a:latin typeface="Graphik-Medium"/>
+                <a:ea typeface="Graphik-Medium"/>
+                <a:cs typeface="Graphik-Medium"/>
                 <a:sym typeface="Graphik Medium"/>
               </a:defRPr>
             </a:lvl5pPr>
           </a:lstStyle>
           <a:p>
-            <a:pPr/>
             <a:r>
               <a:t>Statement</a:t>
             </a:r>
           </a:p>
           <a:p>
             <a:pPr lvl="1"/>
-            <a:r>
-              <a:t/>
-            </a:r>
+            <a:endParaRPr/>
           </a:p>
           <a:p>
             <a:pPr lvl="2"/>
-            <a:r>
-              <a:t/>
-            </a:r>
+            <a:endParaRPr/>
           </a:p>
           <a:p>
             <a:pPr lvl="3"/>
-            <a:r>
-              <a:t/>
-            </a:r>
+            <a:endParaRPr/>
           </a:p>
           <a:p>
             <a:pPr lvl="4"/>
-            <a:r>
-              <a:t/>
-            </a:r>
+            <a:endParaRPr/>
           </a:p>
         </p:txBody>
       </p:sp>
       <p:sp>
         <p:nvSpPr>
           <p:cNvPr id="99" name="Slide Number"/>
-          <p:cNvSpPr txBox="1"/>
+          <p:cNvSpPr txBox="1">
+            <a:spLocks noGrp="1"/>
+          </p:cNvSpPr>
           <p:nvPr>
             <p:ph type="sldNum" sz="quarter" idx="2"/>
           </p:nvPr>
@@ -993,8 +992,10 @@
           <a:bodyPr/>
           <a:lstStyle/>
           <a:p>
-            <a:pPr/>
-            <a:fld id="{86CB4B4D-7CA3-9044-876B-883B54F8677D}" type="slidenum"/>
+            <a:fld id="{86CB4B4D-7CA3-9044-876B-883B54F8677D}" type="slidenum">
+              <a:t>‹#›</a:t>
+            </a:fld>
+            <a:endParaRPr/>
           </a:p>
         </p:txBody>
       </p:sp>
@@ -1003,12 +1004,12 @@
   <p:clrMapOvr>
     <a:masterClrMapping/>
   </p:clrMapOvr>
-  <p:transition xmlns:p14="http://schemas.microsoft.com/office/powerpoint/2010/main" spd="med" advClick="1"/>
+  <p:transition spd="med"/>
 </p:sldLayout>
 </file>
 
 <file path=ppt/slideLayouts/slideLayout11.xml><?xml version="1.0" encoding="utf-8"?>
-<p:sldLayout xmlns:a="http://schemas.openxmlformats.org/drawingml/2006/main" xmlns:r="http://schemas.openxmlformats.org/officeDocument/2006/relationships" xmlns:p="http://schemas.openxmlformats.org/presentationml/2006/main" xmlns:m="http://schemas.openxmlformats.org/officeDocument/2006/math" xmlns:a14="http://schemas.microsoft.com/office/drawing/2010/main" type="tx" showMasterSp="1" showMasterPhAnim="1">
+<p:sldLayout xmlns:a="http://schemas.openxmlformats.org/drawingml/2006/main" xmlns:r="http://schemas.openxmlformats.org/officeDocument/2006/relationships" xmlns:p="http://schemas.openxmlformats.org/presentationml/2006/main" type="tx">
   <p:cSld name="Big Fact">
     <p:spTree>
       <p:nvGrpSpPr>
@@ -1027,7 +1028,9 @@
       <p:sp>
         <p:nvSpPr>
           <p:cNvPr id="106" name="Body Level One…"/>
-          <p:cNvSpPr txBox="1"/>
+          <p:cNvSpPr txBox="1">
+            <a:spLocks noGrp="1"/>
+          </p:cNvSpPr>
           <p:nvPr>
             <p:ph type="body" sz="half" idx="1" hasCustomPrompt="1"/>
           </p:nvPr>
@@ -1054,7 +1057,7 @@
               <a:buClrTx/>
               <a:buSzTx/>
               <a:buNone/>
-              <a:defRPr spc="-448" sz="22400">
+              <a:defRPr sz="22400" spc="-448">
                 <a:gradFill flip="none" rotWithShape="1">
                   <a:gsLst>
                     <a:gs pos="0">
@@ -1082,7 +1085,7 @@
               <a:buClrTx/>
               <a:buSzTx/>
               <a:buNone/>
-              <a:defRPr spc="-448" sz="22400">
+              <a:defRPr sz="22400" spc="-448">
                 <a:gradFill flip="none" rotWithShape="1">
                   <a:gsLst>
                     <a:gs pos="0">
@@ -1110,7 +1113,7 @@
               <a:buClrTx/>
               <a:buSzTx/>
               <a:buNone/>
-              <a:defRPr spc="-448" sz="22400">
+              <a:defRPr sz="22400" spc="-448">
                 <a:gradFill flip="none" rotWithShape="1">
                   <a:gsLst>
                     <a:gs pos="0">
@@ -1138,7 +1141,7 @@
               <a:buClrTx/>
               <a:buSzTx/>
               <a:buNone/>
-              <a:defRPr spc="-448" sz="22400">
+              <a:defRPr sz="22400" spc="-448">
                 <a:gradFill flip="none" rotWithShape="1">
                   <a:gsLst>
                     <a:gs pos="0">
@@ -1166,7 +1169,7 @@
               <a:buClrTx/>
               <a:buSzTx/>
               <a:buNone/>
-              <a:defRPr spc="-448" sz="22400">
+              <a:defRPr sz="22400" spc="-448">
                 <a:gradFill flip="none" rotWithShape="1">
                   <a:gsLst>
                     <a:gs pos="0">
@@ -1186,41 +1189,34 @@
             </a:lvl5pPr>
           </a:lstStyle>
           <a:p>
-            <a:pPr/>
             <a:r>
               <a:t>100%</a:t>
             </a:r>
           </a:p>
           <a:p>
             <a:pPr lvl="1"/>
-            <a:r>
-              <a:t/>
-            </a:r>
+            <a:endParaRPr/>
           </a:p>
           <a:p>
             <a:pPr lvl="2"/>
-            <a:r>
-              <a:t/>
-            </a:r>
+            <a:endParaRPr/>
           </a:p>
           <a:p>
             <a:pPr lvl="3"/>
-            <a:r>
-              <a:t/>
-            </a:r>
+            <a:endParaRPr/>
           </a:p>
           <a:p>
             <a:pPr lvl="4"/>
-            <a:r>
-              <a:t/>
-            </a:r>
+            <a:endParaRPr/>
           </a:p>
         </p:txBody>
       </p:sp>
       <p:sp>
         <p:nvSpPr>
           <p:cNvPr id="107" name="Fact information"/>
-          <p:cNvSpPr txBox="1"/>
+          <p:cNvSpPr txBox="1">
+            <a:spLocks noGrp="1"/>
+          </p:cNvSpPr>
           <p:nvPr>
             <p:ph type="body" sz="quarter" idx="21" hasCustomPrompt="1"/>
           </p:nvPr>
@@ -1248,15 +1244,14 @@
                 <a:solidFill>
                   <a:srgbClr val="D5D5D5"/>
                 </a:solidFill>
-                <a:latin typeface="Graphik Medium"/>
-                <a:ea typeface="Graphik Medium"/>
-                <a:cs typeface="Graphik Medium"/>
+                <a:latin typeface="Graphik-Medium"/>
+                <a:ea typeface="Graphik-Medium"/>
+                <a:cs typeface="Graphik-Medium"/>
                 <a:sym typeface="Graphik Medium"/>
               </a:defRPr>
             </a:lvl1pPr>
           </a:lstStyle>
           <a:p>
-            <a:pPr/>
             <a:r>
               <a:t>Fact information</a:t>
             </a:r>
@@ -1266,7 +1261,9 @@
       <p:sp>
         <p:nvSpPr>
           <p:cNvPr id="108" name="Slide Number"/>
-          <p:cNvSpPr txBox="1"/>
+          <p:cNvSpPr txBox="1">
+            <a:spLocks noGrp="1"/>
+          </p:cNvSpPr>
           <p:nvPr>
             <p:ph type="sldNum" sz="quarter" idx="2"/>
           </p:nvPr>
@@ -1280,8 +1277,10 @@
           <a:bodyPr/>
           <a:lstStyle/>
           <a:p>
-            <a:pPr/>
-            <a:fld id="{86CB4B4D-7CA3-9044-876B-883B54F8677D}" type="slidenum"/>
+            <a:fld id="{86CB4B4D-7CA3-9044-876B-883B54F8677D}" type="slidenum">
+              <a:t>‹#›</a:t>
+            </a:fld>
+            <a:endParaRPr/>
           </a:p>
         </p:txBody>
       </p:sp>
@@ -1290,12 +1289,12 @@
   <p:clrMapOvr>
     <a:masterClrMapping/>
   </p:clrMapOvr>
-  <p:transition xmlns:p14="http://schemas.microsoft.com/office/powerpoint/2010/main" spd="med" advClick="1"/>
+  <p:transition spd="med"/>
 </p:sldLayout>
 </file>
 
 <file path=ppt/slideLayouts/slideLayout12.xml><?xml version="1.0" encoding="utf-8"?>
-<p:sldLayout xmlns:a="http://schemas.openxmlformats.org/drawingml/2006/main" xmlns:r="http://schemas.openxmlformats.org/officeDocument/2006/relationships" xmlns:p="http://schemas.openxmlformats.org/presentationml/2006/main" xmlns:m="http://schemas.openxmlformats.org/officeDocument/2006/math" xmlns:a14="http://schemas.microsoft.com/office/drawing/2010/main" type="tx" showMasterSp="1" showMasterPhAnim="1">
+<p:sldLayout xmlns:a="http://schemas.openxmlformats.org/drawingml/2006/main" xmlns:r="http://schemas.openxmlformats.org/officeDocument/2006/relationships" xmlns:p="http://schemas.openxmlformats.org/presentationml/2006/main" type="tx">
   <p:cSld name="Quote">
     <p:spTree>
       <p:nvGrpSpPr>
@@ -1314,7 +1313,9 @@
       <p:sp>
         <p:nvSpPr>
           <p:cNvPr id="115" name="Attribution"/>
-          <p:cNvSpPr txBox="1"/>
+          <p:cNvSpPr txBox="1">
+            <a:spLocks noGrp="1"/>
+          </p:cNvSpPr>
           <p:nvPr>
             <p:ph type="body" sz="quarter" idx="21" hasCustomPrompt="1"/>
           </p:nvPr>
@@ -1342,15 +1343,14 @@
                 <a:solidFill>
                   <a:srgbClr val="D5D5D5"/>
                 </a:solidFill>
-                <a:latin typeface="Graphik Medium"/>
-                <a:ea typeface="Graphik Medium"/>
-                <a:cs typeface="Graphik Medium"/>
+                <a:latin typeface="Graphik-Medium"/>
+                <a:ea typeface="Graphik-Medium"/>
+                <a:cs typeface="Graphik-Medium"/>
                 <a:sym typeface="Graphik Medium"/>
               </a:defRPr>
             </a:lvl1pPr>
           </a:lstStyle>
           <a:p>
-            <a:pPr/>
             <a:r>
               <a:t>Attribution</a:t>
             </a:r>
@@ -1360,7 +1360,9 @@
       <p:sp>
         <p:nvSpPr>
           <p:cNvPr id="116" name="Body Level One…"/>
-          <p:cNvSpPr txBox="1"/>
+          <p:cNvSpPr txBox="1">
+            <a:spLocks noGrp="1"/>
+          </p:cNvSpPr>
           <p:nvPr>
             <p:ph type="body" sz="half" idx="1" hasCustomPrompt="1"/>
           </p:nvPr>
@@ -1387,7 +1389,7 @@
               <a:buClrTx/>
               <a:buSzTx/>
               <a:buNone/>
-              <a:defRPr spc="-168" sz="8400">
+              <a:defRPr sz="8400" spc="-168">
                 <a:gradFill flip="none" rotWithShape="1">
                   <a:gsLst>
                     <a:gs pos="0">
@@ -1415,7 +1417,7 @@
               <a:buClrTx/>
               <a:buSzTx/>
               <a:buNone/>
-              <a:defRPr spc="-168" sz="8400">
+              <a:defRPr sz="8400" spc="-168">
                 <a:gradFill flip="none" rotWithShape="1">
                   <a:gsLst>
                     <a:gs pos="0">
@@ -1443,7 +1445,7 @@
               <a:buClrTx/>
               <a:buSzTx/>
               <a:buNone/>
-              <a:defRPr spc="-168" sz="8400">
+              <a:defRPr sz="8400" spc="-168">
                 <a:gradFill flip="none" rotWithShape="1">
                   <a:gsLst>
                     <a:gs pos="0">
@@ -1471,7 +1473,7 @@
               <a:buClrTx/>
               <a:buSzTx/>
               <a:buNone/>
-              <a:defRPr spc="-168" sz="8400">
+              <a:defRPr sz="8400" spc="-168">
                 <a:gradFill flip="none" rotWithShape="1">
                   <a:gsLst>
                     <a:gs pos="0">
@@ -1499,7 +1501,7 @@
               <a:buClrTx/>
               <a:buSzTx/>
               <a:buNone/>
-              <a:defRPr spc="-168" sz="8400">
+              <a:defRPr sz="8400" spc="-168">
                 <a:gradFill flip="none" rotWithShape="1">
                   <a:gsLst>
                     <a:gs pos="0">
@@ -1519,41 +1521,34 @@
             </a:lvl5pPr>
           </a:lstStyle>
           <a:p>
-            <a:pPr/>
             <a:r>
               <a:t>“Notable Quote”</a:t>
             </a:r>
           </a:p>
           <a:p>
             <a:pPr lvl="1"/>
-            <a:r>
-              <a:t/>
-            </a:r>
+            <a:endParaRPr/>
           </a:p>
           <a:p>
             <a:pPr lvl="2"/>
-            <a:r>
-              <a:t/>
-            </a:r>
+            <a:endParaRPr/>
           </a:p>
           <a:p>
             <a:pPr lvl="3"/>
-            <a:r>
-              <a:t/>
-            </a:r>
+            <a:endParaRPr/>
           </a:p>
           <a:p>
             <a:pPr lvl="4"/>
-            <a:r>
-              <a:t/>
-            </a:r>
+            <a:endParaRPr/>
           </a:p>
         </p:txBody>
       </p:sp>
       <p:sp>
         <p:nvSpPr>
           <p:cNvPr id="117" name="Slide Number"/>
-          <p:cNvSpPr txBox="1"/>
+          <p:cNvSpPr txBox="1">
+            <a:spLocks noGrp="1"/>
+          </p:cNvSpPr>
           <p:nvPr>
             <p:ph type="sldNum" sz="quarter" idx="2"/>
           </p:nvPr>
@@ -1567,8 +1562,10 @@
           <a:bodyPr/>
           <a:lstStyle/>
           <a:p>
-            <a:pPr/>
-            <a:fld id="{86CB4B4D-7CA3-9044-876B-883B54F8677D}" type="slidenum"/>
+            <a:fld id="{86CB4B4D-7CA3-9044-876B-883B54F8677D}" type="slidenum">
+              <a:t>‹#›</a:t>
+            </a:fld>
+            <a:endParaRPr/>
           </a:p>
         </p:txBody>
       </p:sp>
@@ -1577,12 +1574,12 @@
   <p:clrMapOvr>
     <a:masterClrMapping/>
   </p:clrMapOvr>
-  <p:transition xmlns:p14="http://schemas.microsoft.com/office/powerpoint/2010/main" spd="med" advClick="1"/>
+  <p:transition spd="med"/>
 </p:sldLayout>
 </file>
 
 <file path=ppt/slideLayouts/slideLayout13.xml><?xml version="1.0" encoding="utf-8"?>
-<p:sldLayout xmlns:a="http://schemas.openxmlformats.org/drawingml/2006/main" xmlns:r="http://schemas.openxmlformats.org/officeDocument/2006/relationships" xmlns:p="http://schemas.openxmlformats.org/presentationml/2006/main" xmlns:m="http://schemas.openxmlformats.org/officeDocument/2006/math" xmlns:a14="http://schemas.microsoft.com/office/drawing/2010/main" type="tx" showMasterSp="1" showMasterPhAnim="1">
+<p:sldLayout xmlns:a="http://schemas.openxmlformats.org/drawingml/2006/main" xmlns:r="http://schemas.openxmlformats.org/officeDocument/2006/relationships" xmlns:p="http://schemas.openxmlformats.org/presentationml/2006/main" type="tx">
   <p:cSld name="Photo - 3 Up">
     <p:spTree>
       <p:nvGrpSpPr>
@@ -1601,7 +1598,9 @@
       <p:sp>
         <p:nvSpPr>
           <p:cNvPr id="124" name="482346840_2880x1920.jpg"/>
-          <p:cNvSpPr/>
+          <p:cNvSpPr>
+            <a:spLocks noGrp="1"/>
+          </p:cNvSpPr>
           <p:nvPr>
             <p:ph type="pic" sz="half" idx="21"/>
           </p:nvPr>
@@ -1621,14 +1620,16 @@
           </a:bodyPr>
           <a:lstStyle/>
           <a:p>
-            <a:pPr/>
+            <a:endParaRPr/>
           </a:p>
         </p:txBody>
       </p:sp>
       <p:sp>
         <p:nvSpPr>
           <p:cNvPr id="125" name="908252162_2439x1626.jpg"/>
-          <p:cNvSpPr/>
+          <p:cNvSpPr>
+            <a:spLocks noGrp="1"/>
+          </p:cNvSpPr>
           <p:nvPr>
             <p:ph type="pic" sz="half" idx="22"/>
           </p:nvPr>
@@ -1648,14 +1649,16 @@
           </a:bodyPr>
           <a:lstStyle/>
           <a:p>
-            <a:pPr/>
+            <a:endParaRPr/>
           </a:p>
         </p:txBody>
       </p:sp>
       <p:sp>
         <p:nvSpPr>
           <p:cNvPr id="126" name="579215462_1440x2158.jpg"/>
-          <p:cNvSpPr/>
+          <p:cNvSpPr>
+            <a:spLocks noGrp="1"/>
+          </p:cNvSpPr>
           <p:nvPr>
             <p:ph type="pic" idx="23"/>
           </p:nvPr>
@@ -1675,14 +1678,16 @@
           </a:bodyPr>
           <a:lstStyle/>
           <a:p>
-            <a:pPr/>
+            <a:endParaRPr/>
           </a:p>
         </p:txBody>
       </p:sp>
       <p:sp>
         <p:nvSpPr>
           <p:cNvPr id="127" name="Slide Number"/>
-          <p:cNvSpPr txBox="1"/>
+          <p:cNvSpPr txBox="1">
+            <a:spLocks noGrp="1"/>
+          </p:cNvSpPr>
           <p:nvPr>
             <p:ph type="sldNum" sz="quarter" idx="2"/>
           </p:nvPr>
@@ -1696,8 +1701,10 @@
           <a:bodyPr/>
           <a:lstStyle/>
           <a:p>
-            <a:pPr/>
-            <a:fld id="{86CB4B4D-7CA3-9044-876B-883B54F8677D}" type="slidenum"/>
+            <a:fld id="{86CB4B4D-7CA3-9044-876B-883B54F8677D}" type="slidenum">
+              <a:t>‹#›</a:t>
+            </a:fld>
+            <a:endParaRPr/>
           </a:p>
         </p:txBody>
       </p:sp>
@@ -1706,12 +1713,12 @@
   <p:clrMapOvr>
     <a:masterClrMapping/>
   </p:clrMapOvr>
-  <p:transition xmlns:p14="http://schemas.microsoft.com/office/powerpoint/2010/main" spd="med" advClick="1"/>
+  <p:transition spd="med"/>
 </p:sldLayout>
 </file>
 
 <file path=ppt/slideLayouts/slideLayout14.xml><?xml version="1.0" encoding="utf-8"?>
-<p:sldLayout xmlns:a="http://schemas.openxmlformats.org/drawingml/2006/main" xmlns:r="http://schemas.openxmlformats.org/officeDocument/2006/relationships" xmlns:p="http://schemas.openxmlformats.org/presentationml/2006/main" xmlns:m="http://schemas.openxmlformats.org/officeDocument/2006/math" xmlns:a14="http://schemas.microsoft.com/office/drawing/2010/main" type="tx" showMasterSp="1" showMasterPhAnim="1">
+<p:sldLayout xmlns:a="http://schemas.openxmlformats.org/drawingml/2006/main" xmlns:r="http://schemas.openxmlformats.org/officeDocument/2006/relationships" xmlns:p="http://schemas.openxmlformats.org/presentationml/2006/main" type="tx">
   <p:cSld name="Photo">
     <p:spTree>
       <p:nvGrpSpPr>
@@ -1730,7 +1737,9 @@
       <p:sp>
         <p:nvSpPr>
           <p:cNvPr id="134" name="Image"/>
-          <p:cNvSpPr/>
+          <p:cNvSpPr>
+            <a:spLocks noGrp="1"/>
+          </p:cNvSpPr>
           <p:nvPr>
             <p:ph type="pic" idx="21"/>
           </p:nvPr>
@@ -1750,14 +1759,16 @@
           </a:bodyPr>
           <a:lstStyle/>
           <a:p>
-            <a:pPr/>
+            <a:endParaRPr/>
           </a:p>
         </p:txBody>
       </p:sp>
       <p:sp>
         <p:nvSpPr>
           <p:cNvPr id="135" name="Slide Number"/>
-          <p:cNvSpPr txBox="1"/>
+          <p:cNvSpPr txBox="1">
+            <a:spLocks noGrp="1"/>
+          </p:cNvSpPr>
           <p:nvPr>
             <p:ph type="sldNum" sz="quarter" idx="2"/>
           </p:nvPr>
@@ -1771,8 +1782,10 @@
           <a:bodyPr/>
           <a:lstStyle/>
           <a:p>
-            <a:pPr/>
-            <a:fld id="{86CB4B4D-7CA3-9044-876B-883B54F8677D}" type="slidenum"/>
+            <a:fld id="{86CB4B4D-7CA3-9044-876B-883B54F8677D}" type="slidenum">
+              <a:t>‹#›</a:t>
+            </a:fld>
+            <a:endParaRPr/>
           </a:p>
         </p:txBody>
       </p:sp>
@@ -1781,12 +1794,12 @@
   <p:clrMapOvr>
     <a:masterClrMapping/>
   </p:clrMapOvr>
-  <p:transition xmlns:p14="http://schemas.microsoft.com/office/powerpoint/2010/main" spd="med" advClick="1"/>
+  <p:transition spd="med"/>
 </p:sldLayout>
 </file>
 
 <file path=ppt/slideLayouts/slideLayout15.xml><?xml version="1.0" encoding="utf-8"?>
-<p:sldLayout xmlns:a="http://schemas.openxmlformats.org/drawingml/2006/main" xmlns:r="http://schemas.openxmlformats.org/officeDocument/2006/relationships" xmlns:p="http://schemas.openxmlformats.org/presentationml/2006/main" xmlns:m="http://schemas.openxmlformats.org/officeDocument/2006/math" xmlns:a14="http://schemas.microsoft.com/office/drawing/2010/main" type="tx" showMasterSp="1" showMasterPhAnim="1">
+<p:sldLayout xmlns:a="http://schemas.openxmlformats.org/drawingml/2006/main" xmlns:r="http://schemas.openxmlformats.org/officeDocument/2006/relationships" xmlns:p="http://schemas.openxmlformats.org/presentationml/2006/main" type="tx">
   <p:cSld name="Blank">
     <p:spTree>
       <p:nvGrpSpPr>
@@ -1805,7 +1818,9 @@
       <p:sp>
         <p:nvSpPr>
           <p:cNvPr id="142" name="Slide Number"/>
-          <p:cNvSpPr txBox="1"/>
+          <p:cNvSpPr txBox="1">
+            <a:spLocks noGrp="1"/>
+          </p:cNvSpPr>
           <p:nvPr>
             <p:ph type="sldNum" sz="quarter" idx="2"/>
           </p:nvPr>
@@ -1819,8 +1834,10 @@
           <a:bodyPr/>
           <a:lstStyle/>
           <a:p>
-            <a:pPr/>
-            <a:fld id="{86CB4B4D-7CA3-9044-876B-883B54F8677D}" type="slidenum"/>
+            <a:fld id="{86CB4B4D-7CA3-9044-876B-883B54F8677D}" type="slidenum">
+              <a:t>‹#›</a:t>
+            </a:fld>
+            <a:endParaRPr/>
           </a:p>
         </p:txBody>
       </p:sp>
@@ -1829,12 +1846,12 @@
   <p:clrMapOvr>
     <a:masterClrMapping/>
   </p:clrMapOvr>
-  <p:transition xmlns:p14="http://schemas.microsoft.com/office/powerpoint/2010/main" spd="med" advClick="1"/>
+  <p:transition spd="med"/>
 </p:sldLayout>
 </file>
 
 <file path=ppt/slideLayouts/slideLayout2.xml><?xml version="1.0" encoding="utf-8"?>
-<p:sldLayout xmlns:a="http://schemas.openxmlformats.org/drawingml/2006/main" xmlns:r="http://schemas.openxmlformats.org/officeDocument/2006/relationships" xmlns:p="http://schemas.openxmlformats.org/presentationml/2006/main" xmlns:m="http://schemas.openxmlformats.org/officeDocument/2006/math" xmlns:a14="http://schemas.microsoft.com/office/drawing/2010/main" type="tx" showMasterSp="1" showMasterPhAnim="1">
+<p:sldLayout xmlns:a="http://schemas.openxmlformats.org/drawingml/2006/main" xmlns:r="http://schemas.openxmlformats.org/officeDocument/2006/relationships" xmlns:p="http://schemas.openxmlformats.org/presentationml/2006/main" type="tx">
   <p:cSld name="Title &amp; Photo">
     <p:spTree>
       <p:nvGrpSpPr>
@@ -1853,7 +1870,9 @@
       <p:sp>
         <p:nvSpPr>
           <p:cNvPr id="21" name="Image"/>
-          <p:cNvSpPr/>
+          <p:cNvSpPr>
+            <a:spLocks noGrp="1"/>
+          </p:cNvSpPr>
           <p:nvPr>
             <p:ph type="pic" idx="21"/>
           </p:nvPr>
@@ -1873,14 +1892,16 @@
           </a:bodyPr>
           <a:lstStyle/>
           <a:p>
-            <a:pPr/>
+            <a:endParaRPr/>
           </a:p>
         </p:txBody>
       </p:sp>
       <p:sp>
         <p:nvSpPr>
           <p:cNvPr id="22" name="Author and Date"/>
-          <p:cNvSpPr txBox="1"/>
+          <p:cNvSpPr txBox="1">
+            <a:spLocks noGrp="1"/>
+          </p:cNvSpPr>
           <p:nvPr>
             <p:ph type="body" sz="quarter" idx="22" hasCustomPrompt="1"/>
           </p:nvPr>
@@ -1908,15 +1929,14 @@
                 <a:solidFill>
                   <a:srgbClr val="D5D5D5"/>
                 </a:solidFill>
-                <a:latin typeface="Graphik Medium"/>
-                <a:ea typeface="Graphik Medium"/>
-                <a:cs typeface="Graphik Medium"/>
+                <a:latin typeface="Graphik-Medium"/>
+                <a:ea typeface="Graphik-Medium"/>
+                <a:cs typeface="Graphik-Medium"/>
                 <a:sym typeface="Graphik Medium"/>
               </a:defRPr>
             </a:lvl1pPr>
           </a:lstStyle>
           <a:p>
-            <a:pPr/>
             <a:r>
               <a:t>Author and Date</a:t>
             </a:r>
@@ -1926,7 +1946,9 @@
       <p:sp>
         <p:nvSpPr>
           <p:cNvPr id="23" name="Presentation Title"/>
-          <p:cNvSpPr txBox="1"/>
+          <p:cNvSpPr txBox="1">
+            <a:spLocks noGrp="1"/>
+          </p:cNvSpPr>
           <p:nvPr>
             <p:ph type="title" hasCustomPrompt="1"/>
           </p:nvPr>
@@ -1947,11 +1969,10 @@
               <a:lnSpc>
                 <a:spcPct val="90000"/>
               </a:lnSpc>
-              <a:defRPr spc="-348" sz="11600"/>
+              <a:defRPr sz="11600" spc="-348"/>
             </a:lvl1pPr>
           </a:lstStyle>
           <a:p>
-            <a:pPr/>
             <a:r>
               <a:t>Presentation Title</a:t>
             </a:r>
@@ -1961,7 +1982,9 @@
       <p:sp>
         <p:nvSpPr>
           <p:cNvPr id="24" name="Body Level One…"/>
-          <p:cNvSpPr txBox="1"/>
+          <p:cNvSpPr txBox="1">
+            <a:spLocks noGrp="1"/>
+          </p:cNvSpPr>
           <p:nvPr>
             <p:ph type="body" sz="quarter" idx="1" hasCustomPrompt="1"/>
           </p:nvPr>
@@ -1989,9 +2012,9 @@
                 <a:solidFill>
                   <a:srgbClr val="D5D5D5"/>
                 </a:solidFill>
-                <a:latin typeface="Graphik Medium"/>
-                <a:ea typeface="Graphik Medium"/>
-                <a:cs typeface="Graphik Medium"/>
+                <a:latin typeface="Graphik-Medium"/>
+                <a:ea typeface="Graphik-Medium"/>
+                <a:cs typeface="Graphik-Medium"/>
                 <a:sym typeface="Graphik Medium"/>
               </a:defRPr>
             </a:lvl1pPr>
@@ -2006,9 +2029,9 @@
                 <a:solidFill>
                   <a:srgbClr val="D5D5D5"/>
                 </a:solidFill>
-                <a:latin typeface="Graphik Medium"/>
-                <a:ea typeface="Graphik Medium"/>
-                <a:cs typeface="Graphik Medium"/>
+                <a:latin typeface="Graphik-Medium"/>
+                <a:ea typeface="Graphik-Medium"/>
+                <a:cs typeface="Graphik-Medium"/>
                 <a:sym typeface="Graphik Medium"/>
               </a:defRPr>
             </a:lvl2pPr>
@@ -2023,9 +2046,9 @@
                 <a:solidFill>
                   <a:srgbClr val="D5D5D5"/>
                 </a:solidFill>
-                <a:latin typeface="Graphik Medium"/>
-                <a:ea typeface="Graphik Medium"/>
-                <a:cs typeface="Graphik Medium"/>
+                <a:latin typeface="Graphik-Medium"/>
+                <a:ea typeface="Graphik-Medium"/>
+                <a:cs typeface="Graphik-Medium"/>
                 <a:sym typeface="Graphik Medium"/>
               </a:defRPr>
             </a:lvl3pPr>
@@ -2040,9 +2063,9 @@
                 <a:solidFill>
                   <a:srgbClr val="D5D5D5"/>
                 </a:solidFill>
-                <a:latin typeface="Graphik Medium"/>
-                <a:ea typeface="Graphik Medium"/>
-                <a:cs typeface="Graphik Medium"/>
+                <a:latin typeface="Graphik-Medium"/>
+                <a:ea typeface="Graphik-Medium"/>
+                <a:cs typeface="Graphik-Medium"/>
                 <a:sym typeface="Graphik Medium"/>
               </a:defRPr>
             </a:lvl4pPr>
@@ -2057,49 +2080,42 @@
                 <a:solidFill>
                   <a:srgbClr val="D5D5D5"/>
                 </a:solidFill>
-                <a:latin typeface="Graphik Medium"/>
-                <a:ea typeface="Graphik Medium"/>
-                <a:cs typeface="Graphik Medium"/>
+                <a:latin typeface="Graphik-Medium"/>
+                <a:ea typeface="Graphik-Medium"/>
+                <a:cs typeface="Graphik-Medium"/>
                 <a:sym typeface="Graphik Medium"/>
               </a:defRPr>
             </a:lvl5pPr>
           </a:lstStyle>
           <a:p>
-            <a:pPr/>
             <a:r>
               <a:t>Presentation Subtitle</a:t>
             </a:r>
           </a:p>
           <a:p>
             <a:pPr lvl="1"/>
-            <a:r>
-              <a:t/>
-            </a:r>
+            <a:endParaRPr/>
           </a:p>
           <a:p>
             <a:pPr lvl="2"/>
-            <a:r>
-              <a:t/>
-            </a:r>
+            <a:endParaRPr/>
           </a:p>
           <a:p>
             <a:pPr lvl="3"/>
-            <a:r>
-              <a:t/>
-            </a:r>
+            <a:endParaRPr/>
           </a:p>
           <a:p>
             <a:pPr lvl="4"/>
-            <a:r>
-              <a:t/>
-            </a:r>
+            <a:endParaRPr/>
           </a:p>
         </p:txBody>
       </p:sp>
       <p:sp>
         <p:nvSpPr>
           <p:cNvPr id="25" name="Slide Number"/>
-          <p:cNvSpPr txBox="1"/>
+          <p:cNvSpPr txBox="1">
+            <a:spLocks noGrp="1"/>
+          </p:cNvSpPr>
           <p:nvPr>
             <p:ph type="sldNum" sz="quarter" idx="2"/>
           </p:nvPr>
@@ -2113,8 +2129,10 @@
           <a:bodyPr/>
           <a:lstStyle/>
           <a:p>
-            <a:pPr/>
-            <a:fld id="{86CB4B4D-7CA3-9044-876B-883B54F8677D}" type="slidenum"/>
+            <a:fld id="{86CB4B4D-7CA3-9044-876B-883B54F8677D}" type="slidenum">
+              <a:t>‹#›</a:t>
+            </a:fld>
+            <a:endParaRPr/>
           </a:p>
         </p:txBody>
       </p:sp>
@@ -2123,12 +2141,12 @@
   <p:clrMapOvr>
     <a:masterClrMapping/>
   </p:clrMapOvr>
-  <p:transition xmlns:p14="http://schemas.microsoft.com/office/powerpoint/2010/main" spd="med" advClick="1"/>
+  <p:transition spd="med"/>
 </p:sldLayout>
 </file>
 
 <file path=ppt/slideLayouts/slideLayout3.xml><?xml version="1.0" encoding="utf-8"?>
-<p:sldLayout xmlns:a="http://schemas.openxmlformats.org/drawingml/2006/main" xmlns:r="http://schemas.openxmlformats.org/officeDocument/2006/relationships" xmlns:p="http://schemas.openxmlformats.org/presentationml/2006/main" xmlns:m="http://schemas.openxmlformats.org/officeDocument/2006/math" xmlns:a14="http://schemas.microsoft.com/office/drawing/2010/main" type="tx" showMasterSp="1" showMasterPhAnim="1">
+<p:sldLayout xmlns:a="http://schemas.openxmlformats.org/drawingml/2006/main" xmlns:r="http://schemas.openxmlformats.org/officeDocument/2006/relationships" xmlns:p="http://schemas.openxmlformats.org/presentationml/2006/main" type="tx">
   <p:cSld name="Title &amp; Photo Alt">
     <p:spTree>
       <p:nvGrpSpPr>
@@ -2147,7 +2165,9 @@
       <p:sp>
         <p:nvSpPr>
           <p:cNvPr id="32" name="Image"/>
-          <p:cNvSpPr/>
+          <p:cNvSpPr>
+            <a:spLocks noGrp="1"/>
+          </p:cNvSpPr>
           <p:nvPr>
             <p:ph type="pic" idx="21"/>
           </p:nvPr>
@@ -2167,14 +2187,16 @@
           </a:bodyPr>
           <a:lstStyle/>
           <a:p>
-            <a:pPr/>
+            <a:endParaRPr/>
           </a:p>
         </p:txBody>
       </p:sp>
       <p:sp>
         <p:nvSpPr>
           <p:cNvPr id="33" name="Slide Title"/>
-          <p:cNvSpPr txBox="1"/>
+          <p:cNvSpPr txBox="1">
+            <a:spLocks noGrp="1"/>
+          </p:cNvSpPr>
           <p:nvPr>
             <p:ph type="title" hasCustomPrompt="1"/>
           </p:nvPr>
@@ -2192,7 +2214,6 @@
           <a:bodyPr/>
           <a:lstStyle/>
           <a:p>
-            <a:pPr/>
             <a:r>
               <a:t>Slide Title</a:t>
             </a:r>
@@ -2202,7 +2223,9 @@
       <p:sp>
         <p:nvSpPr>
           <p:cNvPr id="34" name="Body Level One…"/>
-          <p:cNvSpPr txBox="1"/>
+          <p:cNvSpPr txBox="1">
+            <a:spLocks noGrp="1"/>
+          </p:cNvSpPr>
           <p:nvPr>
             <p:ph type="body" sz="quarter" idx="1" hasCustomPrompt="1"/>
           </p:nvPr>
@@ -2230,9 +2253,9 @@
                 <a:solidFill>
                   <a:srgbClr val="D5D5D5"/>
                 </a:solidFill>
-                <a:latin typeface="Graphik Medium"/>
-                <a:ea typeface="Graphik Medium"/>
-                <a:cs typeface="Graphik Medium"/>
+                <a:latin typeface="Graphik-Medium"/>
+                <a:ea typeface="Graphik-Medium"/>
+                <a:cs typeface="Graphik-Medium"/>
                 <a:sym typeface="Graphik Medium"/>
               </a:defRPr>
             </a:lvl1pPr>
@@ -2247,9 +2270,9 @@
                 <a:solidFill>
                   <a:srgbClr val="D5D5D5"/>
                 </a:solidFill>
-                <a:latin typeface="Graphik Medium"/>
-                <a:ea typeface="Graphik Medium"/>
-                <a:cs typeface="Graphik Medium"/>
+                <a:latin typeface="Graphik-Medium"/>
+                <a:ea typeface="Graphik-Medium"/>
+                <a:cs typeface="Graphik-Medium"/>
                 <a:sym typeface="Graphik Medium"/>
               </a:defRPr>
             </a:lvl2pPr>
@@ -2264,9 +2287,9 @@
                 <a:solidFill>
                   <a:srgbClr val="D5D5D5"/>
                 </a:solidFill>
-                <a:latin typeface="Graphik Medium"/>
-                <a:ea typeface="Graphik Medium"/>
-                <a:cs typeface="Graphik Medium"/>
+                <a:latin typeface="Graphik-Medium"/>
+                <a:ea typeface="Graphik-Medium"/>
+                <a:cs typeface="Graphik-Medium"/>
                 <a:sym typeface="Graphik Medium"/>
               </a:defRPr>
             </a:lvl3pPr>
@@ -2281,9 +2304,9 @@
                 <a:solidFill>
                   <a:srgbClr val="D5D5D5"/>
                 </a:solidFill>
-                <a:latin typeface="Graphik Medium"/>
-                <a:ea typeface="Graphik Medium"/>
-                <a:cs typeface="Graphik Medium"/>
+                <a:latin typeface="Graphik-Medium"/>
+                <a:ea typeface="Graphik-Medium"/>
+                <a:cs typeface="Graphik-Medium"/>
                 <a:sym typeface="Graphik Medium"/>
               </a:defRPr>
             </a:lvl4pPr>
@@ -2298,49 +2321,42 @@
                 <a:solidFill>
                   <a:srgbClr val="D5D5D5"/>
                 </a:solidFill>
-                <a:latin typeface="Graphik Medium"/>
-                <a:ea typeface="Graphik Medium"/>
-                <a:cs typeface="Graphik Medium"/>
+                <a:latin typeface="Graphik-Medium"/>
+                <a:ea typeface="Graphik-Medium"/>
+                <a:cs typeface="Graphik-Medium"/>
                 <a:sym typeface="Graphik Medium"/>
               </a:defRPr>
             </a:lvl5pPr>
           </a:lstStyle>
           <a:p>
-            <a:pPr/>
             <a:r>
               <a:t>Slide Subtitle</a:t>
             </a:r>
           </a:p>
           <a:p>
             <a:pPr lvl="1"/>
-            <a:r>
-              <a:t/>
-            </a:r>
+            <a:endParaRPr/>
           </a:p>
           <a:p>
             <a:pPr lvl="2"/>
-            <a:r>
-              <a:t/>
-            </a:r>
+            <a:endParaRPr/>
           </a:p>
           <a:p>
             <a:pPr lvl="3"/>
-            <a:r>
-              <a:t/>
-            </a:r>
+            <a:endParaRPr/>
           </a:p>
           <a:p>
             <a:pPr lvl="4"/>
-            <a:r>
-              <a:t/>
-            </a:r>
+            <a:endParaRPr/>
           </a:p>
         </p:txBody>
       </p:sp>
       <p:sp>
         <p:nvSpPr>
           <p:cNvPr id="35" name="Slide Number"/>
-          <p:cNvSpPr txBox="1"/>
+          <p:cNvSpPr txBox="1">
+            <a:spLocks noGrp="1"/>
+          </p:cNvSpPr>
           <p:nvPr>
             <p:ph type="sldNum" sz="quarter" idx="2"/>
           </p:nvPr>
@@ -2354,8 +2370,10 @@
           <a:bodyPr/>
           <a:lstStyle/>
           <a:p>
-            <a:pPr/>
-            <a:fld id="{86CB4B4D-7CA3-9044-876B-883B54F8677D}" type="slidenum"/>
+            <a:fld id="{86CB4B4D-7CA3-9044-876B-883B54F8677D}" type="slidenum">
+              <a:t>‹#›</a:t>
+            </a:fld>
+            <a:endParaRPr/>
           </a:p>
         </p:txBody>
       </p:sp>
@@ -2364,12 +2382,12 @@
   <p:clrMapOvr>
     <a:masterClrMapping/>
   </p:clrMapOvr>
-  <p:transition xmlns:p14="http://schemas.microsoft.com/office/powerpoint/2010/main" spd="med" advClick="1"/>
+  <p:transition spd="med"/>
 </p:sldLayout>
 </file>
 
 <file path=ppt/slideLayouts/slideLayout4.xml><?xml version="1.0" encoding="utf-8"?>
-<p:sldLayout xmlns:a="http://schemas.openxmlformats.org/drawingml/2006/main" xmlns:r="http://schemas.openxmlformats.org/officeDocument/2006/relationships" xmlns:p="http://schemas.openxmlformats.org/presentationml/2006/main" xmlns:m="http://schemas.openxmlformats.org/officeDocument/2006/math" xmlns:a14="http://schemas.microsoft.com/office/drawing/2010/main" type="tx" showMasterSp="1" showMasterPhAnim="1">
+<p:sldLayout xmlns:a="http://schemas.openxmlformats.org/drawingml/2006/main" xmlns:r="http://schemas.openxmlformats.org/officeDocument/2006/relationships" xmlns:p="http://schemas.openxmlformats.org/presentationml/2006/main" type="tx">
   <p:cSld name="Title &amp; Bullets">
     <p:spTree>
       <p:nvGrpSpPr>
@@ -2388,7 +2406,9 @@
       <p:sp>
         <p:nvSpPr>
           <p:cNvPr id="42" name="Slide Title"/>
-          <p:cNvSpPr txBox="1"/>
+          <p:cNvSpPr txBox="1">
+            <a:spLocks noGrp="1"/>
+          </p:cNvSpPr>
           <p:nvPr>
             <p:ph type="title" hasCustomPrompt="1"/>
           </p:nvPr>
@@ -2402,7 +2422,6 @@
           <a:bodyPr/>
           <a:lstStyle/>
           <a:p>
-            <a:pPr/>
             <a:r>
               <a:t>Slide Title</a:t>
             </a:r>
@@ -2412,7 +2431,9 @@
       <p:sp>
         <p:nvSpPr>
           <p:cNvPr id="43" name="Slide Subtitle"/>
-          <p:cNvSpPr txBox="1"/>
+          <p:cNvSpPr txBox="1">
+            <a:spLocks noGrp="1"/>
+          </p:cNvSpPr>
           <p:nvPr>
             <p:ph type="body" sz="quarter" idx="21" hasCustomPrompt="1"/>
           </p:nvPr>
@@ -2440,15 +2461,14 @@
                 <a:solidFill>
                   <a:srgbClr val="D5D5D5"/>
                 </a:solidFill>
-                <a:latin typeface="Graphik Medium"/>
-                <a:ea typeface="Graphik Medium"/>
-                <a:cs typeface="Graphik Medium"/>
+                <a:latin typeface="Graphik-Medium"/>
+                <a:ea typeface="Graphik-Medium"/>
+                <a:cs typeface="Graphik-Medium"/>
                 <a:sym typeface="Graphik Medium"/>
               </a:defRPr>
             </a:lvl1pPr>
           </a:lstStyle>
           <a:p>
-            <a:pPr/>
             <a:r>
               <a:t>Slide Subtitle</a:t>
             </a:r>
@@ -2458,7 +2478,9 @@
       <p:sp>
         <p:nvSpPr>
           <p:cNvPr id="44" name="Body Level One…"/>
-          <p:cNvSpPr txBox="1"/>
+          <p:cNvSpPr txBox="1">
+            <a:spLocks noGrp="1"/>
+          </p:cNvSpPr>
           <p:nvPr>
             <p:ph type="body" idx="1" hasCustomPrompt="1"/>
           </p:nvPr>
@@ -2472,41 +2494,34 @@
           <a:bodyPr/>
           <a:lstStyle/>
           <a:p>
-            <a:pPr/>
             <a:r>
               <a:t>Slide bullet text</a:t>
             </a:r>
           </a:p>
           <a:p>
             <a:pPr lvl="1"/>
-            <a:r>
-              <a:t/>
-            </a:r>
+            <a:endParaRPr/>
           </a:p>
           <a:p>
             <a:pPr lvl="2"/>
-            <a:r>
-              <a:t/>
-            </a:r>
+            <a:endParaRPr/>
           </a:p>
           <a:p>
             <a:pPr lvl="3"/>
-            <a:r>
-              <a:t/>
-            </a:r>
+            <a:endParaRPr/>
           </a:p>
           <a:p>
             <a:pPr lvl="4"/>
-            <a:r>
-              <a:t/>
-            </a:r>
+            <a:endParaRPr/>
           </a:p>
         </p:txBody>
       </p:sp>
       <p:sp>
         <p:nvSpPr>
           <p:cNvPr id="45" name="Slide Number"/>
-          <p:cNvSpPr txBox="1"/>
+          <p:cNvSpPr txBox="1">
+            <a:spLocks noGrp="1"/>
+          </p:cNvSpPr>
           <p:nvPr>
             <p:ph type="sldNum" sz="quarter" idx="2"/>
           </p:nvPr>
@@ -2520,8 +2535,10 @@
           <a:bodyPr/>
           <a:lstStyle/>
           <a:p>
-            <a:pPr/>
-            <a:fld id="{86CB4B4D-7CA3-9044-876B-883B54F8677D}" type="slidenum"/>
+            <a:fld id="{86CB4B4D-7CA3-9044-876B-883B54F8677D}" type="slidenum">
+              <a:t>‹#›</a:t>
+            </a:fld>
+            <a:endParaRPr/>
           </a:p>
         </p:txBody>
       </p:sp>
@@ -2530,12 +2547,12 @@
   <p:clrMapOvr>
     <a:masterClrMapping/>
   </p:clrMapOvr>
-  <p:transition xmlns:p14="http://schemas.microsoft.com/office/powerpoint/2010/main" spd="med" advClick="1"/>
+  <p:transition spd="med"/>
 </p:sldLayout>
 </file>
 
 <file path=ppt/slideLayouts/slideLayout5.xml><?xml version="1.0" encoding="utf-8"?>
-<p:sldLayout xmlns:a="http://schemas.openxmlformats.org/drawingml/2006/main" xmlns:r="http://schemas.openxmlformats.org/officeDocument/2006/relationships" xmlns:p="http://schemas.openxmlformats.org/presentationml/2006/main" xmlns:m="http://schemas.openxmlformats.org/officeDocument/2006/math" xmlns:a14="http://schemas.microsoft.com/office/drawing/2010/main" type="tx" showMasterSp="1" showMasterPhAnim="1">
+<p:sldLayout xmlns:a="http://schemas.openxmlformats.org/drawingml/2006/main" xmlns:r="http://schemas.openxmlformats.org/officeDocument/2006/relationships" xmlns:p="http://schemas.openxmlformats.org/presentationml/2006/main" type="tx">
   <p:cSld name="Bullets">
     <p:spTree>
       <p:nvGrpSpPr>
@@ -2554,7 +2571,9 @@
       <p:sp>
         <p:nvSpPr>
           <p:cNvPr id="52" name="Body Level One…"/>
-          <p:cNvSpPr txBox="1"/>
+          <p:cNvSpPr txBox="1">
+            <a:spLocks noGrp="1"/>
+          </p:cNvSpPr>
           <p:nvPr>
             <p:ph type="body" idx="1" hasCustomPrompt="1"/>
           </p:nvPr>
@@ -2572,41 +2591,34 @@
           <a:bodyPr numCol="2" spcCol="1092200"/>
           <a:lstStyle/>
           <a:p>
-            <a:pPr/>
             <a:r>
               <a:t>Slide bullet text</a:t>
             </a:r>
           </a:p>
           <a:p>
             <a:pPr lvl="1"/>
-            <a:r>
-              <a:t/>
-            </a:r>
+            <a:endParaRPr/>
           </a:p>
           <a:p>
             <a:pPr lvl="2"/>
-            <a:r>
-              <a:t/>
-            </a:r>
+            <a:endParaRPr/>
           </a:p>
           <a:p>
             <a:pPr lvl="3"/>
-            <a:r>
-              <a:t/>
-            </a:r>
+            <a:endParaRPr/>
           </a:p>
           <a:p>
             <a:pPr lvl="4"/>
-            <a:r>
-              <a:t/>
-            </a:r>
+            <a:endParaRPr/>
           </a:p>
         </p:txBody>
       </p:sp>
       <p:sp>
         <p:nvSpPr>
           <p:cNvPr id="53" name="Slide Number"/>
-          <p:cNvSpPr txBox="1"/>
+          <p:cNvSpPr txBox="1">
+            <a:spLocks noGrp="1"/>
+          </p:cNvSpPr>
           <p:nvPr>
             <p:ph type="sldNum" sz="quarter" idx="2"/>
           </p:nvPr>
@@ -2620,8 +2632,10 @@
           <a:bodyPr/>
           <a:lstStyle/>
           <a:p>
-            <a:pPr/>
-            <a:fld id="{86CB4B4D-7CA3-9044-876B-883B54F8677D}" type="slidenum"/>
+            <a:fld id="{86CB4B4D-7CA3-9044-876B-883B54F8677D}" type="slidenum">
+              <a:t>‹#›</a:t>
+            </a:fld>
+            <a:endParaRPr/>
           </a:p>
         </p:txBody>
       </p:sp>
@@ -2630,12 +2644,12 @@
   <p:clrMapOvr>
     <a:masterClrMapping/>
   </p:clrMapOvr>
-  <p:transition xmlns:p14="http://schemas.microsoft.com/office/powerpoint/2010/main" spd="med" advClick="1"/>
+  <p:transition spd="med"/>
 </p:sldLayout>
 </file>
 
 <file path=ppt/slideLayouts/slideLayout6.xml><?xml version="1.0" encoding="utf-8"?>
-<p:sldLayout xmlns:a="http://schemas.openxmlformats.org/drawingml/2006/main" xmlns:r="http://schemas.openxmlformats.org/officeDocument/2006/relationships" xmlns:p="http://schemas.openxmlformats.org/presentationml/2006/main" xmlns:m="http://schemas.openxmlformats.org/officeDocument/2006/math" xmlns:a14="http://schemas.microsoft.com/office/drawing/2010/main" type="tx" showMasterSp="1" showMasterPhAnim="1">
+<p:sldLayout xmlns:a="http://schemas.openxmlformats.org/drawingml/2006/main" xmlns:r="http://schemas.openxmlformats.org/officeDocument/2006/relationships" xmlns:p="http://schemas.openxmlformats.org/presentationml/2006/main" type="tx">
   <p:cSld name="Title, Bullets &amp; Photo">
     <p:spTree>
       <p:nvGrpSpPr>
@@ -2654,7 +2668,9 @@
       <p:sp>
         <p:nvSpPr>
           <p:cNvPr id="60" name="579215462_1440x2158.jpg"/>
-          <p:cNvSpPr/>
+          <p:cNvSpPr>
+            <a:spLocks noGrp="1"/>
+          </p:cNvSpPr>
           <p:nvPr>
             <p:ph type="pic" idx="21"/>
           </p:nvPr>
@@ -2674,14 +2690,16 @@
           </a:bodyPr>
           <a:lstStyle/>
           <a:p>
-            <a:pPr/>
+            <a:endParaRPr/>
           </a:p>
         </p:txBody>
       </p:sp>
       <p:sp>
         <p:nvSpPr>
           <p:cNvPr id="61" name="Slide Title"/>
-          <p:cNvSpPr txBox="1"/>
+          <p:cNvSpPr txBox="1">
+            <a:spLocks noGrp="1"/>
+          </p:cNvSpPr>
           <p:nvPr>
             <p:ph type="title" hasCustomPrompt="1"/>
           </p:nvPr>
@@ -2699,7 +2717,6 @@
           <a:bodyPr/>
           <a:lstStyle/>
           <a:p>
-            <a:pPr/>
             <a:r>
               <a:t>Slide Title</a:t>
             </a:r>
@@ -2709,7 +2726,9 @@
       <p:sp>
         <p:nvSpPr>
           <p:cNvPr id="62" name="Body Level One…"/>
-          <p:cNvSpPr txBox="1"/>
+          <p:cNvSpPr txBox="1">
+            <a:spLocks noGrp="1"/>
+          </p:cNvSpPr>
           <p:nvPr>
             <p:ph type="body" sz="half" idx="1" hasCustomPrompt="1"/>
           </p:nvPr>
@@ -2727,41 +2746,34 @@
           <a:bodyPr/>
           <a:lstStyle/>
           <a:p>
-            <a:pPr/>
             <a:r>
               <a:t>Slide bullet text</a:t>
             </a:r>
           </a:p>
           <a:p>
             <a:pPr lvl="1"/>
-            <a:r>
-              <a:t/>
-            </a:r>
+            <a:endParaRPr/>
           </a:p>
           <a:p>
             <a:pPr lvl="2"/>
-            <a:r>
-              <a:t/>
-            </a:r>
+            <a:endParaRPr/>
           </a:p>
           <a:p>
             <a:pPr lvl="3"/>
-            <a:r>
-              <a:t/>
-            </a:r>
+            <a:endParaRPr/>
           </a:p>
           <a:p>
             <a:pPr lvl="4"/>
-            <a:r>
-              <a:t/>
-            </a:r>
+            <a:endParaRPr/>
           </a:p>
         </p:txBody>
       </p:sp>
       <p:sp>
         <p:nvSpPr>
           <p:cNvPr id="63" name="Slide Subtitle"/>
-          <p:cNvSpPr txBox="1"/>
+          <p:cNvSpPr txBox="1">
+            <a:spLocks noGrp="1"/>
+          </p:cNvSpPr>
           <p:nvPr>
             <p:ph type="body" sz="quarter" idx="22" hasCustomPrompt="1"/>
           </p:nvPr>
@@ -2789,15 +2801,14 @@
                 <a:solidFill>
                   <a:srgbClr val="D5D5D5"/>
                 </a:solidFill>
-                <a:latin typeface="Graphik Medium"/>
-                <a:ea typeface="Graphik Medium"/>
-                <a:cs typeface="Graphik Medium"/>
+                <a:latin typeface="Graphik-Medium"/>
+                <a:ea typeface="Graphik-Medium"/>
+                <a:cs typeface="Graphik-Medium"/>
                 <a:sym typeface="Graphik Medium"/>
               </a:defRPr>
             </a:lvl1pPr>
           </a:lstStyle>
           <a:p>
-            <a:pPr/>
             <a:r>
               <a:t>Slide Subtitle</a:t>
             </a:r>
@@ -2807,7 +2818,9 @@
       <p:sp>
         <p:nvSpPr>
           <p:cNvPr id="64" name="Slide Number"/>
-          <p:cNvSpPr txBox="1"/>
+          <p:cNvSpPr txBox="1">
+            <a:spLocks noGrp="1"/>
+          </p:cNvSpPr>
           <p:nvPr>
             <p:ph type="sldNum" sz="quarter" idx="2"/>
           </p:nvPr>
@@ -2821,8 +2834,10 @@
           <a:bodyPr/>
           <a:lstStyle/>
           <a:p>
-            <a:pPr/>
-            <a:fld id="{86CB4B4D-7CA3-9044-876B-883B54F8677D}" type="slidenum"/>
+            <a:fld id="{86CB4B4D-7CA3-9044-876B-883B54F8677D}" type="slidenum">
+              <a:t>‹#›</a:t>
+            </a:fld>
+            <a:endParaRPr/>
           </a:p>
         </p:txBody>
       </p:sp>
@@ -2831,12 +2846,12 @@
   <p:clrMapOvr>
     <a:masterClrMapping/>
   </p:clrMapOvr>
-  <p:transition xmlns:p14="http://schemas.microsoft.com/office/powerpoint/2010/main" spd="med" advClick="1"/>
+  <p:transition spd="med"/>
 </p:sldLayout>
 </file>
 
 <file path=ppt/slideLayouts/slideLayout7.xml><?xml version="1.0" encoding="utf-8"?>
-<p:sldLayout xmlns:a="http://schemas.openxmlformats.org/drawingml/2006/main" xmlns:r="http://schemas.openxmlformats.org/officeDocument/2006/relationships" xmlns:p="http://schemas.openxmlformats.org/presentationml/2006/main" xmlns:m="http://schemas.openxmlformats.org/officeDocument/2006/math" xmlns:a14="http://schemas.microsoft.com/office/drawing/2010/main" type="tx" showMasterSp="1" showMasterPhAnim="1">
+<p:sldLayout xmlns:a="http://schemas.openxmlformats.org/drawingml/2006/main" xmlns:r="http://schemas.openxmlformats.org/officeDocument/2006/relationships" xmlns:p="http://schemas.openxmlformats.org/presentationml/2006/main" type="tx">
   <p:cSld name="Section">
     <p:spTree>
       <p:nvGrpSpPr>
@@ -2855,7 +2870,9 @@
       <p:sp>
         <p:nvSpPr>
           <p:cNvPr id="71" name="Section Title"/>
-          <p:cNvSpPr txBox="1"/>
+          <p:cNvSpPr txBox="1">
+            <a:spLocks noGrp="1"/>
+          </p:cNvSpPr>
           <p:nvPr>
             <p:ph type="title" hasCustomPrompt="1"/>
           </p:nvPr>
@@ -2876,7 +2893,7 @@
               <a:lnSpc>
                 <a:spcPct val="90000"/>
               </a:lnSpc>
-              <a:defRPr spc="-348" sz="11600">
+              <a:defRPr sz="11600" spc="-348">
                 <a:gradFill flip="none" rotWithShape="1">
                   <a:gsLst>
                     <a:gs pos="0">
@@ -2892,7 +2909,6 @@
             </a:lvl1pPr>
           </a:lstStyle>
           <a:p>
-            <a:pPr/>
             <a:r>
               <a:t>Section Title</a:t>
             </a:r>
@@ -2902,7 +2918,9 @@
       <p:sp>
         <p:nvSpPr>
           <p:cNvPr id="72" name="Slide Number"/>
-          <p:cNvSpPr txBox="1"/>
+          <p:cNvSpPr txBox="1">
+            <a:spLocks noGrp="1"/>
+          </p:cNvSpPr>
           <p:nvPr>
             <p:ph type="sldNum" sz="quarter" idx="2"/>
           </p:nvPr>
@@ -2916,8 +2934,10 @@
           <a:bodyPr/>
           <a:lstStyle/>
           <a:p>
-            <a:pPr/>
-            <a:fld id="{86CB4B4D-7CA3-9044-876B-883B54F8677D}" type="slidenum"/>
+            <a:fld id="{86CB4B4D-7CA3-9044-876B-883B54F8677D}" type="slidenum">
+              <a:t>‹#›</a:t>
+            </a:fld>
+            <a:endParaRPr/>
           </a:p>
         </p:txBody>
       </p:sp>
@@ -2926,12 +2946,12 @@
   <p:clrMapOvr>
     <a:masterClrMapping/>
   </p:clrMapOvr>
-  <p:transition xmlns:p14="http://schemas.microsoft.com/office/powerpoint/2010/main" spd="med" advClick="1"/>
+  <p:transition spd="med"/>
 </p:sldLayout>
 </file>
 
 <file path=ppt/slideLayouts/slideLayout8.xml><?xml version="1.0" encoding="utf-8"?>
-<p:sldLayout xmlns:a="http://schemas.openxmlformats.org/drawingml/2006/main" xmlns:r="http://schemas.openxmlformats.org/officeDocument/2006/relationships" xmlns:p="http://schemas.openxmlformats.org/presentationml/2006/main" xmlns:m="http://schemas.openxmlformats.org/officeDocument/2006/math" xmlns:a14="http://schemas.microsoft.com/office/drawing/2010/main" type="tx" showMasterSp="1" showMasterPhAnim="1">
+<p:sldLayout xmlns:a="http://schemas.openxmlformats.org/drawingml/2006/main" xmlns:r="http://schemas.openxmlformats.org/officeDocument/2006/relationships" xmlns:p="http://schemas.openxmlformats.org/presentationml/2006/main" type="tx">
   <p:cSld name="Title Only">
     <p:spTree>
       <p:nvGrpSpPr>
@@ -2950,7 +2970,9 @@
       <p:sp>
         <p:nvSpPr>
           <p:cNvPr id="79" name="Slide Title"/>
-          <p:cNvSpPr txBox="1"/>
+          <p:cNvSpPr txBox="1">
+            <a:spLocks noGrp="1"/>
+          </p:cNvSpPr>
           <p:nvPr>
             <p:ph type="title" hasCustomPrompt="1"/>
           </p:nvPr>
@@ -2964,7 +2986,6 @@
           <a:bodyPr/>
           <a:lstStyle/>
           <a:p>
-            <a:pPr/>
             <a:r>
               <a:t>Slide Title</a:t>
             </a:r>
@@ -2974,7 +2995,9 @@
       <p:sp>
         <p:nvSpPr>
           <p:cNvPr id="80" name="Slide Subtitle"/>
-          <p:cNvSpPr txBox="1"/>
+          <p:cNvSpPr txBox="1">
+            <a:spLocks noGrp="1"/>
+          </p:cNvSpPr>
           <p:nvPr>
             <p:ph type="body" sz="quarter" idx="21" hasCustomPrompt="1"/>
           </p:nvPr>
@@ -3002,15 +3025,14 @@
                 <a:solidFill>
                   <a:srgbClr val="D5D5D5"/>
                 </a:solidFill>
-                <a:latin typeface="Graphik Medium"/>
-                <a:ea typeface="Graphik Medium"/>
-                <a:cs typeface="Graphik Medium"/>
+                <a:latin typeface="Graphik-Medium"/>
+                <a:ea typeface="Graphik-Medium"/>
+                <a:cs typeface="Graphik-Medium"/>
                 <a:sym typeface="Graphik Medium"/>
               </a:defRPr>
             </a:lvl1pPr>
           </a:lstStyle>
           <a:p>
-            <a:pPr/>
             <a:r>
               <a:t>Slide Subtitle</a:t>
             </a:r>
@@ -3020,7 +3042,9 @@
       <p:sp>
         <p:nvSpPr>
           <p:cNvPr id="81" name="Slide Number"/>
-          <p:cNvSpPr txBox="1"/>
+          <p:cNvSpPr txBox="1">
+            <a:spLocks noGrp="1"/>
+          </p:cNvSpPr>
           <p:nvPr>
             <p:ph type="sldNum" sz="quarter" idx="2"/>
           </p:nvPr>
@@ -3034,8 +3058,10 @@
           <a:bodyPr/>
           <a:lstStyle/>
           <a:p>
-            <a:pPr/>
-            <a:fld id="{86CB4B4D-7CA3-9044-876B-883B54F8677D}" type="slidenum"/>
+            <a:fld id="{86CB4B4D-7CA3-9044-876B-883B54F8677D}" type="slidenum">
+              <a:t>‹#›</a:t>
+            </a:fld>
+            <a:endParaRPr/>
           </a:p>
         </p:txBody>
       </p:sp>
@@ -3044,12 +3070,12 @@
   <p:clrMapOvr>
     <a:masterClrMapping/>
   </p:clrMapOvr>
-  <p:transition xmlns:p14="http://schemas.microsoft.com/office/powerpoint/2010/main" spd="med" advClick="1"/>
+  <p:transition spd="med"/>
 </p:sldLayout>
 </file>
 
 <file path=ppt/slideLayouts/slideLayout9.xml><?xml version="1.0" encoding="utf-8"?>
-<p:sldLayout xmlns:a="http://schemas.openxmlformats.org/drawingml/2006/main" xmlns:r="http://schemas.openxmlformats.org/officeDocument/2006/relationships" xmlns:p="http://schemas.openxmlformats.org/presentationml/2006/main" xmlns:m="http://schemas.openxmlformats.org/officeDocument/2006/math" xmlns:a14="http://schemas.microsoft.com/office/drawing/2010/main" type="tx" showMasterSp="1" showMasterPhAnim="1">
+<p:sldLayout xmlns:a="http://schemas.openxmlformats.org/drawingml/2006/main" xmlns:r="http://schemas.openxmlformats.org/officeDocument/2006/relationships" xmlns:p="http://schemas.openxmlformats.org/presentationml/2006/main" type="tx">
   <p:cSld name="Agenda">
     <p:spTree>
       <p:nvGrpSpPr>
@@ -3068,7 +3094,9 @@
       <p:sp>
         <p:nvSpPr>
           <p:cNvPr id="88" name="Agenda Title"/>
-          <p:cNvSpPr txBox="1"/>
+          <p:cNvSpPr txBox="1">
+            <a:spLocks noGrp="1"/>
+          </p:cNvSpPr>
           <p:nvPr>
             <p:ph type="title" hasCustomPrompt="1"/>
           </p:nvPr>
@@ -3086,7 +3114,6 @@
           <a:bodyPr/>
           <a:lstStyle/>
           <a:p>
-            <a:pPr/>
             <a:r>
               <a:t>Agenda Title</a:t>
             </a:r>
@@ -3096,7 +3123,9 @@
       <p:sp>
         <p:nvSpPr>
           <p:cNvPr id="89" name="Agenda Subtitle"/>
-          <p:cNvSpPr txBox="1"/>
+          <p:cNvSpPr txBox="1">
+            <a:spLocks noGrp="1"/>
+          </p:cNvSpPr>
           <p:nvPr>
             <p:ph type="body" sz="quarter" idx="21" hasCustomPrompt="1"/>
           </p:nvPr>
@@ -3124,15 +3153,14 @@
                 <a:solidFill>
                   <a:srgbClr val="D5D5D5"/>
                 </a:solidFill>
-                <a:latin typeface="Graphik Medium"/>
-                <a:ea typeface="Graphik Medium"/>
-                <a:cs typeface="Graphik Medium"/>
+                <a:latin typeface="Graphik-Medium"/>
+                <a:ea typeface="Graphik-Medium"/>
+                <a:cs typeface="Graphik-Medium"/>
                 <a:sym typeface="Graphik Medium"/>
               </a:defRPr>
             </a:lvl1pPr>
           </a:lstStyle>
           <a:p>
-            <a:pPr/>
             <a:r>
               <a:t>Agenda Subtitle</a:t>
             </a:r>
@@ -3142,7 +3170,9 @@
       <p:sp>
         <p:nvSpPr>
           <p:cNvPr id="90" name="Body Level One…"/>
-          <p:cNvSpPr txBox="1"/>
+          <p:cNvSpPr txBox="1">
+            <a:spLocks noGrp="1"/>
+          </p:cNvSpPr>
           <p:nvPr>
             <p:ph type="body" idx="1" hasCustomPrompt="1"/>
           </p:nvPr>
@@ -3159,69 +3189,62 @@
               <a:buClrTx/>
               <a:buSzTx/>
               <a:buNone/>
-              <a:defRPr spc="-55" sz="5500"/>
+              <a:defRPr sz="5500" spc="-55"/>
             </a:lvl1pPr>
             <a:lvl2pPr marL="0" indent="457200" defTabSz="825500">
               <a:buClrTx/>
               <a:buSzTx/>
               <a:buNone/>
-              <a:defRPr spc="-55" sz="5500"/>
+              <a:defRPr sz="5500" spc="-55"/>
             </a:lvl2pPr>
             <a:lvl3pPr marL="0" indent="914400" defTabSz="825500">
               <a:buClrTx/>
               <a:buSzTx/>
               <a:buNone/>
-              <a:defRPr spc="-55" sz="5500"/>
+              <a:defRPr sz="5500" spc="-55"/>
             </a:lvl3pPr>
             <a:lvl4pPr marL="0" indent="1371600" defTabSz="825500">
               <a:buClrTx/>
               <a:buSzTx/>
               <a:buNone/>
-              <a:defRPr spc="-55" sz="5500"/>
+              <a:defRPr sz="5500" spc="-55"/>
             </a:lvl4pPr>
             <a:lvl5pPr marL="0" indent="1828800" defTabSz="825500">
               <a:buClrTx/>
               <a:buSzTx/>
               <a:buNone/>
-              <a:defRPr spc="-55" sz="5500"/>
+              <a:defRPr sz="5500" spc="-55"/>
             </a:lvl5pPr>
           </a:lstStyle>
           <a:p>
-            <a:pPr/>
             <a:r>
               <a:t>Agenda Topics</a:t>
             </a:r>
           </a:p>
           <a:p>
             <a:pPr lvl="1"/>
-            <a:r>
-              <a:t/>
-            </a:r>
+            <a:endParaRPr/>
           </a:p>
           <a:p>
             <a:pPr lvl="2"/>
-            <a:r>
-              <a:t/>
-            </a:r>
+            <a:endParaRPr/>
           </a:p>
           <a:p>
             <a:pPr lvl="3"/>
-            <a:r>
-              <a:t/>
-            </a:r>
+            <a:endParaRPr/>
           </a:p>
           <a:p>
             <a:pPr lvl="4"/>
-            <a:r>
-              <a:t/>
-            </a:r>
+            <a:endParaRPr/>
           </a:p>
         </p:txBody>
       </p:sp>
       <p:sp>
         <p:nvSpPr>
           <p:cNvPr id="91" name="Slide Number"/>
-          <p:cNvSpPr txBox="1"/>
+          <p:cNvSpPr txBox="1">
+            <a:spLocks noGrp="1"/>
+          </p:cNvSpPr>
           <p:nvPr>
             <p:ph type="sldNum" sz="quarter" idx="2"/>
           </p:nvPr>
@@ -3235,8 +3258,10 @@
           <a:bodyPr/>
           <a:lstStyle/>
           <a:p>
-            <a:pPr/>
-            <a:fld id="{86CB4B4D-7CA3-9044-876B-883B54F8677D}" type="slidenum"/>
+            <a:fld id="{86CB4B4D-7CA3-9044-876B-883B54F8677D}" type="slidenum">
+              <a:t>‹#›</a:t>
+            </a:fld>
+            <a:endParaRPr/>
           </a:p>
         </p:txBody>
       </p:sp>
@@ -3245,12 +3270,12 @@
   <p:clrMapOvr>
     <a:masterClrMapping/>
   </p:clrMapOvr>
-  <p:transition xmlns:p14="http://schemas.microsoft.com/office/powerpoint/2010/main" spd="med" advClick="1"/>
+  <p:transition spd="med"/>
 </p:sldLayout>
 </file>
 
 <file path=ppt/slideMasters/slideMaster1.xml><?xml version="1.0" encoding="utf-8"?>
-<p:sldMaster xmlns:a="http://schemas.openxmlformats.org/drawingml/2006/main" xmlns:r="http://schemas.openxmlformats.org/officeDocument/2006/relationships" xmlns:p="http://schemas.openxmlformats.org/presentationml/2006/main" xmlns:m="http://schemas.openxmlformats.org/officeDocument/2006/math" xmlns:a14="http://schemas.microsoft.com/office/drawing/2010/main">
+<p:sldMaster xmlns:a="http://schemas.openxmlformats.org/drawingml/2006/main" xmlns:r="http://schemas.openxmlformats.org/officeDocument/2006/relationships" xmlns:p="http://schemas.openxmlformats.org/presentationml/2006/main">
   <p:cSld>
     <p:bg>
       <p:bgPr>
@@ -3265,6 +3290,7 @@
           </a:gsLst>
           <a:lin ang="5400000" scaled="0"/>
         </a:gradFill>
+        <a:effectLst/>
       </p:bgPr>
     </p:bg>
     <p:spTree>
@@ -3284,7 +3310,9 @@
       <p:sp>
         <p:nvSpPr>
           <p:cNvPr id="2" name="Slide Title"/>
-          <p:cNvSpPr txBox="1"/>
+          <p:cNvSpPr txBox="1">
+            <a:spLocks noGrp="1"/>
+          </p:cNvSpPr>
           <p:nvPr>
             <p:ph type="title" hasCustomPrompt="1"/>
           </p:nvPr>
@@ -3302,17 +3330,16 @@
           </a:ln>
           <a:extLst>
             <a:ext uri="{C572A759-6A51-4108-AA02-DFA0A04FC94B}">
-              <ma14:wrappingTextBoxFlag xmlns:ma14="http://schemas.microsoft.com/office/mac/drawingml/2011/main" val="1"/>
+              <ma14:wrappingTextBoxFlag xmlns:ma14="http://schemas.microsoft.com/office/mac/drawingml/2011/main" xmlns:a14="http://schemas.microsoft.com/office/drawing/2010/main" xmlns:m="http://schemas.openxmlformats.org/officeDocument/2006/math" xmlns="" val="1"/>
             </a:ext>
           </a:extLst>
         </p:spPr>
         <p:txBody>
           <a:bodyPr lIns="50800" tIns="50800" rIns="50800" bIns="50800" anchor="b">
-            <a:normAutofit fontScale="100000" lnSpcReduction="0"/>
+            <a:normAutofit/>
           </a:bodyPr>
           <a:lstStyle/>
           <a:p>
-            <a:pPr/>
             <a:r>
               <a:t>Slide Title</a:t>
             </a:r>
@@ -3322,7 +3349,9 @@
       <p:sp>
         <p:nvSpPr>
           <p:cNvPr id="3" name="Body Level One…"/>
-          <p:cNvSpPr txBox="1"/>
+          <p:cNvSpPr txBox="1">
+            <a:spLocks noGrp="1"/>
+          </p:cNvSpPr>
           <p:nvPr>
             <p:ph type="body" idx="1" hasCustomPrompt="1"/>
           </p:nvPr>
@@ -3340,51 +3369,44 @@
           </a:ln>
           <a:extLst>
             <a:ext uri="{C572A759-6A51-4108-AA02-DFA0A04FC94B}">
-              <ma14:wrappingTextBoxFlag xmlns:ma14="http://schemas.microsoft.com/office/mac/drawingml/2011/main" val="1"/>
+              <ma14:wrappingTextBoxFlag xmlns:ma14="http://schemas.microsoft.com/office/mac/drawingml/2011/main" xmlns:a14="http://schemas.microsoft.com/office/drawing/2010/main" xmlns:m="http://schemas.openxmlformats.org/officeDocument/2006/math" xmlns="" val="1"/>
             </a:ext>
           </a:extLst>
         </p:spPr>
         <p:txBody>
           <a:bodyPr lIns="50800" tIns="50800" rIns="50800" bIns="50800">
-            <a:normAutofit fontScale="100000" lnSpcReduction="0"/>
+            <a:normAutofit/>
           </a:bodyPr>
           <a:lstStyle/>
           <a:p>
-            <a:pPr/>
             <a:r>
               <a:t>Slide bullet text</a:t>
             </a:r>
           </a:p>
           <a:p>
             <a:pPr lvl="1"/>
-            <a:r>
-              <a:t/>
-            </a:r>
+            <a:endParaRPr/>
           </a:p>
           <a:p>
             <a:pPr lvl="2"/>
-            <a:r>
-              <a:t/>
-            </a:r>
+            <a:endParaRPr/>
           </a:p>
           <a:p>
             <a:pPr lvl="3"/>
-            <a:r>
-              <a:t/>
-            </a:r>
+            <a:endParaRPr/>
           </a:p>
           <a:p>
             <a:pPr lvl="4"/>
-            <a:r>
-              <a:t/>
-            </a:r>
+            <a:endParaRPr/>
           </a:p>
         </p:txBody>
       </p:sp>
       <p:sp>
         <p:nvSpPr>
           <p:cNvPr id="4" name="Slide Number"/>
-          <p:cNvSpPr txBox="1"/>
+          <p:cNvSpPr txBox="1">
+            <a:spLocks noGrp="1"/>
+          </p:cNvSpPr>
           <p:nvPr>
             <p:ph type="sldNum" sz="quarter" idx="2"/>
           </p:nvPr>
@@ -3415,8 +3437,10 @@
             </a:lvl1pPr>
           </a:lstStyle>
           <a:p>
-            <a:pPr/>
-            <a:fld id="{86CB4B4D-7CA3-9044-876B-883B54F8677D}" type="slidenum"/>
+            <a:fld id="{86CB4B4D-7CA3-9044-876B-883B54F8677D}" type="slidenum">
+              <a:t>‹#›</a:t>
+            </a:fld>
+            <a:endParaRPr/>
           </a:p>
         </p:txBody>
       </p:sp>
@@ -3424,23 +3448,23 @@
   </p:cSld>
   <p:clrMap bg1="dk1" tx1="lt1" bg2="dk2" tx2="lt2" accent1="accent1" accent2="accent2" accent3="accent3" accent4="accent4" accent5="accent5" accent6="accent6" hlink="hlink" folHlink="folHlink"/>
   <p:sldLayoutIdLst>
-    <p:sldLayoutId id="2147483649" r:id="rId2"/>
-    <p:sldLayoutId id="2147483650" r:id="rId3"/>
-    <p:sldLayoutId id="2147483651" r:id="rId4"/>
-    <p:sldLayoutId id="2147483652" r:id="rId5"/>
-    <p:sldLayoutId id="2147483653" r:id="rId6"/>
-    <p:sldLayoutId id="2147483654" r:id="rId7"/>
-    <p:sldLayoutId id="2147483655" r:id="rId8"/>
-    <p:sldLayoutId id="2147483656" r:id="rId9"/>
-    <p:sldLayoutId id="2147483657" r:id="rId10"/>
-    <p:sldLayoutId id="2147483658" r:id="rId11"/>
-    <p:sldLayoutId id="2147483659" r:id="rId12"/>
-    <p:sldLayoutId id="2147483660" r:id="rId13"/>
-    <p:sldLayoutId id="2147483661" r:id="rId14"/>
-    <p:sldLayoutId id="2147483662" r:id="rId15"/>
-    <p:sldLayoutId id="2147483663" r:id="rId16"/>
+    <p:sldLayoutId id="2147483649" r:id="rId1"/>
+    <p:sldLayoutId id="2147483650" r:id="rId2"/>
+    <p:sldLayoutId id="2147483651" r:id="rId3"/>
+    <p:sldLayoutId id="2147483652" r:id="rId4"/>
+    <p:sldLayoutId id="2147483653" r:id="rId5"/>
+    <p:sldLayoutId id="2147483654" r:id="rId6"/>
+    <p:sldLayoutId id="2147483655" r:id="rId7"/>
+    <p:sldLayoutId id="2147483656" r:id="rId8"/>
+    <p:sldLayoutId id="2147483657" r:id="rId9"/>
+    <p:sldLayoutId id="2147483658" r:id="rId10"/>
+    <p:sldLayoutId id="2147483659" r:id="rId11"/>
+    <p:sldLayoutId id="2147483660" r:id="rId12"/>
+    <p:sldLayoutId id="2147483661" r:id="rId13"/>
+    <p:sldLayoutId id="2147483662" r:id="rId14"/>
+    <p:sldLayoutId id="2147483663" r:id="rId15"/>
   </p:sldLayoutIdLst>
-  <p:transition xmlns:p14="http://schemas.microsoft.com/office/powerpoint/2010/main" spd="med" advClick="1"/>
+  <p:transition spd="med"/>
   <p:txStyles>
     <p:titleStyle>
       <a:lvl1pPr marL="0" marR="0" indent="0" algn="ctr" defTabSz="825500" rtl="0" latinLnBrk="0">
@@ -3458,7 +3482,7 @@
         <a:buFontTx/>
         <a:buNone/>
         <a:tabLst/>
-        <a:defRPr b="0" baseline="0" cap="none" i="0" spc="-252" strike="noStrike" sz="8400" u="none">
+        <a:defRPr sz="8400" b="0" i="0" u="none" strike="noStrike" cap="none" spc="-252" baseline="0">
           <a:gradFill flip="none" rotWithShape="1">
             <a:gsLst>
               <a:gs pos="0">
@@ -3492,7 +3516,7 @@
         <a:buFontTx/>
         <a:buNone/>
         <a:tabLst/>
-        <a:defRPr b="0" baseline="0" cap="none" i="0" spc="-252" strike="noStrike" sz="8400" u="none">
+        <a:defRPr sz="8400" b="0" i="0" u="none" strike="noStrike" cap="none" spc="-252" baseline="0">
           <a:gradFill flip="none" rotWithShape="1">
             <a:gsLst>
               <a:gs pos="0">
@@ -3526,7 +3550,7 @@
         <a:buFontTx/>
         <a:buNone/>
         <a:tabLst/>
-        <a:defRPr b="0" baseline="0" cap="none" i="0" spc="-252" strike="noStrike" sz="8400" u="none">
+        <a:defRPr sz="8400" b="0" i="0" u="none" strike="noStrike" cap="none" spc="-252" baseline="0">
           <a:gradFill flip="none" rotWithShape="1">
             <a:gsLst>
               <a:gs pos="0">
@@ -3560,7 +3584,7 @@
         <a:buFontTx/>
         <a:buNone/>
         <a:tabLst/>
-        <a:defRPr b="0" baseline="0" cap="none" i="0" spc="-252" strike="noStrike" sz="8400" u="none">
+        <a:defRPr sz="8400" b="0" i="0" u="none" strike="noStrike" cap="none" spc="-252" baseline="0">
           <a:gradFill flip="none" rotWithShape="1">
             <a:gsLst>
               <a:gs pos="0">
@@ -3594,7 +3618,7 @@
         <a:buFontTx/>
         <a:buNone/>
         <a:tabLst/>
-        <a:defRPr b="0" baseline="0" cap="none" i="0" spc="-252" strike="noStrike" sz="8400" u="none">
+        <a:defRPr sz="8400" b="0" i="0" u="none" strike="noStrike" cap="none" spc="-252" baseline="0">
           <a:gradFill flip="none" rotWithShape="1">
             <a:gsLst>
               <a:gs pos="0">
@@ -3628,7 +3652,7 @@
         <a:buFontTx/>
         <a:buNone/>
         <a:tabLst/>
-        <a:defRPr b="0" baseline="0" cap="none" i="0" spc="-252" strike="noStrike" sz="8400" u="none">
+        <a:defRPr sz="8400" b="0" i="0" u="none" strike="noStrike" cap="none" spc="-252" baseline="0">
           <a:gradFill flip="none" rotWithShape="1">
             <a:gsLst>
               <a:gs pos="0">
@@ -3662,7 +3686,7 @@
         <a:buFontTx/>
         <a:buNone/>
         <a:tabLst/>
-        <a:defRPr b="0" baseline="0" cap="none" i="0" spc="-252" strike="noStrike" sz="8400" u="none">
+        <a:defRPr sz="8400" b="0" i="0" u="none" strike="noStrike" cap="none" spc="-252" baseline="0">
           <a:gradFill flip="none" rotWithShape="1">
             <a:gsLst>
               <a:gs pos="0">
@@ -3696,7 +3720,7 @@
         <a:buFontTx/>
         <a:buNone/>
         <a:tabLst/>
-        <a:defRPr b="0" baseline="0" cap="none" i="0" spc="-252" strike="noStrike" sz="8400" u="none">
+        <a:defRPr sz="8400" b="0" i="0" u="none" strike="noStrike" cap="none" spc="-252" baseline="0">
           <a:gradFill flip="none" rotWithShape="1">
             <a:gsLst>
               <a:gs pos="0">
@@ -3730,7 +3754,7 @@
         <a:buFontTx/>
         <a:buNone/>
         <a:tabLst/>
-        <a:defRPr b="0" baseline="0" cap="none" i="0" spc="-252" strike="noStrike" sz="8400" u="none">
+        <a:defRPr sz="8400" b="0" i="0" u="none" strike="noStrike" cap="none" spc="-252" baseline="0">
           <a:gradFill flip="none" rotWithShape="1">
             <a:gsLst>
               <a:gs pos="0">
@@ -3768,7 +3792,7 @@
         <a:buFontTx/>
         <a:buChar char="•"/>
         <a:tabLst/>
-        <a:defRPr b="0" baseline="0" cap="none" i="0" spc="0" strike="noStrike" sz="4800" u="none">
+        <a:defRPr sz="4800" b="0" i="0" u="none" strike="noStrike" cap="none" spc="0" baseline="0">
           <a:solidFill>
             <a:srgbClr val="FFFFFF"/>
           </a:solidFill>
@@ -3796,7 +3820,7 @@
         <a:buFontTx/>
         <a:buChar char="•"/>
         <a:tabLst/>
-        <a:defRPr b="0" baseline="0" cap="none" i="0" spc="0" strike="noStrike" sz="4800" u="none">
+        <a:defRPr sz="4800" b="0" i="0" u="none" strike="noStrike" cap="none" spc="0" baseline="0">
           <a:solidFill>
             <a:srgbClr val="FFFFFF"/>
           </a:solidFill>
@@ -3824,7 +3848,7 @@
         <a:buFontTx/>
         <a:buChar char="•"/>
         <a:tabLst/>
-        <a:defRPr b="0" baseline="0" cap="none" i="0" spc="0" strike="noStrike" sz="4800" u="none">
+        <a:defRPr sz="4800" b="0" i="0" u="none" strike="noStrike" cap="none" spc="0" baseline="0">
           <a:solidFill>
             <a:srgbClr val="FFFFFF"/>
           </a:solidFill>
@@ -3852,7 +3876,7 @@
         <a:buFontTx/>
         <a:buChar char="•"/>
         <a:tabLst/>
-        <a:defRPr b="0" baseline="0" cap="none" i="0" spc="0" strike="noStrike" sz="4800" u="none">
+        <a:defRPr sz="4800" b="0" i="0" u="none" strike="noStrike" cap="none" spc="0" baseline="0">
           <a:solidFill>
             <a:srgbClr val="FFFFFF"/>
           </a:solidFill>
@@ -3880,7 +3904,7 @@
         <a:buFontTx/>
         <a:buChar char="•"/>
         <a:tabLst/>
-        <a:defRPr b="0" baseline="0" cap="none" i="0" spc="0" strike="noStrike" sz="4800" u="none">
+        <a:defRPr sz="4800" b="0" i="0" u="none" strike="noStrike" cap="none" spc="0" baseline="0">
           <a:solidFill>
             <a:srgbClr val="FFFFFF"/>
           </a:solidFill>
@@ -3908,7 +3932,7 @@
         <a:buFontTx/>
         <a:buChar char="•"/>
         <a:tabLst/>
-        <a:defRPr b="0" baseline="0" cap="none" i="0" spc="0" strike="noStrike" sz="4800" u="none">
+        <a:defRPr sz="4800" b="0" i="0" u="none" strike="noStrike" cap="none" spc="0" baseline="0">
           <a:solidFill>
             <a:srgbClr val="FFFFFF"/>
           </a:solidFill>
@@ -3936,7 +3960,7 @@
         <a:buFontTx/>
         <a:buChar char="•"/>
         <a:tabLst/>
-        <a:defRPr b="0" baseline="0" cap="none" i="0" spc="0" strike="noStrike" sz="4800" u="none">
+        <a:defRPr sz="4800" b="0" i="0" u="none" strike="noStrike" cap="none" spc="0" baseline="0">
           <a:solidFill>
             <a:srgbClr val="FFFFFF"/>
           </a:solidFill>
@@ -3964,7 +3988,7 @@
         <a:buFontTx/>
         <a:buChar char="•"/>
         <a:tabLst/>
-        <a:defRPr b="0" baseline="0" cap="none" i="0" spc="0" strike="noStrike" sz="4800" u="none">
+        <a:defRPr sz="4800" b="0" i="0" u="none" strike="noStrike" cap="none" spc="0" baseline="0">
           <a:solidFill>
             <a:srgbClr val="FFFFFF"/>
           </a:solidFill>
@@ -3992,7 +4016,7 @@
         <a:buFontTx/>
         <a:buChar char="•"/>
         <a:tabLst/>
-        <a:defRPr b="0" baseline="0" cap="none" i="0" spc="0" strike="noStrike" sz="4800" u="none">
+        <a:defRPr sz="4800" b="0" i="0" u="none" strike="noStrike" cap="none" spc="0" baseline="0">
           <a:solidFill>
             <a:srgbClr val="FFFFFF"/>
           </a:solidFill>
@@ -4020,7 +4044,7 @@
         <a:buFontTx/>
         <a:buNone/>
         <a:tabLst/>
-        <a:defRPr b="0" baseline="0" cap="none" i="0" spc="0" strike="noStrike" sz="2200" u="none">
+        <a:defRPr sz="2200" b="0" i="0" u="none" strike="noStrike" cap="none" spc="0" baseline="0">
           <a:solidFill>
             <a:schemeClr val="tx1"/>
           </a:solidFill>
@@ -4046,7 +4070,7 @@
         <a:buFontTx/>
         <a:buNone/>
         <a:tabLst/>
-        <a:defRPr b="0" baseline="0" cap="none" i="0" spc="0" strike="noStrike" sz="2200" u="none">
+        <a:defRPr sz="2200" b="0" i="0" u="none" strike="noStrike" cap="none" spc="0" baseline="0">
           <a:solidFill>
             <a:schemeClr val="tx1"/>
           </a:solidFill>
@@ -4072,7 +4096,7 @@
         <a:buFontTx/>
         <a:buNone/>
         <a:tabLst/>
-        <a:defRPr b="0" baseline="0" cap="none" i="0" spc="0" strike="noStrike" sz="2200" u="none">
+        <a:defRPr sz="2200" b="0" i="0" u="none" strike="noStrike" cap="none" spc="0" baseline="0">
           <a:solidFill>
             <a:schemeClr val="tx1"/>
           </a:solidFill>
@@ -4098,7 +4122,7 @@
         <a:buFontTx/>
         <a:buNone/>
         <a:tabLst/>
-        <a:defRPr b="0" baseline="0" cap="none" i="0" spc="0" strike="noStrike" sz="2200" u="none">
+        <a:defRPr sz="2200" b="0" i="0" u="none" strike="noStrike" cap="none" spc="0" baseline="0">
           <a:solidFill>
             <a:schemeClr val="tx1"/>
           </a:solidFill>
@@ -4124,7 +4148,7 @@
         <a:buFontTx/>
         <a:buNone/>
         <a:tabLst/>
-        <a:defRPr b="0" baseline="0" cap="none" i="0" spc="0" strike="noStrike" sz="2200" u="none">
+        <a:defRPr sz="2200" b="0" i="0" u="none" strike="noStrike" cap="none" spc="0" baseline="0">
           <a:solidFill>
             <a:schemeClr val="tx1"/>
           </a:solidFill>
@@ -4150,7 +4174,7 @@
         <a:buFontTx/>
         <a:buNone/>
         <a:tabLst/>
-        <a:defRPr b="0" baseline="0" cap="none" i="0" spc="0" strike="noStrike" sz="2200" u="none">
+        <a:defRPr sz="2200" b="0" i="0" u="none" strike="noStrike" cap="none" spc="0" baseline="0">
           <a:solidFill>
             <a:schemeClr val="tx1"/>
           </a:solidFill>
@@ -4176,7 +4200,7 @@
         <a:buFontTx/>
         <a:buNone/>
         <a:tabLst/>
-        <a:defRPr b="0" baseline="0" cap="none" i="0" spc="0" strike="noStrike" sz="2200" u="none">
+        <a:defRPr sz="2200" b="0" i="0" u="none" strike="noStrike" cap="none" spc="0" baseline="0">
           <a:solidFill>
             <a:schemeClr val="tx1"/>
           </a:solidFill>
@@ -4202,7 +4226,7 @@
         <a:buFontTx/>
         <a:buNone/>
         <a:tabLst/>
-        <a:defRPr b="0" baseline="0" cap="none" i="0" spc="0" strike="noStrike" sz="2200" u="none">
+        <a:defRPr sz="2200" b="0" i="0" u="none" strike="noStrike" cap="none" spc="0" baseline="0">
           <a:solidFill>
             <a:schemeClr val="tx1"/>
           </a:solidFill>
@@ -4228,7 +4252,7 @@
         <a:buFontTx/>
         <a:buNone/>
         <a:tabLst/>
-        <a:defRPr b="0" baseline="0" cap="none" i="0" spc="0" strike="noStrike" sz="2200" u="none">
+        <a:defRPr sz="2200" b="0" i="0" u="none" strike="noStrike" cap="none" spc="0" baseline="0">
           <a:solidFill>
             <a:schemeClr val="tx1"/>
           </a:solidFill>
@@ -4245,7 +4269,7 @@
 </file>
 
 <file path=ppt/slides/slide1.xml><?xml version="1.0" encoding="utf-8"?>
-<p:sld xmlns:a="http://schemas.openxmlformats.org/drawingml/2006/main" xmlns:r="http://schemas.openxmlformats.org/officeDocument/2006/relationships" xmlns:p="http://schemas.openxmlformats.org/presentationml/2006/main" xmlns:m="http://schemas.openxmlformats.org/officeDocument/2006/math" xmlns:a14="http://schemas.microsoft.com/office/drawing/2010/main" showMasterSp="1" showMasterPhAnim="1">
+<p:sld xmlns:a="http://schemas.openxmlformats.org/drawingml/2006/main" xmlns:r="http://schemas.openxmlformats.org/officeDocument/2006/relationships" xmlns:p="http://schemas.openxmlformats.org/presentationml/2006/main">
   <p:cSld>
     <p:spTree>
       <p:nvGrpSpPr>
@@ -4264,7 +4288,9 @@
       <p:sp>
         <p:nvSpPr>
           <p:cNvPr id="151" name="Project Orion"/>
-          <p:cNvSpPr txBox="1"/>
+          <p:cNvSpPr txBox="1">
+            <a:spLocks noGrp="1"/>
+          </p:cNvSpPr>
           <p:nvPr>
             <p:ph type="ctrTitle"/>
           </p:nvPr>
@@ -4278,7 +4304,6 @@
           <a:bodyPr/>
           <a:lstStyle/>
           <a:p>
-            <a:pPr/>
             <a:r>
               <a:t>Project Orion</a:t>
             </a:r>
@@ -4288,7 +4313,9 @@
       <p:sp>
         <p:nvSpPr>
           <p:cNvPr id="152" name="Developed by Ahmet Nasuhcan ÜNLÜ | İlker MAVİLİ | Ozan İrfan BAYAR"/>
-          <p:cNvSpPr txBox="1"/>
+          <p:cNvSpPr txBox="1">
+            <a:spLocks noGrp="1"/>
+          </p:cNvSpPr>
           <p:nvPr>
             <p:ph type="body" idx="21"/>
           </p:nvPr>
@@ -4299,7 +4326,7 @@
           </a:prstGeom>
           <a:extLst>
             <a:ext uri="{C572A759-6A51-4108-AA02-DFA0A04FC94B}">
-              <ma14:wrappingTextBoxFlag xmlns:ma14="http://schemas.microsoft.com/office/mac/drawingml/2011/main" val="1"/>
+              <ma14:wrappingTextBoxFlag xmlns:ma14="http://schemas.microsoft.com/office/mac/drawingml/2011/main" xmlns:a14="http://schemas.microsoft.com/office/drawing/2010/main" xmlns:m="http://schemas.openxmlformats.org/officeDocument/2006/math" xmlns="" val="1"/>
             </a:ext>
           </a:extLst>
         </p:spPr>
@@ -4307,7 +4334,6 @@
           <a:bodyPr/>
           <a:lstStyle/>
           <a:p>
-            <a:pPr/>
             <a:r>
               <a:t>Developed by Ahmet Nasuhcan ÜNLÜ | İlker MAVİLİ | Ozan İrfan BAYAR</a:t>
             </a:r>
@@ -4317,7 +4343,9 @@
       <p:sp>
         <p:nvSpPr>
           <p:cNvPr id="153" name="A Wi-Fi OPTIMIZATION APP"/>
-          <p:cNvSpPr txBox="1"/>
+          <p:cNvSpPr txBox="1">
+            <a:spLocks noGrp="1"/>
+          </p:cNvSpPr>
           <p:nvPr>
             <p:ph type="subTitle" sz="quarter" idx="1"/>
           </p:nvPr>
@@ -4331,7 +4359,6 @@
           <a:bodyPr/>
           <a:lstStyle/>
           <a:p>
-            <a:pPr/>
             <a:r>
               <a:t>A Wi-Fi OPTIMIZATION APP</a:t>
             </a:r>
@@ -4343,12 +4370,23 @@
   <p:clrMapOvr>
     <a:masterClrMapping/>
   </p:clrMapOvr>
-  <p:transition xmlns:p14="http://schemas.microsoft.com/office/powerpoint/2010/main" spd="med" advClick="1"/>
+  <mc:AlternateContent xmlns:mc="http://schemas.openxmlformats.org/markup-compatibility/2006">
+    <mc:Choice xmlns:p159="http://schemas.microsoft.com/office/powerpoint/2015/09/main" Requires="p159">
+      <p:transition xmlns:p14="http://schemas.microsoft.com/office/powerpoint/2010/main" spd="slow" p14:dur="2000">
+        <p159:morph option="byObject"/>
+      </p:transition>
+    </mc:Choice>
+    <mc:Fallback>
+      <p:transition spd="slow">
+        <p:fade/>
+      </p:transition>
+    </mc:Fallback>
+  </mc:AlternateContent>
 </p:sld>
 </file>
 
 <file path=ppt/slides/slide10.xml><?xml version="1.0" encoding="utf-8"?>
-<p:sld xmlns:a="http://schemas.openxmlformats.org/drawingml/2006/main" xmlns:r="http://schemas.openxmlformats.org/officeDocument/2006/relationships" xmlns:p="http://schemas.openxmlformats.org/presentationml/2006/main" xmlns:m="http://schemas.openxmlformats.org/officeDocument/2006/math" xmlns:a14="http://schemas.microsoft.com/office/drawing/2010/main" showMasterSp="1" showMasterPhAnim="1">
+<p:sld xmlns:a="http://schemas.openxmlformats.org/drawingml/2006/main" xmlns:r="http://schemas.openxmlformats.org/officeDocument/2006/relationships" xmlns:p="http://schemas.openxmlformats.org/presentationml/2006/main">
   <p:cSld>
     <p:spTree>
       <p:nvGrpSpPr>
@@ -4367,7 +4405,9 @@
       <p:sp>
         <p:nvSpPr>
           <p:cNvPr id="181" name="First Sprint Table"/>
-          <p:cNvSpPr txBox="1"/>
+          <p:cNvSpPr txBox="1">
+            <a:spLocks noGrp="1"/>
+          </p:cNvSpPr>
           <p:nvPr>
             <p:ph type="title"/>
           </p:nvPr>
@@ -4381,7 +4421,6 @@
           <a:bodyPr/>
           <a:lstStyle/>
           <a:p>
-            <a:pPr/>
             <a:r>
               <a:t>First Sprint Table</a:t>
             </a:r>
@@ -4391,7 +4430,9 @@
       <p:sp>
         <p:nvSpPr>
           <p:cNvPr id="182" name="Slide Subtitle"/>
-          <p:cNvSpPr txBox="1"/>
+          <p:cNvSpPr txBox="1">
+            <a:spLocks noGrp="1"/>
+          </p:cNvSpPr>
           <p:nvPr>
             <p:ph type="body" idx="21"/>
           </p:nvPr>
@@ -4405,7 +4446,7 @@
           <a:bodyPr/>
           <a:lstStyle/>
           <a:p>
-            <a:pPr/>
+            <a:endParaRPr/>
           </a:p>
         </p:txBody>
       </p:sp>
@@ -4417,18 +4458,36 @@
         </p:nvGraphicFramePr>
         <p:xfrm>
           <a:off x="1457415" y="3676408"/>
-          <a:ext cx="21481870" cy="8802465"/>
+          <a:ext cx="21469167" cy="7843610"/>
         </p:xfrm>
-        <a:graphic xmlns:a="http://schemas.openxmlformats.org/drawingml/2006/main">
+        <a:graphic>
           <a:graphicData uri="http://schemas.openxmlformats.org/drawingml/2006/table">
             <a:tbl>
-              <a:tblPr firstCol="0" firstRow="1" lastCol="0" lastRow="0" bandCol="0" bandRow="0" rtl="0">
+              <a:tblPr firstRow="1">
                 <a:tableStyleId>{4C3C2611-4C71-4FC5-86AE-919BDF0F9419}</a:tableStyleId>
               </a:tblPr>
               <a:tblGrid>
-                <a:gridCol w="7156389"/>
-                <a:gridCol w="7156389"/>
-                <a:gridCol w="7156389"/>
+                <a:gridCol w="7156389">
+                  <a:extLst>
+                    <a:ext uri="{9D8B030D-6E8A-4147-A177-3AD203B41FA5}">
+                      <a16:colId xmlns:a16="http://schemas.microsoft.com/office/drawing/2014/main" val="20000"/>
+                    </a:ext>
+                  </a:extLst>
+                </a:gridCol>
+                <a:gridCol w="7156389">
+                  <a:extLst>
+                    <a:ext uri="{9D8B030D-6E8A-4147-A177-3AD203B41FA5}">
+                      <a16:colId xmlns:a16="http://schemas.microsoft.com/office/drawing/2014/main" val="20001"/>
+                    </a:ext>
+                  </a:extLst>
+                </a:gridCol>
+                <a:gridCol w="7156389">
+                  <a:extLst>
+                    <a:ext uri="{9D8B030D-6E8A-4147-A177-3AD203B41FA5}">
+                      <a16:colId xmlns:a16="http://schemas.microsoft.com/office/drawing/2014/main" val="20002"/>
+                    </a:ext>
+                  </a:extLst>
+                </a:gridCol>
               </a:tblGrid>
               <a:tr h="1568722">
                 <a:tc>
@@ -4440,7 +4499,7 @@
                         <a:tabLst>
                           <a:tab pos="1663700" algn="l"/>
                         </a:tabLst>
-                        <a:defRPr b="0" sz="1800">
+                        <a:defRPr sz="1800" b="0">
                           <a:solidFill>
                             <a:srgbClr val="000000"/>
                           </a:solidFill>
@@ -4457,7 +4516,7 @@
                       </a:r>
                     </a:p>
                   </a:txBody>
-                  <a:tcPr marL="50800" marR="50800" marT="50800" marB="50800" anchor="ctr" anchorCtr="0" horzOverflow="overflow">
+                  <a:tcPr marL="50800" marR="50800" marT="50800" marB="50800" anchor="ctr" horzOverflow="overflow">
                     <a:solidFill>
                       <a:srgbClr val="00AB8E"/>
                     </a:solidFill>
@@ -4472,7 +4531,7 @@
                         <a:tabLst>
                           <a:tab pos="1663700" algn="l"/>
                         </a:tabLst>
-                        <a:defRPr b="0" sz="1800">
+                        <a:defRPr sz="1800" b="0">
                           <a:solidFill>
                             <a:srgbClr val="000000"/>
                           </a:solidFill>
@@ -4489,7 +4548,7 @@
                       </a:r>
                     </a:p>
                   </a:txBody>
-                  <a:tcPr marL="50800" marR="50800" marT="50800" marB="50800" anchor="ctr" anchorCtr="0" horzOverflow="overflow">
+                  <a:tcPr marL="50800" marR="50800" marT="50800" marB="50800" anchor="ctr" horzOverflow="overflow">
                     <a:solidFill>
                       <a:schemeClr val="accent1">
                         <a:hueOff val="117587"/>
@@ -4507,7 +4566,7 @@
                         <a:tabLst>
                           <a:tab pos="1663700" algn="l"/>
                         </a:tabLst>
-                        <a:defRPr b="0" sz="1800">
+                        <a:defRPr sz="1800" b="0">
                           <a:solidFill>
                             <a:srgbClr val="000000"/>
                           </a:solidFill>
@@ -4524,7 +4583,7 @@
                       </a:r>
                     </a:p>
                   </a:txBody>
-                  <a:tcPr marL="50800" marR="50800" marT="50800" marB="50800" anchor="ctr" anchorCtr="0" horzOverflow="overflow">
+                  <a:tcPr marL="50800" marR="50800" marT="50800" marB="50800" anchor="ctr" horzOverflow="overflow">
                     <a:solidFill>
                       <a:schemeClr val="accent5">
                         <a:hueOff val="128995"/>
@@ -4534,6 +4593,11 @@
                     </a:solidFill>
                   </a:tcPr>
                 </a:tc>
+                <a:extLst>
+                  <a:ext uri="{0D108BD9-81ED-4DB2-BD59-A6C34878D82A}">
+                    <a16:rowId xmlns:a16="http://schemas.microsoft.com/office/drawing/2014/main" val="10000"/>
+                  </a:ext>
+                </a:extLst>
               </a:tr>
               <a:tr h="1568722">
                 <a:tc>
@@ -4558,7 +4622,7 @@
                       </a:r>
                     </a:p>
                   </a:txBody>
-                  <a:tcPr marL="50800" marR="50800" marT="50800" marB="50800" anchor="ctr" anchorCtr="0" horzOverflow="overflow"/>
+                  <a:tcPr marL="50800" marR="50800" marT="50800" marB="50800" anchor="ctr" horzOverflow="overflow"/>
                 </a:tc>
                 <a:tc>
                   <a:txBody>
@@ -4582,7 +4646,7 @@
                       </a:r>
                     </a:p>
                   </a:txBody>
-                  <a:tcPr marL="50800" marR="50800" marT="50800" marB="50800" anchor="ctr" anchorCtr="0" horzOverflow="overflow"/>
+                  <a:tcPr marL="50800" marR="50800" marT="50800" marB="50800" anchor="ctr" horzOverflow="overflow"/>
                 </a:tc>
                 <a:tc>
                   <a:txBody>
@@ -4606,8 +4670,13 @@
                       </a:r>
                     </a:p>
                   </a:txBody>
-                  <a:tcPr marL="50800" marR="50800" marT="50800" marB="50800" anchor="ctr" anchorCtr="0" horzOverflow="overflow"/>
+                  <a:tcPr marL="50800" marR="50800" marT="50800" marB="50800" anchor="ctr" horzOverflow="overflow"/>
                 </a:tc>
+                <a:extLst>
+                  <a:ext uri="{0D108BD9-81ED-4DB2-BD59-A6C34878D82A}">
+                    <a16:rowId xmlns:a16="http://schemas.microsoft.com/office/drawing/2014/main" val="10001"/>
+                  </a:ext>
+                </a:extLst>
               </a:tr>
               <a:tr h="1568722">
                 <a:tc>
@@ -4632,7 +4701,7 @@
                       </a:r>
                     </a:p>
                   </a:txBody>
-                  <a:tcPr marL="50800" marR="50800" marT="50800" marB="50800" anchor="ctr" anchorCtr="0" horzOverflow="overflow"/>
+                  <a:tcPr marL="50800" marR="50800" marT="50800" marB="50800" anchor="ctr" horzOverflow="overflow"/>
                 </a:tc>
                 <a:tc>
                   <a:txBody>
@@ -4656,7 +4725,7 @@
                       </a:r>
                     </a:p>
                   </a:txBody>
-                  <a:tcPr marL="50800" marR="50800" marT="50800" marB="50800" anchor="ctr" anchorCtr="0" horzOverflow="overflow"/>
+                  <a:tcPr marL="50800" marR="50800" marT="50800" marB="50800" anchor="ctr" horzOverflow="overflow"/>
                 </a:tc>
                 <a:tc>
                   <a:txBody>
@@ -4680,8 +4749,13 @@
                       </a:r>
                     </a:p>
                   </a:txBody>
-                  <a:tcPr marL="50800" marR="50800" marT="50800" marB="50800" anchor="ctr" anchorCtr="0" horzOverflow="overflow"/>
+                  <a:tcPr marL="50800" marR="50800" marT="50800" marB="50800" anchor="ctr" horzOverflow="overflow"/>
                 </a:tc>
+                <a:extLst>
+                  <a:ext uri="{0D108BD9-81ED-4DB2-BD59-A6C34878D82A}">
+                    <a16:rowId xmlns:a16="http://schemas.microsoft.com/office/drawing/2014/main" val="10002"/>
+                  </a:ext>
+                </a:extLst>
               </a:tr>
               <a:tr h="1568722">
                 <a:tc>
@@ -4692,9 +4766,10 @@
                       <a:pPr defTabSz="914400">
                         <a:defRPr sz="1200"/>
                       </a:pPr>
+                      <a:endParaRPr/>
                     </a:p>
                   </a:txBody>
-                  <a:tcPr marL="50800" marR="50800" marT="50800" marB="50800" anchor="ctr" anchorCtr="0" horzOverflow="overflow"/>
+                  <a:tcPr marL="50800" marR="50800" marT="50800" marB="50800" anchor="ctr" horzOverflow="overflow"/>
                 </a:tc>
                 <a:tc>
                   <a:txBody>
@@ -4718,7 +4793,7 @@
                       </a:r>
                     </a:p>
                   </a:txBody>
-                  <a:tcPr marL="50800" marR="50800" marT="50800" marB="50800" anchor="ctr" anchorCtr="0" horzOverflow="overflow"/>
+                  <a:tcPr marL="50800" marR="50800" marT="50800" marB="50800" anchor="ctr" horzOverflow="overflow"/>
                 </a:tc>
                 <a:tc>
                   <a:txBody>
@@ -4742,8 +4817,13 @@
                       </a:r>
                     </a:p>
                   </a:txBody>
-                  <a:tcPr marL="50800" marR="50800" marT="50800" marB="50800" anchor="ctr" anchorCtr="0" horzOverflow="overflow"/>
+                  <a:tcPr marL="50800" marR="50800" marT="50800" marB="50800" anchor="ctr" horzOverflow="overflow"/>
                 </a:tc>
+                <a:extLst>
+                  <a:ext uri="{0D108BD9-81ED-4DB2-BD59-A6C34878D82A}">
+                    <a16:rowId xmlns:a16="http://schemas.microsoft.com/office/drawing/2014/main" val="10003"/>
+                  </a:ext>
+                </a:extLst>
               </a:tr>
               <a:tr h="1568722">
                 <a:tc>
@@ -4754,9 +4834,10 @@
                       <a:pPr defTabSz="914400">
                         <a:defRPr sz="3200"/>
                       </a:pPr>
+                      <a:endParaRPr/>
                     </a:p>
                   </a:txBody>
-                  <a:tcPr marL="50800" marR="50800" marT="50800" marB="50800" anchor="ctr" anchorCtr="0" horzOverflow="overflow"/>
+                  <a:tcPr marL="50800" marR="50800" marT="50800" marB="50800" anchor="ctr" horzOverflow="overflow"/>
                 </a:tc>
                 <a:tc>
                   <a:txBody>
@@ -4766,9 +4847,10 @@
                       <a:pPr defTabSz="914400">
                         <a:defRPr sz="3200"/>
                       </a:pPr>
+                      <a:endParaRPr/>
                     </a:p>
                   </a:txBody>
-                  <a:tcPr marL="50800" marR="50800" marT="50800" marB="50800" anchor="ctr" anchorCtr="0" horzOverflow="overflow"/>
+                  <a:tcPr marL="50800" marR="50800" marT="50800" marB="50800" anchor="ctr" horzOverflow="overflow"/>
                 </a:tc>
                 <a:tc>
                   <a:txBody>
@@ -4792,8 +4874,13 @@
                       </a:r>
                     </a:p>
                   </a:txBody>
-                  <a:tcPr marL="50800" marR="50800" marT="50800" marB="50800" anchor="ctr" anchorCtr="0" horzOverflow="overflow"/>
+                  <a:tcPr marL="50800" marR="50800" marT="50800" marB="50800" anchor="ctr" horzOverflow="overflow"/>
                 </a:tc>
+                <a:extLst>
+                  <a:ext uri="{0D108BD9-81ED-4DB2-BD59-A6C34878D82A}">
+                    <a16:rowId xmlns:a16="http://schemas.microsoft.com/office/drawing/2014/main" val="10004"/>
+                  </a:ext>
+                </a:extLst>
               </a:tr>
             </a:tbl>
           </a:graphicData>
@@ -4805,9 +4892,9 @@
     <a:masterClrMapping/>
   </p:clrMapOvr>
   <mc:AlternateContent xmlns:mc="http://schemas.openxmlformats.org/markup-compatibility/2006">
-    <mc:Choice xmlns:p14="http://schemas.microsoft.com/office/powerpoint/2010/main" Requires="p14">
-      <p:transition spd="slow" advClick="1" p14:dur="2000">
-        <p:dissolve/>
+    <mc:Choice xmlns:p159="http://schemas.microsoft.com/office/powerpoint/2015/09/main" Requires="p159">
+      <p:transition xmlns:p14="http://schemas.microsoft.com/office/powerpoint/2010/main" spd="slow" p14:dur="2000">
+        <p159:morph option="byObject"/>
       </p:transition>
     </mc:Choice>
     <mc:Fallback>
@@ -4820,7 +4907,7 @@
 </file>
 
 <file path=ppt/slides/slide11.xml><?xml version="1.0" encoding="utf-8"?>
-<p:sld xmlns:a="http://schemas.openxmlformats.org/drawingml/2006/main" xmlns:r="http://schemas.openxmlformats.org/officeDocument/2006/relationships" xmlns:p="http://schemas.openxmlformats.org/presentationml/2006/main" xmlns:m="http://schemas.openxmlformats.org/officeDocument/2006/math" xmlns:a14="http://schemas.microsoft.com/office/drawing/2010/main" showMasterSp="1" showMasterPhAnim="1">
+<p:sld xmlns:a="http://schemas.openxmlformats.org/drawingml/2006/main" xmlns:r="http://schemas.openxmlformats.org/officeDocument/2006/relationships" xmlns:p="http://schemas.openxmlformats.org/presentationml/2006/main">
   <p:cSld>
     <p:spTree>
       <p:nvGrpSpPr>
@@ -4839,7 +4926,9 @@
       <p:sp>
         <p:nvSpPr>
           <p:cNvPr id="185" name="Inferences"/>
-          <p:cNvSpPr txBox="1"/>
+          <p:cNvSpPr txBox="1">
+            <a:spLocks noGrp="1"/>
+          </p:cNvSpPr>
           <p:nvPr>
             <p:ph type="title"/>
           </p:nvPr>
@@ -4869,7 +4958,6 @@
             </a:lvl1pPr>
           </a:lstStyle>
           <a:p>
-            <a:pPr/>
             <a:r>
               <a:t>Inferences</a:t>
             </a:r>
@@ -4879,7 +4967,9 @@
       <p:sp>
         <p:nvSpPr>
           <p:cNvPr id="186" name="Slide Subtitle"/>
-          <p:cNvSpPr txBox="1"/>
+          <p:cNvSpPr txBox="1">
+            <a:spLocks noGrp="1"/>
+          </p:cNvSpPr>
           <p:nvPr>
             <p:ph type="body" idx="21"/>
           </p:nvPr>
@@ -4893,14 +4983,16 @@
           <a:bodyPr/>
           <a:lstStyle/>
           <a:p>
-            <a:pPr/>
+            <a:endParaRPr/>
           </a:p>
         </p:txBody>
       </p:sp>
       <p:sp>
         <p:nvSpPr>
           <p:cNvPr id="187" name="We have improved our Collaboration Skills.…"/>
-          <p:cNvSpPr txBox="1"/>
+          <p:cNvSpPr txBox="1">
+            <a:spLocks noGrp="1"/>
+          </p:cNvSpPr>
           <p:nvPr>
             <p:ph type="body" idx="1"/>
           </p:nvPr>
@@ -4914,19 +5006,16 @@
           <a:bodyPr/>
           <a:lstStyle/>
           <a:p>
-            <a:pPr/>
             <a:r>
               <a:t>We have improved our Collaboration Skills.</a:t>
             </a:r>
           </a:p>
           <a:p>
-            <a:pPr/>
             <a:r>
               <a:t>We have seen that the users have more specific demands about the application.</a:t>
             </a:r>
           </a:p>
           <a:p>
-            <a:pPr/>
             <a:r>
               <a:t>We realized how ruthless business life is.</a:t>
             </a:r>
@@ -4939,9 +5028,9 @@
     <a:masterClrMapping/>
   </p:clrMapOvr>
   <mc:AlternateContent xmlns:mc="http://schemas.openxmlformats.org/markup-compatibility/2006">
-    <mc:Choice xmlns:p14="http://schemas.microsoft.com/office/powerpoint/2010/main" Requires="p14">
-      <p:transition spd="slow" advClick="1" p14:dur="2000">
-        <p:dissolve/>
+    <mc:Choice xmlns:p159="http://schemas.microsoft.com/office/powerpoint/2015/09/main" Requires="p159">
+      <p:transition xmlns:p14="http://schemas.microsoft.com/office/powerpoint/2010/main" spd="slow" p14:dur="2000">
+        <p159:morph option="byObject"/>
       </p:transition>
     </mc:Choice>
     <mc:Fallback>
@@ -4954,7 +5043,7 @@
 </file>
 
 <file path=ppt/slides/slide12.xml><?xml version="1.0" encoding="utf-8"?>
-<p:sld xmlns:a="http://schemas.openxmlformats.org/drawingml/2006/main" xmlns:r="http://schemas.openxmlformats.org/officeDocument/2006/relationships" xmlns:p="http://schemas.openxmlformats.org/presentationml/2006/main" xmlns:m="http://schemas.openxmlformats.org/officeDocument/2006/math" xmlns:a14="http://schemas.microsoft.com/office/drawing/2010/main" showMasterSp="1" showMasterPhAnim="1">
+<p:sld xmlns:a="http://schemas.openxmlformats.org/drawingml/2006/main" xmlns:r="http://schemas.openxmlformats.org/officeDocument/2006/relationships" xmlns:p="http://schemas.openxmlformats.org/presentationml/2006/main">
   <p:cSld>
     <p:spTree>
       <p:nvGrpSpPr>
@@ -4973,7 +5062,9 @@
       <p:sp>
         <p:nvSpPr>
           <p:cNvPr id="189" name="https://github.com/Anunlu/Project-Orion"/>
-          <p:cNvSpPr txBox="1"/>
+          <p:cNvSpPr txBox="1">
+            <a:spLocks noGrp="1"/>
+          </p:cNvSpPr>
           <p:nvPr>
             <p:ph type="body" idx="21"/>
           </p:nvPr>
@@ -4984,7 +5075,7 @@
           </a:prstGeom>
           <a:extLst>
             <a:ext uri="{C572A759-6A51-4108-AA02-DFA0A04FC94B}">
-              <ma14:wrappingTextBoxFlag xmlns:ma14="http://schemas.microsoft.com/office/mac/drawingml/2011/main" val="1"/>
+              <ma14:wrappingTextBoxFlag xmlns:ma14="http://schemas.microsoft.com/office/mac/drawingml/2011/main" xmlns:a14="http://schemas.microsoft.com/office/drawing/2010/main" xmlns:m="http://schemas.openxmlformats.org/officeDocument/2006/math" xmlns="" val="1"/>
             </a:ext>
           </a:extLst>
         </p:spPr>
@@ -4992,7 +5083,6 @@
           <a:bodyPr/>
           <a:lstStyle/>
           <a:p>
-            <a:pPr/>
             <a:r>
               <a:t>https://github.com/Anunlu/Project-Orion</a:t>
             </a:r>
@@ -5002,7 +5092,9 @@
       <p:sp>
         <p:nvSpPr>
           <p:cNvPr id="190" name="Thanks for Watching and Listening Us"/>
-          <p:cNvSpPr txBox="1"/>
+          <p:cNvSpPr txBox="1">
+            <a:spLocks noGrp="1"/>
+          </p:cNvSpPr>
           <p:nvPr>
             <p:ph type="body" sz="half" idx="1"/>
           </p:nvPr>
@@ -5016,7 +5108,6 @@
           <a:bodyPr/>
           <a:lstStyle/>
           <a:p>
-            <a:pPr/>
             <a:r>
               <a:t>Thanks for Watching and Listening Us</a:t>
             </a:r>
@@ -5029,9 +5120,9 @@
     <a:masterClrMapping/>
   </p:clrMapOvr>
   <mc:AlternateContent xmlns:mc="http://schemas.openxmlformats.org/markup-compatibility/2006">
-    <mc:Choice xmlns:p14="http://schemas.microsoft.com/office/powerpoint/2010/main" Requires="p14">
-      <p:transition spd="slow" advClick="1" p14:dur="2000">
-        <p:dissolve/>
+    <mc:Choice xmlns:p159="http://schemas.microsoft.com/office/powerpoint/2015/09/main" Requires="p159">
+      <p:transition xmlns:p14="http://schemas.microsoft.com/office/powerpoint/2010/main" spd="slow" p14:dur="2000">
+        <p159:morph option="byObject"/>
       </p:transition>
     </mc:Choice>
     <mc:Fallback>
@@ -5043,10 +5134,10 @@
   <p:timing>
     <p:tnLst>
       <p:par>
-        <p:cTn id="1" nodeType="tmRoot" restart="never" dur="indefinite" fill="hold">
+        <p:cTn id="1" dur="indefinite" restart="never" fill="hold" nodeType="tmRoot">
           <p:childTnLst>
             <p:seq concurrent="1" prevAc="none" nextAc="seek">
-              <p:cTn id="2" nodeType="mainSeq" dur="indefinite" fill="hold">
+              <p:cTn id="2" dur="indefinite" fill="hold" nodeType="mainSeq">
                 <p:childTnLst>
                   <p:par>
                     <p:cTn id="3" fill="hold">
@@ -5061,11 +5152,11 @@
                             </p:stCondLst>
                             <p:childTnLst>
                               <p:par>
-                                <p:cTn id="5" presetClass="entr" nodeType="clickEffect" presetSubtype="0" presetID="1" grpId="1" fill="hold">
+                                <p:cTn id="5" presetID="1" presetClass="entr" presetSubtype="0" fill="hold" grpId="1" nodeType="clickEffect">
                                   <p:stCondLst>
                                     <p:cond delay="0"/>
                                   </p:stCondLst>
-                                  <p:iterate type="lt" backwards="0">
+                                  <p:iterate type="lt">
                                     <p:tmAbs val="100"/>
                                   </p:iterate>
                                   <p:childTnLst>
@@ -5095,14 +5186,14 @@
                 </p:childTnLst>
               </p:cTn>
               <p:prevCondLst>
-                <p:cond evt="onPrev">
+                <p:cond evt="onPrev" delay="0">
                   <p:tgtEl>
                     <p:sldTgt/>
                   </p:tgtEl>
                 </p:cond>
               </p:prevCondLst>
               <p:nextCondLst>
-                <p:cond evt="onNext">
+                <p:cond evt="onNext" delay="0">
                   <p:tgtEl>
                     <p:sldTgt/>
                   </p:tgtEl>
@@ -5114,14 +5205,14 @@
       </p:par>
     </p:tnLst>
     <p:bldLst>
-      <p:bldP build="whole" bldLvl="1" animBg="1" rev="0" advAuto="0" spid="189" grpId="1"/>
+      <p:bldP spid="189" grpId="1" animBg="1" advAuto="0"/>
     </p:bldLst>
   </p:timing>
 </p:sld>
 </file>
 
 <file path=ppt/slides/slide2.xml><?xml version="1.0" encoding="utf-8"?>
-<p:sld xmlns:a="http://schemas.openxmlformats.org/drawingml/2006/main" xmlns:r="http://schemas.openxmlformats.org/officeDocument/2006/relationships" xmlns:p="http://schemas.openxmlformats.org/presentationml/2006/main" xmlns:m="http://schemas.openxmlformats.org/officeDocument/2006/math" xmlns:a14="http://schemas.microsoft.com/office/drawing/2010/main" showMasterSp="1" showMasterPhAnim="1">
+<p:sld xmlns:a="http://schemas.openxmlformats.org/drawingml/2006/main" xmlns:r="http://schemas.openxmlformats.org/officeDocument/2006/relationships" xmlns:p="http://schemas.openxmlformats.org/presentationml/2006/main">
   <p:cSld>
     <p:spTree>
       <p:nvGrpSpPr>
@@ -5141,17 +5232,15 @@
         <p:nvPicPr>
           <p:cNvPr id="155" name="B28353BB-C04F-41CF-A548-C48FC30C383E_4_5005_c.jpeg" descr="B28353BB-C04F-41CF-A548-C48FC30C383E_4_5005_c.jpeg"/>
           <p:cNvPicPr>
-            <a:picLocks noChangeAspect="1"/>
+            <a:picLocks noGrp="1" noChangeAspect="1"/>
           </p:cNvPicPr>
           <p:nvPr>
             <p:ph type="pic" idx="21"/>
           </p:nvPr>
         </p:nvPicPr>
         <p:blipFill>
-          <a:blip r:embed="rId2">
-            <a:extLst/>
-          </a:blip>
-          <a:srcRect l="24023" t="0" r="27989" b="0"/>
+          <a:blip r:embed="rId2"/>
+          <a:srcRect l="24023" r="27989"/>
           <a:stretch>
             <a:fillRect/>
           </a:stretch>
@@ -5169,7 +5258,9 @@
       <p:sp>
         <p:nvSpPr>
           <p:cNvPr id="156" name="Orion Constellation"/>
-          <p:cNvSpPr txBox="1"/>
+          <p:cNvSpPr txBox="1">
+            <a:spLocks noGrp="1"/>
+          </p:cNvSpPr>
           <p:nvPr>
             <p:ph type="title"/>
           </p:nvPr>
@@ -5187,7 +5278,6 @@
           <a:bodyPr/>
           <a:lstStyle/>
           <a:p>
-            <a:pPr/>
             <a:r>
               <a:t>Orion</a:t>
             </a:r>
@@ -5229,7 +5319,7 @@
             </a:cxnLst>
             <a:rect l="0" t="0" r="r" b="b"/>
             <a:pathLst>
-              <a:path w="21595" h="21596" fill="norm" stroke="1" extrusionOk="0">
+              <a:path w="21595" h="21596" extrusionOk="0">
                 <a:moveTo>
                   <a:pt x="17649" y="3"/>
                 </a:moveTo>
@@ -5430,12 +5520,13 @@
                 <a:solidFill>
                   <a:srgbClr val="000000"/>
                 </a:solidFill>
-                <a:latin typeface="Graphik Medium"/>
-                <a:ea typeface="Graphik Medium"/>
-                <a:cs typeface="Graphik Medium"/>
+                <a:latin typeface="Graphik-Medium"/>
+                <a:ea typeface="Graphik-Medium"/>
+                <a:cs typeface="Graphik-Medium"/>
                 <a:sym typeface="Graphik Medium"/>
               </a:defRPr>
             </a:pPr>
+            <a:endParaRPr/>
           </a:p>
         </p:txBody>
       </p:sp>
@@ -5445,9 +5536,9 @@
     <a:masterClrMapping/>
   </p:clrMapOvr>
   <mc:AlternateContent xmlns:mc="http://schemas.openxmlformats.org/markup-compatibility/2006">
-    <mc:Choice xmlns:p14="http://schemas.microsoft.com/office/powerpoint/2010/main" Requires="p14">
-      <p:transition spd="slow" advClick="1" p14:dur="2000">
-        <p:dissolve/>
+    <mc:Choice xmlns:p159="http://schemas.microsoft.com/office/powerpoint/2015/09/main" Requires="p159">
+      <p:transition xmlns:p14="http://schemas.microsoft.com/office/powerpoint/2010/main" spd="slow" p14:dur="2000">
+        <p159:morph option="byObject"/>
       </p:transition>
     </mc:Choice>
     <mc:Fallback>
@@ -5460,7 +5551,7 @@
 </file>
 
 <file path=ppt/slides/slide3.xml><?xml version="1.0" encoding="utf-8"?>
-<p:sld xmlns:a="http://schemas.openxmlformats.org/drawingml/2006/main" xmlns:r="http://schemas.openxmlformats.org/officeDocument/2006/relationships" xmlns:p="http://schemas.openxmlformats.org/presentationml/2006/main" xmlns:m="http://schemas.openxmlformats.org/officeDocument/2006/math" xmlns:a14="http://schemas.microsoft.com/office/drawing/2010/main" showMasterSp="1" showMasterPhAnim="1">
+<p:sld xmlns:a="http://schemas.openxmlformats.org/drawingml/2006/main" xmlns:r="http://schemas.openxmlformats.org/officeDocument/2006/relationships" xmlns:p="http://schemas.openxmlformats.org/presentationml/2006/main">
   <p:cSld>
     <p:spTree>
       <p:nvGrpSpPr>
@@ -5479,7 +5570,9 @@
       <p:sp>
         <p:nvSpPr>
           <p:cNvPr id="159" name="What is Orion?"/>
-          <p:cNvSpPr txBox="1"/>
+          <p:cNvSpPr txBox="1">
+            <a:spLocks noGrp="1"/>
+          </p:cNvSpPr>
           <p:nvPr>
             <p:ph type="title"/>
           </p:nvPr>
@@ -5493,7 +5586,6 @@
           <a:bodyPr/>
           <a:lstStyle/>
           <a:p>
-            <a:pPr/>
             <a:r>
               <a:t>What is Orion?</a:t>
             </a:r>
@@ -5503,7 +5595,9 @@
       <p:sp>
         <p:nvSpPr>
           <p:cNvPr id="160" name="Orion is a Wi-Fi optimization app for Android.…"/>
-          <p:cNvSpPr txBox="1"/>
+          <p:cNvSpPr txBox="1">
+            <a:spLocks noGrp="1"/>
+          </p:cNvSpPr>
           <p:nvPr>
             <p:ph type="body" idx="1"/>
           </p:nvPr>
@@ -5517,27 +5611,58 @@
           <a:bodyPr/>
           <a:lstStyle/>
           <a:p>
-            <a:pPr/>
+            <a:pPr marL="553212" indent="-553212" defTabSz="2414016">
+              <a:spcBef>
+                <a:spcPts val="2300"/>
+              </a:spcBef>
+              <a:defRPr sz="4752"/>
+            </a:pPr>
             <a:r>
               <a:t>Orion is a Wi-Fi optimization app for Android.</a:t>
             </a:r>
           </a:p>
           <a:p>
-            <a:pPr/>
+            <a:pPr marL="553212" indent="-553212" defTabSz="2414016">
+              <a:spcBef>
+                <a:spcPts val="2300"/>
+              </a:spcBef>
+              <a:defRPr sz="4752"/>
+            </a:pPr>
             <a:r>
               <a:t>The App aims at increasing Wi-Fi performance for users who have more than one wireless network in the same area.</a:t>
             </a:r>
           </a:p>
           <a:p>
-            <a:pPr/>
+            <a:pPr marL="553212" indent="-553212" defTabSz="2414016">
+              <a:spcBef>
+                <a:spcPts val="2300"/>
+              </a:spcBef>
+              <a:defRPr sz="4752"/>
+            </a:pPr>
             <a:r>
               <a:t>These users want more efficient and more stable wireless network connections.</a:t>
             </a:r>
           </a:p>
           <a:p>
-            <a:pPr/>
+            <a:pPr marL="553212" indent="-553212" defTabSz="2414016">
+              <a:spcBef>
+                <a:spcPts val="2300"/>
+              </a:spcBef>
+              <a:defRPr sz="4752"/>
+            </a:pPr>
             <a:r>
-              <a:t>The app is trying to run with low battery consumption as much as possible.</a:t>
+              <a:t>The application has the ability to switch to the Wi-Fi which has the strongest signal without needing manual intervention. </a:t>
+            </a:r>
+          </a:p>
+          <a:p>
+            <a:pPr marL="553212" indent="-553212" defTabSz="2414016">
+              <a:spcBef>
+                <a:spcPts val="2300"/>
+              </a:spcBef>
+              <a:defRPr sz="4752"/>
+            </a:pPr>
+            <a:r>
+              <a:t>At the same time, the app tries to run with low battery consumption as much as possible.</a:t>
             </a:r>
           </a:p>
         </p:txBody>
@@ -5548,9 +5673,9 @@
     <a:masterClrMapping/>
   </p:clrMapOvr>
   <mc:AlternateContent xmlns:mc="http://schemas.openxmlformats.org/markup-compatibility/2006">
-    <mc:Choice xmlns:p14="http://schemas.microsoft.com/office/powerpoint/2010/main" Requires="p14">
-      <p:transition spd="slow" advClick="1" p14:dur="2000">
-        <p:dissolve/>
+    <mc:Choice xmlns:p159="http://schemas.microsoft.com/office/powerpoint/2015/09/main" Requires="p159">
+      <p:transition xmlns:p14="http://schemas.microsoft.com/office/powerpoint/2010/main" spd="slow" p14:dur="2000">
+        <p159:morph option="byObject"/>
       </p:transition>
     </mc:Choice>
     <mc:Fallback>
@@ -5563,7 +5688,7 @@
 </file>
 
 <file path=ppt/slides/slide4.xml><?xml version="1.0" encoding="utf-8"?>
-<p:sld xmlns:a="http://schemas.openxmlformats.org/drawingml/2006/main" xmlns:r="http://schemas.openxmlformats.org/officeDocument/2006/relationships" xmlns:p="http://schemas.openxmlformats.org/presentationml/2006/main" xmlns:m="http://schemas.openxmlformats.org/officeDocument/2006/math" xmlns:a14="http://schemas.microsoft.com/office/drawing/2010/main" showMasterSp="1" showMasterPhAnim="1">
+<p:sld xmlns:a="http://schemas.openxmlformats.org/drawingml/2006/main" xmlns:r="http://schemas.openxmlformats.org/officeDocument/2006/relationships" xmlns:p="http://schemas.openxmlformats.org/presentationml/2006/main">
   <p:cSld>
     <p:spTree>
       <p:nvGrpSpPr>
@@ -5582,7 +5707,9 @@
       <p:sp>
         <p:nvSpPr>
           <p:cNvPr id="162" name="Main Functional Requirements"/>
-          <p:cNvSpPr txBox="1"/>
+          <p:cNvSpPr txBox="1">
+            <a:spLocks noGrp="1"/>
+          </p:cNvSpPr>
           <p:nvPr>
             <p:ph type="title"/>
           </p:nvPr>
@@ -5600,7 +5727,6 @@
           <a:bodyPr/>
           <a:lstStyle/>
           <a:p>
-            <a:pPr/>
             <a:r>
               <a:t>Main Functional</a:t>
             </a:r>
@@ -5614,7 +5740,9 @@
       <p:sp>
         <p:nvSpPr>
           <p:cNvPr id="163" name="• The device’s operating system must be Android.…"/>
-          <p:cNvSpPr txBox="1"/>
+          <p:cNvSpPr txBox="1">
+            <a:spLocks noGrp="1"/>
+          </p:cNvSpPr>
           <p:nvPr>
             <p:ph type="body" idx="1"/>
           </p:nvPr>
@@ -5647,6 +5775,7 @@
               <a:buSzTx/>
               <a:buNone/>
             </a:pPr>
+            <a:endParaRPr/>
           </a:p>
           <a:p>
             <a:pPr marL="0" indent="0">
@@ -5659,7 +5788,7 @@
             </a:r>
           </a:p>
           <a:p>
-            <a:pPr lvl="1" marL="0" indent="457200">
+            <a:pPr marL="0" lvl="1" indent="457200">
               <a:buClrTx/>
               <a:buSzTx/>
               <a:buNone/>
@@ -5669,7 +5798,7 @@
             </a:r>
           </a:p>
           <a:p>
-            <a:pPr lvl="1" marL="0" indent="457200">
+            <a:pPr marL="0" lvl="1" indent="457200">
               <a:buClrTx/>
               <a:buSzTx/>
               <a:buNone/>
@@ -5679,11 +5808,12 @@
             </a:r>
           </a:p>
           <a:p>
-            <a:pPr lvl="1" marL="0" indent="457200">
+            <a:pPr marL="0" lvl="1" indent="457200">
               <a:buClrTx/>
               <a:buSzTx/>
               <a:buNone/>
             </a:pPr>
+            <a:endParaRPr/>
           </a:p>
           <a:p>
             <a:pPr marL="0" indent="0">
@@ -5703,9 +5833,9 @@
     <a:masterClrMapping/>
   </p:clrMapOvr>
   <mc:AlternateContent xmlns:mc="http://schemas.openxmlformats.org/markup-compatibility/2006">
-    <mc:Choice xmlns:p14="http://schemas.microsoft.com/office/powerpoint/2010/main" Requires="p14">
-      <p:transition spd="slow" advClick="1" p14:dur="2000">
-        <p:dissolve/>
+    <mc:Choice xmlns:p159="http://schemas.microsoft.com/office/powerpoint/2015/09/main" Requires="p159">
+      <p:transition xmlns:p14="http://schemas.microsoft.com/office/powerpoint/2010/main" spd="slow" p14:dur="2000">
+        <p159:morph option="byObject"/>
       </p:transition>
     </mc:Choice>
     <mc:Fallback>
@@ -5718,7 +5848,7 @@
 </file>
 
 <file path=ppt/slides/slide5.xml><?xml version="1.0" encoding="utf-8"?>
-<p:sld xmlns:a="http://schemas.openxmlformats.org/drawingml/2006/main" xmlns:r="http://schemas.openxmlformats.org/officeDocument/2006/relationships" xmlns:p="http://schemas.openxmlformats.org/presentationml/2006/main" xmlns:m="http://schemas.openxmlformats.org/officeDocument/2006/math" xmlns:a14="http://schemas.microsoft.com/office/drawing/2010/main" showMasterSp="1" showMasterPhAnim="1">
+<p:sld xmlns:a="http://schemas.openxmlformats.org/drawingml/2006/main" xmlns:r="http://schemas.openxmlformats.org/officeDocument/2006/relationships" xmlns:p="http://schemas.openxmlformats.org/presentationml/2006/main">
   <p:cSld>
     <p:spTree>
       <p:nvGrpSpPr>
@@ -5737,7 +5867,9 @@
       <p:sp>
         <p:nvSpPr>
           <p:cNvPr id="165" name="Main Functional Requirements"/>
-          <p:cNvSpPr txBox="1"/>
+          <p:cNvSpPr txBox="1">
+            <a:spLocks noGrp="1"/>
+          </p:cNvSpPr>
           <p:nvPr>
             <p:ph type="title"/>
           </p:nvPr>
@@ -5755,7 +5887,6 @@
           <a:bodyPr/>
           <a:lstStyle/>
           <a:p>
-            <a:pPr/>
             <a:r>
               <a:t>Main Functional</a:t>
             </a:r>
@@ -5769,7 +5900,9 @@
       <p:sp>
         <p:nvSpPr>
           <p:cNvPr id="166" name="• User should be able to see signal strengths, SSIDs and BSSIDS from “Wi-Fi List” menu.…"/>
-          <p:cNvSpPr txBox="1"/>
+          <p:cNvSpPr txBox="1">
+            <a:spLocks noGrp="1"/>
+          </p:cNvSpPr>
           <p:nvPr>
             <p:ph type="body" idx="1"/>
           </p:nvPr>
@@ -5798,6 +5931,7 @@
               <a:buSzTx/>
               <a:buNone/>
             </a:pPr>
+            <a:endParaRPr/>
           </a:p>
           <a:p>
             <a:pPr marL="0" indent="0">
@@ -5815,6 +5949,7 @@
               <a:buSzTx/>
               <a:buNone/>
             </a:pPr>
+            <a:endParaRPr/>
           </a:p>
           <a:p>
             <a:pPr marL="0" indent="0">
@@ -5834,9 +5969,9 @@
     <a:masterClrMapping/>
   </p:clrMapOvr>
   <mc:AlternateContent xmlns:mc="http://schemas.openxmlformats.org/markup-compatibility/2006">
-    <mc:Choice xmlns:p14="http://schemas.microsoft.com/office/powerpoint/2010/main" Requires="p14">
-      <p:transition spd="slow" advClick="1" p14:dur="2000">
-        <p:dissolve/>
+    <mc:Choice xmlns:p159="http://schemas.microsoft.com/office/powerpoint/2015/09/main" Requires="p159">
+      <p:transition xmlns:p14="http://schemas.microsoft.com/office/powerpoint/2010/main" spd="slow" p14:dur="2000">
+        <p159:morph option="byObject"/>
       </p:transition>
     </mc:Choice>
     <mc:Fallback>
@@ -5849,7 +5984,7 @@
 </file>
 
 <file path=ppt/slides/slide6.xml><?xml version="1.0" encoding="utf-8"?>
-<p:sld xmlns:a="http://schemas.openxmlformats.org/drawingml/2006/main" xmlns:r="http://schemas.openxmlformats.org/officeDocument/2006/relationships" xmlns:p="http://schemas.openxmlformats.org/presentationml/2006/main" xmlns:m="http://schemas.openxmlformats.org/officeDocument/2006/math" xmlns:a14="http://schemas.microsoft.com/office/drawing/2010/main" showMasterSp="1" showMasterPhAnim="1">
+<p:sld xmlns:a="http://schemas.openxmlformats.org/drawingml/2006/main" xmlns:r="http://schemas.openxmlformats.org/officeDocument/2006/relationships" xmlns:p="http://schemas.openxmlformats.org/presentationml/2006/main">
   <p:cSld>
     <p:spTree>
       <p:nvGrpSpPr>
@@ -5868,7 +6003,9 @@
       <p:sp>
         <p:nvSpPr>
           <p:cNvPr id="168" name="Non-Functional Requirements"/>
-          <p:cNvSpPr txBox="1"/>
+          <p:cNvSpPr txBox="1">
+            <a:spLocks noGrp="1"/>
+          </p:cNvSpPr>
           <p:nvPr>
             <p:ph type="title"/>
           </p:nvPr>
@@ -5890,7 +6027,7 @@
               <a:lnSpc>
                 <a:spcPct val="90000"/>
               </a:lnSpc>
-              <a:defRPr spc="-236" sz="7887">
+              <a:defRPr sz="7887" spc="-236">
                 <a:gradFill flip="none" rotWithShape="1">
                   <a:gsLst>
                     <a:gs pos="0">
@@ -5933,7 +6070,7 @@
           </a:ln>
           <a:extLst>
             <a:ext uri="{C572A759-6A51-4108-AA02-DFA0A04FC94B}">
-              <ma14:wrappingTextBoxFlag xmlns:ma14="http://schemas.microsoft.com/office/mac/drawingml/2011/main" val="1"/>
+              <ma14:wrappingTextBoxFlag xmlns:ma14="http://schemas.microsoft.com/office/mac/drawingml/2011/main" xmlns:a14="http://schemas.microsoft.com/office/drawing/2010/main" xmlns:m="http://schemas.openxmlformats.org/officeDocument/2006/math" xmlns="" val="1"/>
             </a:ext>
           </a:extLst>
         </p:spPr>
@@ -5975,6 +6112,7 @@
                 <a:sym typeface="Helvetica Neue"/>
               </a:defRPr>
             </a:pPr>
+            <a:endParaRPr/>
           </a:p>
           <a:p>
             <a:pPr marL="558800" indent="-558800" algn="l" defTabSz="457200">
@@ -6009,6 +6147,7 @@
                 <a:sym typeface="Helvetica Neue"/>
               </a:defRPr>
             </a:pPr>
+            <a:endParaRPr/>
           </a:p>
           <a:p>
             <a:pPr algn="l" defTabSz="457200">
@@ -6047,7 +6186,7 @@
           </a:ln>
           <a:extLst>
             <a:ext uri="{C572A759-6A51-4108-AA02-DFA0A04FC94B}">
-              <ma14:wrappingTextBoxFlag xmlns:ma14="http://schemas.microsoft.com/office/mac/drawingml/2011/main" val="1"/>
+              <ma14:wrappingTextBoxFlag xmlns:ma14="http://schemas.microsoft.com/office/mac/drawingml/2011/main" xmlns:a14="http://schemas.microsoft.com/office/drawing/2010/main" xmlns:m="http://schemas.openxmlformats.org/officeDocument/2006/math" xmlns="" val="1"/>
             </a:ext>
           </a:extLst>
         </p:spPr>
@@ -6120,9 +6259,9 @@
     <a:masterClrMapping/>
   </p:clrMapOvr>
   <mc:AlternateContent xmlns:mc="http://schemas.openxmlformats.org/markup-compatibility/2006">
-    <mc:Choice xmlns:p14="http://schemas.microsoft.com/office/powerpoint/2010/main" Requires="p14">
-      <p:transition spd="slow" advClick="1" p14:dur="2000">
-        <p:dissolve/>
+    <mc:Choice xmlns:p159="http://schemas.microsoft.com/office/powerpoint/2015/09/main" Requires="p159">
+      <p:transition xmlns:p14="http://schemas.microsoft.com/office/powerpoint/2010/main" spd="slow" p14:dur="2000">
+        <p159:morph option="byObject"/>
       </p:transition>
     </mc:Choice>
     <mc:Fallback>
@@ -6134,10 +6273,10 @@
   <p:timing>
     <p:tnLst>
       <p:par>
-        <p:cTn id="1" nodeType="tmRoot" restart="never" dur="indefinite" fill="hold">
+        <p:cTn id="1" dur="indefinite" restart="never" fill="hold" nodeType="tmRoot">
           <p:childTnLst>
             <p:seq concurrent="1" prevAc="none" nextAc="seek">
-              <p:cTn id="2" nodeType="mainSeq" dur="indefinite" fill="hold">
+              <p:cTn id="2" dur="indefinite" fill="hold" nodeType="mainSeq">
                 <p:childTnLst>
                   <p:par>
                     <p:cTn id="3" fill="hold">
@@ -6152,11 +6291,11 @@
                             </p:stCondLst>
                             <p:childTnLst>
                               <p:par>
-                                <p:cTn id="5" presetClass="entr" nodeType="clickEffect" presetID="10" grpId="1" fill="hold">
+                                <p:cTn id="5" presetID="10" presetClass="entr" fill="hold" grpId="1" nodeType="clickEffect">
                                   <p:stCondLst>
                                     <p:cond delay="0"/>
                                   </p:stCondLst>
-                                  <p:iterate type="el" backwards="0">
+                                  <p:iterate>
                                     <p:tmAbs val="0"/>
                                   </p:iterate>
                                   <p:childTnLst>
@@ -6174,7 +6313,7 @@
                                         <p:strVal val="visible"/>
                                       </p:to>
                                     </p:set>
-                                    <p:animEffect filter="fade" transition="in">
+                                    <p:animEffect transition="in" filter="fade">
                                       <p:cBhvr>
                                         <p:cTn id="7" dur="1000"/>
                                         <p:tgtEl>
@@ -6204,11 +6343,11 @@
                             </p:stCondLst>
                             <p:childTnLst>
                               <p:par>
-                                <p:cTn id="10" presetClass="entr" nodeType="clickEffect" presetID="10" grpId="2" fill="hold">
+                                <p:cTn id="10" presetID="10" presetClass="entr" fill="hold" grpId="2" nodeType="clickEffect">
                                   <p:stCondLst>
                                     <p:cond delay="0"/>
                                   </p:stCondLst>
-                                  <p:iterate type="el" backwards="0">
+                                  <p:iterate>
                                     <p:tmAbs val="0"/>
                                   </p:iterate>
                                   <p:childTnLst>
@@ -6226,7 +6365,7 @@
                                         <p:strVal val="visible"/>
                                       </p:to>
                                     </p:set>
-                                    <p:animEffect filter="fade" transition="in">
+                                    <p:animEffect transition="in" filter="fade">
                                       <p:cBhvr>
                                         <p:cTn id="12" dur="1000"/>
                                         <p:tgtEl>
@@ -6246,14 +6385,14 @@
                 </p:childTnLst>
               </p:cTn>
               <p:prevCondLst>
-                <p:cond evt="onPrev">
+                <p:cond evt="onPrev" delay="0">
                   <p:tgtEl>
                     <p:sldTgt/>
                   </p:tgtEl>
                 </p:cond>
               </p:prevCondLst>
               <p:nextCondLst>
-                <p:cond evt="onNext">
+                <p:cond evt="onNext" delay="0">
                   <p:tgtEl>
                     <p:sldTgt/>
                   </p:tgtEl>
@@ -6265,15 +6404,15 @@
       </p:par>
     </p:tnLst>
     <p:bldLst>
-      <p:bldP build="whole" bldLvl="1" animBg="1" rev="0" advAuto="0" spid="170" grpId="2"/>
-      <p:bldP build="whole" bldLvl="1" animBg="1" rev="0" advAuto="0" spid="169" grpId="1"/>
+      <p:bldP spid="169" grpId="1" animBg="1" advAuto="0"/>
+      <p:bldP spid="170" grpId="2" animBg="1" advAuto="0"/>
     </p:bldLst>
   </p:timing>
 </p:sld>
 </file>
 
 <file path=ppt/slides/slide7.xml><?xml version="1.0" encoding="utf-8"?>
-<p:sld xmlns:a="http://schemas.openxmlformats.org/drawingml/2006/main" xmlns:r="http://schemas.openxmlformats.org/officeDocument/2006/relationships" xmlns:p="http://schemas.openxmlformats.org/presentationml/2006/main" xmlns:m="http://schemas.openxmlformats.org/officeDocument/2006/math" xmlns:a14="http://schemas.microsoft.com/office/drawing/2010/main" showMasterSp="1" showMasterPhAnim="1">
+<p:sld xmlns:a="http://schemas.openxmlformats.org/drawingml/2006/main" xmlns:r="http://schemas.openxmlformats.org/officeDocument/2006/relationships" xmlns:p="http://schemas.openxmlformats.org/presentationml/2006/main">
   <p:cSld>
     <p:spTree>
       <p:nvGrpSpPr>
@@ -6292,7 +6431,9 @@
       <p:sp>
         <p:nvSpPr>
           <p:cNvPr id="172" name="Highlights of Product Backlog"/>
-          <p:cNvSpPr txBox="1"/>
+          <p:cNvSpPr txBox="1">
+            <a:spLocks noGrp="1"/>
+          </p:cNvSpPr>
           <p:nvPr>
             <p:ph type="title"/>
           </p:nvPr>
@@ -6306,7 +6447,6 @@
           <a:bodyPr/>
           <a:lstStyle/>
           <a:p>
-            <a:pPr/>
             <a:r>
               <a:t>Highlights of Product Backlog</a:t>
             </a:r>
@@ -6319,9 +6459,9 @@
     <a:masterClrMapping/>
   </p:clrMapOvr>
   <mc:AlternateContent xmlns:mc="http://schemas.openxmlformats.org/markup-compatibility/2006">
-    <mc:Choice xmlns:p14="http://schemas.microsoft.com/office/powerpoint/2010/main" Requires="p14">
-      <p:transition spd="slow" advClick="1" p14:dur="2000">
-        <p:dissolve/>
+    <mc:Choice xmlns:p159="http://schemas.microsoft.com/office/powerpoint/2015/09/main" Requires="p159">
+      <p:transition xmlns:p14="http://schemas.microsoft.com/office/powerpoint/2010/main" spd="slow" p14:dur="2000">
+        <p159:morph option="byObject"/>
       </p:transition>
     </mc:Choice>
     <mc:Fallback>
@@ -6334,7 +6474,7 @@
 </file>
 
 <file path=ppt/slides/slide8.xml><?xml version="1.0" encoding="utf-8"?>
-<p:sld xmlns:a="http://schemas.openxmlformats.org/drawingml/2006/main" xmlns:r="http://schemas.openxmlformats.org/officeDocument/2006/relationships" xmlns:p="http://schemas.openxmlformats.org/presentationml/2006/main" xmlns:m="http://schemas.openxmlformats.org/officeDocument/2006/math" xmlns:a14="http://schemas.microsoft.com/office/drawing/2010/main" showMasterSp="1" showMasterPhAnim="1">
+<p:sld xmlns:a="http://schemas.openxmlformats.org/drawingml/2006/main" xmlns:r="http://schemas.openxmlformats.org/officeDocument/2006/relationships" xmlns:p="http://schemas.openxmlformats.org/presentationml/2006/main">
   <p:cSld>
     <p:spTree>
       <p:nvGrpSpPr>
@@ -6358,17 +6498,29 @@
         </p:nvGraphicFramePr>
         <p:xfrm>
           <a:off x="1322603" y="1225550"/>
-          <a:ext cx="21751495" cy="11277600"/>
+          <a:ext cx="21738794" cy="11264900"/>
         </p:xfrm>
-        <a:graphic xmlns:a="http://schemas.openxmlformats.org/drawingml/2006/main">
+        <a:graphic>
           <a:graphicData uri="http://schemas.openxmlformats.org/drawingml/2006/table">
             <a:tbl>
-              <a:tblPr firstCol="0" firstRow="1" lastCol="0" lastRow="0" bandCol="0" bandRow="0" rtl="0">
+              <a:tblPr firstRow="1">
                 <a:tableStyleId>{C7B018BB-80A7-4F77-B60F-C8B233D01FF8}</a:tableStyleId>
               </a:tblPr>
               <a:tblGrid>
-                <a:gridCol w="10869397"/>
-                <a:gridCol w="10869397"/>
+                <a:gridCol w="10869397">
+                  <a:extLst>
+                    <a:ext uri="{9D8B030D-6E8A-4147-A177-3AD203B41FA5}">
+                      <a16:colId xmlns:a16="http://schemas.microsoft.com/office/drawing/2014/main" val="20000"/>
+                    </a:ext>
+                  </a:extLst>
+                </a:gridCol>
+                <a:gridCol w="10869397">
+                  <a:extLst>
+                    <a:ext uri="{9D8B030D-6E8A-4147-A177-3AD203B41FA5}">
+                      <a16:colId xmlns:a16="http://schemas.microsoft.com/office/drawing/2014/main" val="20001"/>
+                    </a:ext>
+                  </a:extLst>
+                </a:gridCol>
               </a:tblGrid>
               <a:tr h="2252980">
                 <a:tc>
@@ -6380,7 +6532,7 @@
                         <a:tabLst>
                           <a:tab pos="1663700" algn="l"/>
                         </a:tabLst>
-                        <a:defRPr b="0" sz="1800">
+                        <a:defRPr sz="1800" b="0">
                           <a:solidFill>
                             <a:srgbClr val="000000"/>
                           </a:solidFill>
@@ -6397,7 +6549,7 @@
                       </a:r>
                     </a:p>
                   </a:txBody>
-                  <a:tcPr marL="50800" marR="50800" marT="50800" marB="50800" anchor="ctr" anchorCtr="0" horzOverflow="overflow"/>
+                  <a:tcPr marL="50800" marR="50800" marT="50800" marB="50800" anchor="ctr" horzOverflow="overflow"/>
                 </a:tc>
                 <a:tc>
                   <a:txBody>
@@ -6408,7 +6560,7 @@
                         <a:tabLst>
                           <a:tab pos="1663700" algn="l"/>
                         </a:tabLst>
-                        <a:defRPr b="0" sz="1800">
+                        <a:defRPr sz="1800" b="0">
                           <a:solidFill>
                             <a:srgbClr val="000000"/>
                           </a:solidFill>
@@ -6425,8 +6577,13 @@
                       </a:r>
                     </a:p>
                   </a:txBody>
-                  <a:tcPr marL="50800" marR="50800" marT="50800" marB="50800" anchor="ctr" anchorCtr="0" horzOverflow="overflow"/>
+                  <a:tcPr marL="50800" marR="50800" marT="50800" marB="50800" anchor="ctr" horzOverflow="overflow"/>
                 </a:tc>
+                <a:extLst>
+                  <a:ext uri="{0D108BD9-81ED-4DB2-BD59-A6C34878D82A}">
+                    <a16:rowId xmlns:a16="http://schemas.microsoft.com/office/drawing/2014/main" val="10000"/>
+                  </a:ext>
+                </a:extLst>
               </a:tr>
               <a:tr h="2252980">
                 <a:tc>
@@ -6461,7 +6618,7 @@
                       </a:r>
                     </a:p>
                   </a:txBody>
-                  <a:tcPr marL="50800" marR="50800" marT="50800" marB="50800" anchor="ctr" anchorCtr="0" horzOverflow="overflow"/>
+                  <a:tcPr marL="50800" marR="50800" marT="50800" marB="50800" anchor="ctr" horzOverflow="overflow"/>
                 </a:tc>
                 <a:tc>
                   <a:txBody>
@@ -6495,8 +6652,13 @@
                       </a:r>
                     </a:p>
                   </a:txBody>
-                  <a:tcPr marL="50800" marR="50800" marT="50800" marB="50800" anchor="ctr" anchorCtr="0" horzOverflow="overflow"/>
+                  <a:tcPr marL="50800" marR="50800" marT="50800" marB="50800" anchor="ctr" horzOverflow="overflow"/>
                 </a:tc>
+                <a:extLst>
+                  <a:ext uri="{0D108BD9-81ED-4DB2-BD59-A6C34878D82A}">
+                    <a16:rowId xmlns:a16="http://schemas.microsoft.com/office/drawing/2014/main" val="10001"/>
+                  </a:ext>
+                </a:extLst>
               </a:tr>
               <a:tr h="2252980">
                 <a:tc>
@@ -6536,7 +6698,7 @@
                       </a:r>
                     </a:p>
                   </a:txBody>
-                  <a:tcPr marL="50800" marR="50800" marT="50800" marB="50800" anchor="ctr" anchorCtr="0" horzOverflow="overflow"/>
+                  <a:tcPr marL="50800" marR="50800" marT="50800" marB="50800" anchor="ctr" horzOverflow="overflow"/>
                 </a:tc>
                 <a:tc>
                   <a:txBody>
@@ -6570,8 +6732,13 @@
                       </a:r>
                     </a:p>
                   </a:txBody>
-                  <a:tcPr marL="50800" marR="50800" marT="50800" marB="50800" anchor="ctr" anchorCtr="0" horzOverflow="overflow"/>
+                  <a:tcPr marL="50800" marR="50800" marT="50800" marB="50800" anchor="ctr" horzOverflow="overflow"/>
                 </a:tc>
+                <a:extLst>
+                  <a:ext uri="{0D108BD9-81ED-4DB2-BD59-A6C34878D82A}">
+                    <a16:rowId xmlns:a16="http://schemas.microsoft.com/office/drawing/2014/main" val="10002"/>
+                  </a:ext>
+                </a:extLst>
               </a:tr>
               <a:tr h="2252980">
                 <a:tc>
@@ -6606,7 +6773,7 @@
                       </a:r>
                     </a:p>
                   </a:txBody>
-                  <a:tcPr marL="50800" marR="50800" marT="50800" marB="50800" anchor="ctr" anchorCtr="0" horzOverflow="overflow"/>
+                  <a:tcPr marL="50800" marR="50800" marT="50800" marB="50800" anchor="ctr" horzOverflow="overflow"/>
                 </a:tc>
                 <a:tc>
                   <a:txBody>
@@ -6640,8 +6807,13 @@
                       </a:r>
                     </a:p>
                   </a:txBody>
-                  <a:tcPr marL="50800" marR="50800" marT="50800" marB="50800" anchor="ctr" anchorCtr="0" horzOverflow="overflow"/>
+                  <a:tcPr marL="50800" marR="50800" marT="50800" marB="50800" anchor="ctr" horzOverflow="overflow"/>
                 </a:tc>
+                <a:extLst>
+                  <a:ext uri="{0D108BD9-81ED-4DB2-BD59-A6C34878D82A}">
+                    <a16:rowId xmlns:a16="http://schemas.microsoft.com/office/drawing/2014/main" val="10003"/>
+                  </a:ext>
+                </a:extLst>
               </a:tr>
               <a:tr h="2252980">
                 <a:tc>
@@ -6676,7 +6848,7 @@
                       </a:r>
                     </a:p>
                   </a:txBody>
-                  <a:tcPr marL="50800" marR="50800" marT="50800" marB="50800" anchor="ctr" anchorCtr="0" horzOverflow="overflow"/>
+                  <a:tcPr marL="50800" marR="50800" marT="50800" marB="50800" anchor="ctr" horzOverflow="overflow"/>
                 </a:tc>
                 <a:tc>
                   <a:txBody>
@@ -6710,8 +6882,13 @@
                       </a:r>
                     </a:p>
                   </a:txBody>
-                  <a:tcPr marL="50800" marR="50800" marT="50800" marB="50800" anchor="ctr" anchorCtr="0" horzOverflow="overflow"/>
+                  <a:tcPr marL="50800" marR="50800" marT="50800" marB="50800" anchor="ctr" horzOverflow="overflow"/>
                 </a:tc>
+                <a:extLst>
+                  <a:ext uri="{0D108BD9-81ED-4DB2-BD59-A6C34878D82A}">
+                    <a16:rowId xmlns:a16="http://schemas.microsoft.com/office/drawing/2014/main" val="10004"/>
+                  </a:ext>
+                </a:extLst>
               </a:tr>
             </a:tbl>
           </a:graphicData>
@@ -6723,9 +6900,9 @@
     <a:masterClrMapping/>
   </p:clrMapOvr>
   <mc:AlternateContent xmlns:mc="http://schemas.openxmlformats.org/markup-compatibility/2006">
-    <mc:Choice xmlns:p14="http://schemas.microsoft.com/office/powerpoint/2010/main" Requires="p14">
-      <p:transition spd="slow" advClick="1" p14:dur="2000">
-        <p:dissolve/>
+    <mc:Choice xmlns:p159="http://schemas.microsoft.com/office/powerpoint/2015/09/main" Requires="p159">
+      <p:transition xmlns:p14="http://schemas.microsoft.com/office/powerpoint/2010/main" spd="slow" p14:dur="2000">
+        <p159:morph option="byObject"/>
       </p:transition>
     </mc:Choice>
     <mc:Fallback>
@@ -6738,7 +6915,7 @@
 </file>
 
 <file path=ppt/slides/slide9.xml><?xml version="1.0" encoding="utf-8"?>
-<p:sld xmlns:a="http://schemas.openxmlformats.org/drawingml/2006/main" xmlns:r="http://schemas.openxmlformats.org/officeDocument/2006/relationships" xmlns:p="http://schemas.openxmlformats.org/presentationml/2006/main" xmlns:m="http://schemas.openxmlformats.org/officeDocument/2006/math" xmlns:a14="http://schemas.microsoft.com/office/drawing/2010/main" showMasterSp="1" showMasterPhAnim="1">
+<p:sld xmlns:a="http://schemas.openxmlformats.org/drawingml/2006/main" xmlns:r="http://schemas.openxmlformats.org/officeDocument/2006/relationships" xmlns:p="http://schemas.openxmlformats.org/presentationml/2006/main">
   <p:cSld>
     <p:spTree>
       <p:nvGrpSpPr>
@@ -6763,9 +6940,7 @@
           <p:nvPr/>
         </p:nvPicPr>
         <p:blipFill>
-          <a:blip r:embed="rId2">
-            <a:extLst/>
-          </a:blip>
+          <a:blip r:embed="rId2"/>
           <a:stretch>
             <a:fillRect/>
           </a:stretch>
@@ -6792,9 +6967,7 @@
           <p:nvPr/>
         </p:nvPicPr>
         <p:blipFill>
-          <a:blip r:embed="rId3">
-            <a:extLst/>
-          </a:blip>
+          <a:blip r:embed="rId3"/>
           <a:stretch>
             <a:fillRect/>
           </a:stretch>
@@ -6821,9 +6994,7 @@
           <p:nvPr/>
         </p:nvPicPr>
         <p:blipFill>
-          <a:blip r:embed="rId4">
-            <a:extLst/>
-          </a:blip>
+          <a:blip r:embed="rId4"/>
           <a:stretch>
             <a:fillRect/>
           </a:stretch>
@@ -6844,7 +7015,7 @@
       <p:pic>
         <p:nvPicPr>
           <p:cNvPr id="179" name="Screenshot_1605625902.png" descr="Screenshot_1605625902.png">
-            <a:hlinkClick r:id="" invalidUrl="" action="ppaction://hlinkshowjump?jump=nextslide" tgtFrame="" tooltip="" history="1" highlightClick="0" endSnd="0"/>
+            <a:hlinkClick r:id="" action="ppaction://hlinkshowjump?jump=nextslide"/>
           </p:cNvPr>
           <p:cNvPicPr>
             <a:picLocks noChangeAspect="1"/>
@@ -6852,10 +7023,8 @@
           <p:nvPr/>
         </p:nvPicPr>
         <p:blipFill>
-          <a:blip r:embed="rId5">
-            <a:extLst/>
-          </a:blip>
-          <a:srcRect l="0" t="0" r="0" b="47349"/>
+          <a:blip r:embed="rId5"/>
+          <a:srcRect b="47349"/>
           <a:stretch>
             <a:fillRect/>
           </a:stretch>
@@ -6879,9 +7048,9 @@
     <a:masterClrMapping/>
   </p:clrMapOvr>
   <mc:AlternateContent xmlns:mc="http://schemas.openxmlformats.org/markup-compatibility/2006">
-    <mc:Choice xmlns:p14="http://schemas.microsoft.com/office/powerpoint/2010/main" Requires="p14">
-      <p:transition spd="slow" advClick="1" p14:dur="2000">
-        <p:dissolve/>
+    <mc:Choice xmlns:p159="http://schemas.microsoft.com/office/powerpoint/2015/09/main" Requires="p159">
+      <p:transition xmlns:p14="http://schemas.microsoft.com/office/powerpoint/2010/main" spd="slow" p14:dur="2000">
+        <p159:morph option="byObject"/>
       </p:transition>
     </mc:Choice>
     <mc:Fallback>
@@ -6894,7 +7063,7 @@
 </file>
 
 <file path=ppt/theme/theme1.xml><?xml version="1.0" encoding="utf-8"?>
-<a:theme xmlns:a="http://schemas.openxmlformats.org/drawingml/2006/main" xmlns:r="http://schemas.openxmlformats.org/officeDocument/2006/relationships" name="22_ColorGradient">
+<a:theme xmlns:a="http://schemas.openxmlformats.org/drawingml/2006/main" name="22_ColorGradient">
   <a:themeElements>
     <a:clrScheme name="22_ColorGradient">
       <a:dk1>
@@ -7093,7 +7262,7 @@
         <a:effectLst/>
         <a:sp3d/>
       </a:spPr>
-      <a:bodyPr rot="0" spcFirstLastPara="1" vertOverflow="overflow" horzOverflow="overflow" vert="horz" wrap="square" lIns="50800" tIns="50800" rIns="50800" bIns="50800" numCol="1" spcCol="38100" rtlCol="0" anchor="ctr" upright="0">
+      <a:bodyPr rot="0" spcFirstLastPara="1" vertOverflow="overflow" horzOverflow="overflow" vert="horz" wrap="square" lIns="50800" tIns="50800" rIns="50800" bIns="50800" numCol="1" spcCol="38100" rtlCol="0" anchor="ctr">
         <a:spAutoFit/>
       </a:bodyPr>
       <a:lstStyle>
@@ -7112,7 +7281,7 @@
           <a:buFontTx/>
           <a:buNone/>
           <a:tabLst/>
-          <a:defRPr b="0" baseline="0" cap="none" i="0" spc="0" strike="noStrike" sz="3200" u="none" kumimoji="0" normalizeH="0">
+          <a:defRPr kumimoji="0" sz="3200" b="0" i="0" u="none" strike="noStrike" cap="none" spc="0" normalizeH="0" baseline="0">
             <a:ln>
               <a:noFill/>
             </a:ln>
@@ -7121,9 +7290,9 @@
             </a:solidFill>
             <a:effectLst/>
             <a:uFillTx/>
-            <a:latin typeface="Graphik Medium"/>
-            <a:ea typeface="Graphik Medium"/>
-            <a:cs typeface="Graphik Medium"/>
+            <a:latin typeface="Graphik-Medium"/>
+            <a:ea typeface="Graphik-Medium"/>
+            <a:cs typeface="Graphik-Medium"/>
             <a:sym typeface="Graphik Medium"/>
           </a:defRPr>
         </a:defPPr>
@@ -7142,7 +7311,7 @@
           <a:buFontTx/>
           <a:buNone/>
           <a:tabLst/>
-          <a:defRPr b="0" baseline="0" cap="none" i="0" spc="0" strike="noStrike" sz="1800" u="none" kumimoji="0" normalizeH="0">
+          <a:defRPr kumimoji="0" sz="1800" b="0" i="0" u="none" strike="noStrike" cap="none" spc="0" normalizeH="0" baseline="0">
             <a:ln>
               <a:noFill/>
             </a:ln>
@@ -7168,7 +7337,7 @@
           <a:buFontTx/>
           <a:buNone/>
           <a:tabLst/>
-          <a:defRPr b="0" baseline="0" cap="none" i="0" spc="0" strike="noStrike" sz="1800" u="none" kumimoji="0" normalizeH="0">
+          <a:defRPr kumimoji="0" sz="1800" b="0" i="0" u="none" strike="noStrike" cap="none" spc="0" normalizeH="0" baseline="0">
             <a:ln>
               <a:noFill/>
             </a:ln>
@@ -7194,7 +7363,7 @@
           <a:buFontTx/>
           <a:buNone/>
           <a:tabLst/>
-          <a:defRPr b="0" baseline="0" cap="none" i="0" spc="0" strike="noStrike" sz="1800" u="none" kumimoji="0" normalizeH="0">
+          <a:defRPr kumimoji="0" sz="1800" b="0" i="0" u="none" strike="noStrike" cap="none" spc="0" normalizeH="0" baseline="0">
             <a:ln>
               <a:noFill/>
             </a:ln>
@@ -7220,7 +7389,7 @@
           <a:buFontTx/>
           <a:buNone/>
           <a:tabLst/>
-          <a:defRPr b="0" baseline="0" cap="none" i="0" spc="0" strike="noStrike" sz="1800" u="none" kumimoji="0" normalizeH="0">
+          <a:defRPr kumimoji="0" sz="1800" b="0" i="0" u="none" strike="noStrike" cap="none" spc="0" normalizeH="0" baseline="0">
             <a:ln>
               <a:noFill/>
             </a:ln>
@@ -7246,7 +7415,7 @@
           <a:buFontTx/>
           <a:buNone/>
           <a:tabLst/>
-          <a:defRPr b="0" baseline="0" cap="none" i="0" spc="0" strike="noStrike" sz="1800" u="none" kumimoji="0" normalizeH="0">
+          <a:defRPr kumimoji="0" sz="1800" b="0" i="0" u="none" strike="noStrike" cap="none" spc="0" normalizeH="0" baseline="0">
             <a:ln>
               <a:noFill/>
             </a:ln>
@@ -7272,7 +7441,7 @@
           <a:buFontTx/>
           <a:buNone/>
           <a:tabLst/>
-          <a:defRPr b="0" baseline="0" cap="none" i="0" spc="0" strike="noStrike" sz="1800" u="none" kumimoji="0" normalizeH="0">
+          <a:defRPr kumimoji="0" sz="1800" b="0" i="0" u="none" strike="noStrike" cap="none" spc="0" normalizeH="0" baseline="0">
             <a:ln>
               <a:noFill/>
             </a:ln>
@@ -7298,7 +7467,7 @@
           <a:buFontTx/>
           <a:buNone/>
           <a:tabLst/>
-          <a:defRPr b="0" baseline="0" cap="none" i="0" spc="0" strike="noStrike" sz="1800" u="none" kumimoji="0" normalizeH="0">
+          <a:defRPr kumimoji="0" sz="1800" b="0" i="0" u="none" strike="noStrike" cap="none" spc="0" normalizeH="0" baseline="0">
             <a:ln>
               <a:noFill/>
             </a:ln>
@@ -7324,7 +7493,7 @@
           <a:buFontTx/>
           <a:buNone/>
           <a:tabLst/>
-          <a:defRPr b="0" baseline="0" cap="none" i="0" spc="0" strike="noStrike" sz="1800" u="none" kumimoji="0" normalizeH="0">
+          <a:defRPr kumimoji="0" sz="1800" b="0" i="0" u="none" strike="noStrike" cap="none" spc="0" normalizeH="0" baseline="0">
             <a:ln>
               <a:noFill/>
             </a:ln>
@@ -7350,7 +7519,7 @@
           <a:buFontTx/>
           <a:buNone/>
           <a:tabLst/>
-          <a:defRPr b="0" baseline="0" cap="none" i="0" spc="0" strike="noStrike" sz="1800" u="none" kumimoji="0" normalizeH="0">
+          <a:defRPr kumimoji="0" sz="1800" b="0" i="0" u="none" strike="noStrike" cap="none" spc="0" normalizeH="0" baseline="0">
             <a:ln>
               <a:noFill/>
             </a:ln>
@@ -7363,9 +7532,15 @@
         </a:lvl9pPr>
       </a:lstStyle>
       <a:style>
-        <a:lnRef idx="0"/>
-        <a:fillRef idx="0"/>
-        <a:effectRef idx="0"/>
+        <a:lnRef idx="0">
+          <a:scrgbClr r="0" g="0" b="0"/>
+        </a:lnRef>
+        <a:fillRef idx="0">
+          <a:scrgbClr r="0" g="0" b="0"/>
+        </a:fillRef>
+        <a:effectRef idx="0">
+          <a:scrgbClr r="0" g="0" b="0"/>
+        </a:effectRef>
         <a:fontRef idx="none"/>
       </a:style>
     </a:spDef>
@@ -7382,7 +7557,7 @@
         <a:effectLst/>
         <a:sp3d/>
       </a:spPr>
-      <a:bodyPr rot="0" spcFirstLastPara="1" vertOverflow="overflow" horzOverflow="overflow" vert="horz" wrap="square" lIns="91439" tIns="45719" rIns="91439" bIns="45719" numCol="1" spcCol="38100" rtlCol="0" anchor="t" upright="0">
+      <a:bodyPr rot="0" spcFirstLastPara="1" vertOverflow="overflow" horzOverflow="overflow" vert="horz" wrap="square" lIns="91439" tIns="45719" rIns="91439" bIns="45719" numCol="1" spcCol="38100" rtlCol="0" anchor="t">
         <a:noAutofit/>
       </a:bodyPr>
       <a:lstStyle>
@@ -7401,7 +7576,7 @@
           <a:buFontTx/>
           <a:buNone/>
           <a:tabLst/>
-          <a:defRPr b="0" baseline="0" cap="none" i="0" spc="0" strike="noStrike" sz="1800" u="none" kumimoji="0" normalizeH="0">
+          <a:defRPr kumimoji="0" sz="1800" b="0" i="0" u="none" strike="noStrike" cap="none" spc="0" normalizeH="0" baseline="0">
             <a:ln>
               <a:noFill/>
             </a:ln>
@@ -7427,7 +7602,7 @@
           <a:buFontTx/>
           <a:buNone/>
           <a:tabLst/>
-          <a:defRPr b="0" baseline="0" cap="none" i="0" spc="0" strike="noStrike" sz="1800" u="none" kumimoji="0" normalizeH="0">
+          <a:defRPr kumimoji="0" sz="1800" b="0" i="0" u="none" strike="noStrike" cap="none" spc="0" normalizeH="0" baseline="0">
             <a:ln>
               <a:noFill/>
             </a:ln>
@@ -7453,7 +7628,7 @@
           <a:buFontTx/>
           <a:buNone/>
           <a:tabLst/>
-          <a:defRPr b="0" baseline="0" cap="none" i="0" spc="0" strike="noStrike" sz="1800" u="none" kumimoji="0" normalizeH="0">
+          <a:defRPr kumimoji="0" sz="1800" b="0" i="0" u="none" strike="noStrike" cap="none" spc="0" normalizeH="0" baseline="0">
             <a:ln>
               <a:noFill/>
             </a:ln>
@@ -7479,7 +7654,7 @@
           <a:buFontTx/>
           <a:buNone/>
           <a:tabLst/>
-          <a:defRPr b="0" baseline="0" cap="none" i="0" spc="0" strike="noStrike" sz="1800" u="none" kumimoji="0" normalizeH="0">
+          <a:defRPr kumimoji="0" sz="1800" b="0" i="0" u="none" strike="noStrike" cap="none" spc="0" normalizeH="0" baseline="0">
             <a:ln>
               <a:noFill/>
             </a:ln>
@@ -7505,7 +7680,7 @@
           <a:buFontTx/>
           <a:buNone/>
           <a:tabLst/>
-          <a:defRPr b="0" baseline="0" cap="none" i="0" spc="0" strike="noStrike" sz="1800" u="none" kumimoji="0" normalizeH="0">
+          <a:defRPr kumimoji="0" sz="1800" b="0" i="0" u="none" strike="noStrike" cap="none" spc="0" normalizeH="0" baseline="0">
             <a:ln>
               <a:noFill/>
             </a:ln>
@@ -7531,7 +7706,7 @@
           <a:buFontTx/>
           <a:buNone/>
           <a:tabLst/>
-          <a:defRPr b="0" baseline="0" cap="none" i="0" spc="0" strike="noStrike" sz="1800" u="none" kumimoji="0" normalizeH="0">
+          <a:defRPr kumimoji="0" sz="1800" b="0" i="0" u="none" strike="noStrike" cap="none" spc="0" normalizeH="0" baseline="0">
             <a:ln>
               <a:noFill/>
             </a:ln>
@@ -7557,7 +7732,7 @@
           <a:buFontTx/>
           <a:buNone/>
           <a:tabLst/>
-          <a:defRPr b="0" baseline="0" cap="none" i="0" spc="0" strike="noStrike" sz="1800" u="none" kumimoji="0" normalizeH="0">
+          <a:defRPr kumimoji="0" sz="1800" b="0" i="0" u="none" strike="noStrike" cap="none" spc="0" normalizeH="0" baseline="0">
             <a:ln>
               <a:noFill/>
             </a:ln>
@@ -7583,7 +7758,7 @@
           <a:buFontTx/>
           <a:buNone/>
           <a:tabLst/>
-          <a:defRPr b="0" baseline="0" cap="none" i="0" spc="0" strike="noStrike" sz="1800" u="none" kumimoji="0" normalizeH="0">
+          <a:defRPr kumimoji="0" sz="1800" b="0" i="0" u="none" strike="noStrike" cap="none" spc="0" normalizeH="0" baseline="0">
             <a:ln>
               <a:noFill/>
             </a:ln>
@@ -7609,7 +7784,7 @@
           <a:buFontTx/>
           <a:buNone/>
           <a:tabLst/>
-          <a:defRPr b="0" baseline="0" cap="none" i="0" spc="0" strike="noStrike" sz="1800" u="none" kumimoji="0" normalizeH="0">
+          <a:defRPr kumimoji="0" sz="1800" b="0" i="0" u="none" strike="noStrike" cap="none" spc="0" normalizeH="0" baseline="0">
             <a:ln>
               <a:noFill/>
             </a:ln>
@@ -7635,7 +7810,7 @@
           <a:buFontTx/>
           <a:buNone/>
           <a:tabLst/>
-          <a:defRPr b="0" baseline="0" cap="none" i="0" spc="0" strike="noStrike" sz="1800" u="none" kumimoji="0" normalizeH="0">
+          <a:defRPr kumimoji="0" sz="1800" b="0" i="0" u="none" strike="noStrike" cap="none" spc="0" normalizeH="0" baseline="0">
             <a:ln>
               <a:noFill/>
             </a:ln>
@@ -7648,9 +7823,15 @@
         </a:lvl9pPr>
       </a:lstStyle>
       <a:style>
-        <a:lnRef idx="0"/>
-        <a:fillRef idx="0"/>
-        <a:effectRef idx="0"/>
+        <a:lnRef idx="0">
+          <a:scrgbClr r="0" g="0" b="0"/>
+        </a:lnRef>
+        <a:fillRef idx="0">
+          <a:scrgbClr r="0" g="0" b="0"/>
+        </a:fillRef>
+        <a:effectRef idx="0">
+          <a:scrgbClr r="0" g="0" b="0"/>
+        </a:effectRef>
         <a:fontRef idx="none"/>
       </a:style>
     </a:lnDef>
@@ -7664,7 +7845,7 @@
         <a:effectLst/>
         <a:sp3d/>
       </a:spPr>
-      <a:bodyPr rot="0" spcFirstLastPara="1" vertOverflow="overflow" horzOverflow="overflow" vert="horz" wrap="square" lIns="50800" tIns="50800" rIns="50800" bIns="50800" numCol="1" spcCol="38100" rtlCol="0" anchor="ctr" upright="0">
+      <a:bodyPr rot="0" spcFirstLastPara="1" vertOverflow="overflow" horzOverflow="overflow" vert="horz" wrap="square" lIns="50800" tIns="50800" rIns="50800" bIns="50800" numCol="1" spcCol="38100" rtlCol="0" anchor="ctr">
         <a:spAutoFit/>
       </a:bodyPr>
       <a:lstStyle>
@@ -7683,7 +7864,7 @@
           <a:buFontTx/>
           <a:buNone/>
           <a:tabLst/>
-          <a:defRPr b="0" baseline="0" cap="none" i="0" spc="0" strike="noStrike" sz="2400" u="none" kumimoji="0" normalizeH="0">
+          <a:defRPr kumimoji="0" sz="2400" b="0" i="0" u="none" strike="noStrike" cap="none" spc="0" normalizeH="0" baseline="0">
             <a:ln>
               <a:noFill/>
             </a:ln>
@@ -7713,7 +7894,7 @@
           <a:buFontTx/>
           <a:buNone/>
           <a:tabLst/>
-          <a:defRPr b="0" baseline="0" cap="none" i="0" spc="0" strike="noStrike" sz="1800" u="none" kumimoji="0" normalizeH="0">
+          <a:defRPr kumimoji="0" sz="1800" b="0" i="0" u="none" strike="noStrike" cap="none" spc="0" normalizeH="0" baseline="0">
             <a:ln>
               <a:noFill/>
             </a:ln>
@@ -7739,7 +7920,7 @@
           <a:buFontTx/>
           <a:buNone/>
           <a:tabLst/>
-          <a:defRPr b="0" baseline="0" cap="none" i="0" spc="0" strike="noStrike" sz="1800" u="none" kumimoji="0" normalizeH="0">
+          <a:defRPr kumimoji="0" sz="1800" b="0" i="0" u="none" strike="noStrike" cap="none" spc="0" normalizeH="0" baseline="0">
             <a:ln>
               <a:noFill/>
             </a:ln>
@@ -7765,7 +7946,7 @@
           <a:buFontTx/>
           <a:buNone/>
           <a:tabLst/>
-          <a:defRPr b="0" baseline="0" cap="none" i="0" spc="0" strike="noStrike" sz="1800" u="none" kumimoji="0" normalizeH="0">
+          <a:defRPr kumimoji="0" sz="1800" b="0" i="0" u="none" strike="noStrike" cap="none" spc="0" normalizeH="0" baseline="0">
             <a:ln>
               <a:noFill/>
             </a:ln>
@@ -7791,7 +7972,7 @@
           <a:buFontTx/>
           <a:buNone/>
           <a:tabLst/>
-          <a:defRPr b="0" baseline="0" cap="none" i="0" spc="0" strike="noStrike" sz="1800" u="none" kumimoji="0" normalizeH="0">
+          <a:defRPr kumimoji="0" sz="1800" b="0" i="0" u="none" strike="noStrike" cap="none" spc="0" normalizeH="0" baseline="0">
             <a:ln>
               <a:noFill/>
             </a:ln>
@@ -7817,7 +7998,7 @@
           <a:buFontTx/>
           <a:buNone/>
           <a:tabLst/>
-          <a:defRPr b="0" baseline="0" cap="none" i="0" spc="0" strike="noStrike" sz="1800" u="none" kumimoji="0" normalizeH="0">
+          <a:defRPr kumimoji="0" sz="1800" b="0" i="0" u="none" strike="noStrike" cap="none" spc="0" normalizeH="0" baseline="0">
             <a:ln>
               <a:noFill/>
             </a:ln>
@@ -7843,7 +8024,7 @@
           <a:buFontTx/>
           <a:buNone/>
           <a:tabLst/>
-          <a:defRPr b="0" baseline="0" cap="none" i="0" spc="0" strike="noStrike" sz="1800" u="none" kumimoji="0" normalizeH="0">
+          <a:defRPr kumimoji="0" sz="1800" b="0" i="0" u="none" strike="noStrike" cap="none" spc="0" normalizeH="0" baseline="0">
             <a:ln>
               <a:noFill/>
             </a:ln>
@@ -7869,7 +8050,7 @@
           <a:buFontTx/>
           <a:buNone/>
           <a:tabLst/>
-          <a:defRPr b="0" baseline="0" cap="none" i="0" spc="0" strike="noStrike" sz="1800" u="none" kumimoji="0" normalizeH="0">
+          <a:defRPr kumimoji="0" sz="1800" b="0" i="0" u="none" strike="noStrike" cap="none" spc="0" normalizeH="0" baseline="0">
             <a:ln>
               <a:noFill/>
             </a:ln>
@@ -7895,7 +8076,7 @@
           <a:buFontTx/>
           <a:buNone/>
           <a:tabLst/>
-          <a:defRPr b="0" baseline="0" cap="none" i="0" spc="0" strike="noStrike" sz="1800" u="none" kumimoji="0" normalizeH="0">
+          <a:defRPr kumimoji="0" sz="1800" b="0" i="0" u="none" strike="noStrike" cap="none" spc="0" normalizeH="0" baseline="0">
             <a:ln>
               <a:noFill/>
             </a:ln>
@@ -7921,7 +8102,7 @@
           <a:buFontTx/>
           <a:buNone/>
           <a:tabLst/>
-          <a:defRPr b="0" baseline="0" cap="none" i="0" spc="0" strike="noStrike" sz="1800" u="none" kumimoji="0" normalizeH="0">
+          <a:defRPr kumimoji="0" sz="1800" b="0" i="0" u="none" strike="noStrike" cap="none" spc="0" normalizeH="0" baseline="0">
             <a:ln>
               <a:noFill/>
             </a:ln>
@@ -7934,18 +8115,25 @@
         </a:lvl9pPr>
       </a:lstStyle>
       <a:style>
-        <a:lnRef idx="0"/>
-        <a:fillRef idx="0"/>
-        <a:effectRef idx="0"/>
+        <a:lnRef idx="0">
+          <a:scrgbClr r="0" g="0" b="0"/>
+        </a:lnRef>
+        <a:fillRef idx="0">
+          <a:scrgbClr r="0" g="0" b="0"/>
+        </a:fillRef>
+        <a:effectRef idx="0">
+          <a:scrgbClr r="0" g="0" b="0"/>
+        </a:effectRef>
         <a:fontRef idx="none"/>
       </a:style>
     </a:txDef>
   </a:objectDefaults>
+  <a:extraClrSchemeLst/>
 </a:theme>
 </file>
 
 <file path=ppt/theme/theme2.xml><?xml version="1.0" encoding="utf-8"?>
-<a:theme xmlns:a="http://schemas.openxmlformats.org/drawingml/2006/main" xmlns:r="http://schemas.openxmlformats.org/officeDocument/2006/relationships" name="22_ColorGradient">
+<a:theme xmlns:a="http://schemas.openxmlformats.org/drawingml/2006/main" name="22_ColorGradient">
   <a:themeElements>
     <a:clrScheme name="22_ColorGradient">
       <a:dk1>
@@ -8144,7 +8332,7 @@
         <a:effectLst/>
         <a:sp3d/>
       </a:spPr>
-      <a:bodyPr rot="0" spcFirstLastPara="1" vertOverflow="overflow" horzOverflow="overflow" vert="horz" wrap="square" lIns="50800" tIns="50800" rIns="50800" bIns="50800" numCol="1" spcCol="38100" rtlCol="0" anchor="ctr" upright="0">
+      <a:bodyPr rot="0" spcFirstLastPara="1" vertOverflow="overflow" horzOverflow="overflow" vert="horz" wrap="square" lIns="50800" tIns="50800" rIns="50800" bIns="50800" numCol="1" spcCol="38100" rtlCol="0" anchor="ctr">
         <a:spAutoFit/>
       </a:bodyPr>
       <a:lstStyle>
@@ -8163,7 +8351,7 @@
           <a:buFontTx/>
           <a:buNone/>
           <a:tabLst/>
-          <a:defRPr b="0" baseline="0" cap="none" i="0" spc="0" strike="noStrike" sz="3200" u="none" kumimoji="0" normalizeH="0">
+          <a:defRPr kumimoji="0" sz="3200" b="0" i="0" u="none" strike="noStrike" cap="none" spc="0" normalizeH="0" baseline="0">
             <a:ln>
               <a:noFill/>
             </a:ln>
@@ -8172,9 +8360,9 @@
             </a:solidFill>
             <a:effectLst/>
             <a:uFillTx/>
-            <a:latin typeface="Graphik Medium"/>
-            <a:ea typeface="Graphik Medium"/>
-            <a:cs typeface="Graphik Medium"/>
+            <a:latin typeface="Graphik-Medium"/>
+            <a:ea typeface="Graphik-Medium"/>
+            <a:cs typeface="Graphik-Medium"/>
             <a:sym typeface="Graphik Medium"/>
           </a:defRPr>
         </a:defPPr>
@@ -8193,7 +8381,7 @@
           <a:buFontTx/>
           <a:buNone/>
           <a:tabLst/>
-          <a:defRPr b="0" baseline="0" cap="none" i="0" spc="0" strike="noStrike" sz="1800" u="none" kumimoji="0" normalizeH="0">
+          <a:defRPr kumimoji="0" sz="1800" b="0" i="0" u="none" strike="noStrike" cap="none" spc="0" normalizeH="0" baseline="0">
             <a:ln>
               <a:noFill/>
             </a:ln>
@@ -8219,7 +8407,7 @@
           <a:buFontTx/>
           <a:buNone/>
           <a:tabLst/>
-          <a:defRPr b="0" baseline="0" cap="none" i="0" spc="0" strike="noStrike" sz="1800" u="none" kumimoji="0" normalizeH="0">
+          <a:defRPr kumimoji="0" sz="1800" b="0" i="0" u="none" strike="noStrike" cap="none" spc="0" normalizeH="0" baseline="0">
             <a:ln>
               <a:noFill/>
             </a:ln>
@@ -8245,7 +8433,7 @@
           <a:buFontTx/>
           <a:buNone/>
           <a:tabLst/>
-          <a:defRPr b="0" baseline="0" cap="none" i="0" spc="0" strike="noStrike" sz="1800" u="none" kumimoji="0" normalizeH="0">
+          <a:defRPr kumimoji="0" sz="1800" b="0" i="0" u="none" strike="noStrike" cap="none" spc="0" normalizeH="0" baseline="0">
             <a:ln>
               <a:noFill/>
             </a:ln>
@@ -8271,7 +8459,7 @@
           <a:buFontTx/>
           <a:buNone/>
           <a:tabLst/>
-          <a:defRPr b="0" baseline="0" cap="none" i="0" spc="0" strike="noStrike" sz="1800" u="none" kumimoji="0" normalizeH="0">
+          <a:defRPr kumimoji="0" sz="1800" b="0" i="0" u="none" strike="noStrike" cap="none" spc="0" normalizeH="0" baseline="0">
             <a:ln>
               <a:noFill/>
             </a:ln>
@@ -8297,7 +8485,7 @@
           <a:buFontTx/>
           <a:buNone/>
           <a:tabLst/>
-          <a:defRPr b="0" baseline="0" cap="none" i="0" spc="0" strike="noStrike" sz="1800" u="none" kumimoji="0" normalizeH="0">
+          <a:defRPr kumimoji="0" sz="1800" b="0" i="0" u="none" strike="noStrike" cap="none" spc="0" normalizeH="0" baseline="0">
             <a:ln>
               <a:noFill/>
             </a:ln>
@@ -8323,7 +8511,7 @@
           <a:buFontTx/>
           <a:buNone/>
           <a:tabLst/>
-          <a:defRPr b="0" baseline="0" cap="none" i="0" spc="0" strike="noStrike" sz="1800" u="none" kumimoji="0" normalizeH="0">
+          <a:defRPr kumimoji="0" sz="1800" b="0" i="0" u="none" strike="noStrike" cap="none" spc="0" normalizeH="0" baseline="0">
             <a:ln>
               <a:noFill/>
             </a:ln>
@@ -8349,7 +8537,7 @@
           <a:buFontTx/>
           <a:buNone/>
           <a:tabLst/>
-          <a:defRPr b="0" baseline="0" cap="none" i="0" spc="0" strike="noStrike" sz="1800" u="none" kumimoji="0" normalizeH="0">
+          <a:defRPr kumimoji="0" sz="1800" b="0" i="0" u="none" strike="noStrike" cap="none" spc="0" normalizeH="0" baseline="0">
             <a:ln>
               <a:noFill/>
             </a:ln>
@@ -8375,7 +8563,7 @@
           <a:buFontTx/>
           <a:buNone/>
           <a:tabLst/>
-          <a:defRPr b="0" baseline="0" cap="none" i="0" spc="0" strike="noStrike" sz="1800" u="none" kumimoji="0" normalizeH="0">
+          <a:defRPr kumimoji="0" sz="1800" b="0" i="0" u="none" strike="noStrike" cap="none" spc="0" normalizeH="0" baseline="0">
             <a:ln>
               <a:noFill/>
             </a:ln>
@@ -8401,7 +8589,7 @@
           <a:buFontTx/>
           <a:buNone/>
           <a:tabLst/>
-          <a:defRPr b="0" baseline="0" cap="none" i="0" spc="0" strike="noStrike" sz="1800" u="none" kumimoji="0" normalizeH="0">
+          <a:defRPr kumimoji="0" sz="1800" b="0" i="0" u="none" strike="noStrike" cap="none" spc="0" normalizeH="0" baseline="0">
             <a:ln>
               <a:noFill/>
             </a:ln>
@@ -8414,9 +8602,15 @@
         </a:lvl9pPr>
       </a:lstStyle>
       <a:style>
-        <a:lnRef idx="0"/>
-        <a:fillRef idx="0"/>
-        <a:effectRef idx="0"/>
+        <a:lnRef idx="0">
+          <a:scrgbClr r="0" g="0" b="0"/>
+        </a:lnRef>
+        <a:fillRef idx="0">
+          <a:scrgbClr r="0" g="0" b="0"/>
+        </a:fillRef>
+        <a:effectRef idx="0">
+          <a:scrgbClr r="0" g="0" b="0"/>
+        </a:effectRef>
         <a:fontRef idx="none"/>
       </a:style>
     </a:spDef>
@@ -8433,7 +8627,7 @@
         <a:effectLst/>
         <a:sp3d/>
       </a:spPr>
-      <a:bodyPr rot="0" spcFirstLastPara="1" vertOverflow="overflow" horzOverflow="overflow" vert="horz" wrap="square" lIns="91439" tIns="45719" rIns="91439" bIns="45719" numCol="1" spcCol="38100" rtlCol="0" anchor="t" upright="0">
+      <a:bodyPr rot="0" spcFirstLastPara="1" vertOverflow="overflow" horzOverflow="overflow" vert="horz" wrap="square" lIns="91439" tIns="45719" rIns="91439" bIns="45719" numCol="1" spcCol="38100" rtlCol="0" anchor="t">
         <a:noAutofit/>
       </a:bodyPr>
       <a:lstStyle>
@@ -8452,7 +8646,7 @@
           <a:buFontTx/>
           <a:buNone/>
           <a:tabLst/>
-          <a:defRPr b="0" baseline="0" cap="none" i="0" spc="0" strike="noStrike" sz="1800" u="none" kumimoji="0" normalizeH="0">
+          <a:defRPr kumimoji="0" sz="1800" b="0" i="0" u="none" strike="noStrike" cap="none" spc="0" normalizeH="0" baseline="0">
             <a:ln>
               <a:noFill/>
             </a:ln>
@@ -8478,7 +8672,7 @@
           <a:buFontTx/>
           <a:buNone/>
           <a:tabLst/>
-          <a:defRPr b="0" baseline="0" cap="none" i="0" spc="0" strike="noStrike" sz="1800" u="none" kumimoji="0" normalizeH="0">
+          <a:defRPr kumimoji="0" sz="1800" b="0" i="0" u="none" strike="noStrike" cap="none" spc="0" normalizeH="0" baseline="0">
             <a:ln>
               <a:noFill/>
             </a:ln>
@@ -8504,7 +8698,7 @@
           <a:buFontTx/>
           <a:buNone/>
           <a:tabLst/>
-          <a:defRPr b="0" baseline="0" cap="none" i="0" spc="0" strike="noStrike" sz="1800" u="none" kumimoji="0" normalizeH="0">
+          <a:defRPr kumimoji="0" sz="1800" b="0" i="0" u="none" strike="noStrike" cap="none" spc="0" normalizeH="0" baseline="0">
             <a:ln>
               <a:noFill/>
             </a:ln>
@@ -8530,7 +8724,7 @@
           <a:buFontTx/>
           <a:buNone/>
           <a:tabLst/>
-          <a:defRPr b="0" baseline="0" cap="none" i="0" spc="0" strike="noStrike" sz="1800" u="none" kumimoji="0" normalizeH="0">
+          <a:defRPr kumimoji="0" sz="1800" b="0" i="0" u="none" strike="noStrike" cap="none" spc="0" normalizeH="0" baseline="0">
             <a:ln>
               <a:noFill/>
             </a:ln>
@@ -8556,7 +8750,7 @@
           <a:buFontTx/>
           <a:buNone/>
           <a:tabLst/>
-          <a:defRPr b="0" baseline="0" cap="none" i="0" spc="0" strike="noStrike" sz="1800" u="none" kumimoji="0" normalizeH="0">
+          <a:defRPr kumimoji="0" sz="1800" b="0" i="0" u="none" strike="noStrike" cap="none" spc="0" normalizeH="0" baseline="0">
             <a:ln>
               <a:noFill/>
             </a:ln>
@@ -8582,7 +8776,7 @@
           <a:buFontTx/>
           <a:buNone/>
           <a:tabLst/>
-          <a:defRPr b="0" baseline="0" cap="none" i="0" spc="0" strike="noStrike" sz="1800" u="none" kumimoji="0" normalizeH="0">
+          <a:defRPr kumimoji="0" sz="1800" b="0" i="0" u="none" strike="noStrike" cap="none" spc="0" normalizeH="0" baseline="0">
             <a:ln>
               <a:noFill/>
             </a:ln>
@@ -8608,7 +8802,7 @@
           <a:buFontTx/>
           <a:buNone/>
           <a:tabLst/>
-          <a:defRPr b="0" baseline="0" cap="none" i="0" spc="0" strike="noStrike" sz="1800" u="none" kumimoji="0" normalizeH="0">
+          <a:defRPr kumimoji="0" sz="1800" b="0" i="0" u="none" strike="noStrike" cap="none" spc="0" normalizeH="0" baseline="0">
             <a:ln>
               <a:noFill/>
             </a:ln>
@@ -8634,7 +8828,7 @@
           <a:buFontTx/>
           <a:buNone/>
           <a:tabLst/>
-          <a:defRPr b="0" baseline="0" cap="none" i="0" spc="0" strike="noStrike" sz="1800" u="none" kumimoji="0" normalizeH="0">
+          <a:defRPr kumimoji="0" sz="1800" b="0" i="0" u="none" strike="noStrike" cap="none" spc="0" normalizeH="0" baseline="0">
             <a:ln>
               <a:noFill/>
             </a:ln>
@@ -8660,7 +8854,7 @@
           <a:buFontTx/>
           <a:buNone/>
           <a:tabLst/>
-          <a:defRPr b="0" baseline="0" cap="none" i="0" spc="0" strike="noStrike" sz="1800" u="none" kumimoji="0" normalizeH="0">
+          <a:defRPr kumimoji="0" sz="1800" b="0" i="0" u="none" strike="noStrike" cap="none" spc="0" normalizeH="0" baseline="0">
             <a:ln>
               <a:noFill/>
             </a:ln>
@@ -8686,7 +8880,7 @@
           <a:buFontTx/>
           <a:buNone/>
           <a:tabLst/>
-          <a:defRPr b="0" baseline="0" cap="none" i="0" spc="0" strike="noStrike" sz="1800" u="none" kumimoji="0" normalizeH="0">
+          <a:defRPr kumimoji="0" sz="1800" b="0" i="0" u="none" strike="noStrike" cap="none" spc="0" normalizeH="0" baseline="0">
             <a:ln>
               <a:noFill/>
             </a:ln>
@@ -8699,9 +8893,15 @@
         </a:lvl9pPr>
       </a:lstStyle>
       <a:style>
-        <a:lnRef idx="0"/>
-        <a:fillRef idx="0"/>
-        <a:effectRef idx="0"/>
+        <a:lnRef idx="0">
+          <a:scrgbClr r="0" g="0" b="0"/>
+        </a:lnRef>
+        <a:fillRef idx="0">
+          <a:scrgbClr r="0" g="0" b="0"/>
+        </a:fillRef>
+        <a:effectRef idx="0">
+          <a:scrgbClr r="0" g="0" b="0"/>
+        </a:effectRef>
         <a:fontRef idx="none"/>
       </a:style>
     </a:lnDef>
@@ -8715,7 +8915,7 @@
         <a:effectLst/>
         <a:sp3d/>
       </a:spPr>
-      <a:bodyPr rot="0" spcFirstLastPara="1" vertOverflow="overflow" horzOverflow="overflow" vert="horz" wrap="square" lIns="50800" tIns="50800" rIns="50800" bIns="50800" numCol="1" spcCol="38100" rtlCol="0" anchor="ctr" upright="0">
+      <a:bodyPr rot="0" spcFirstLastPara="1" vertOverflow="overflow" horzOverflow="overflow" vert="horz" wrap="square" lIns="50800" tIns="50800" rIns="50800" bIns="50800" numCol="1" spcCol="38100" rtlCol="0" anchor="ctr">
         <a:spAutoFit/>
       </a:bodyPr>
       <a:lstStyle>
@@ -8734,7 +8934,7 @@
           <a:buFontTx/>
           <a:buNone/>
           <a:tabLst/>
-          <a:defRPr b="0" baseline="0" cap="none" i="0" spc="0" strike="noStrike" sz="2400" u="none" kumimoji="0" normalizeH="0">
+          <a:defRPr kumimoji="0" sz="2400" b="0" i="0" u="none" strike="noStrike" cap="none" spc="0" normalizeH="0" baseline="0">
             <a:ln>
               <a:noFill/>
             </a:ln>
@@ -8764,7 +8964,7 @@
           <a:buFontTx/>
           <a:buNone/>
           <a:tabLst/>
-          <a:defRPr b="0" baseline="0" cap="none" i="0" spc="0" strike="noStrike" sz="1800" u="none" kumimoji="0" normalizeH="0">
+          <a:defRPr kumimoji="0" sz="1800" b="0" i="0" u="none" strike="noStrike" cap="none" spc="0" normalizeH="0" baseline="0">
             <a:ln>
               <a:noFill/>
             </a:ln>
@@ -8790,7 +8990,7 @@
           <a:buFontTx/>
           <a:buNone/>
           <a:tabLst/>
-          <a:defRPr b="0" baseline="0" cap="none" i="0" spc="0" strike="noStrike" sz="1800" u="none" kumimoji="0" normalizeH="0">
+          <a:defRPr kumimoji="0" sz="1800" b="0" i="0" u="none" strike="noStrike" cap="none" spc="0" normalizeH="0" baseline="0">
             <a:ln>
               <a:noFill/>
             </a:ln>
@@ -8816,7 +9016,7 @@
           <a:buFontTx/>
           <a:buNone/>
           <a:tabLst/>
-          <a:defRPr b="0" baseline="0" cap="none" i="0" spc="0" strike="noStrike" sz="1800" u="none" kumimoji="0" normalizeH="0">
+          <a:defRPr kumimoji="0" sz="1800" b="0" i="0" u="none" strike="noStrike" cap="none" spc="0" normalizeH="0" baseline="0">
             <a:ln>
               <a:noFill/>
             </a:ln>
@@ -8842,7 +9042,7 @@
           <a:buFontTx/>
           <a:buNone/>
           <a:tabLst/>
-          <a:defRPr b="0" baseline="0" cap="none" i="0" spc="0" strike="noStrike" sz="1800" u="none" kumimoji="0" normalizeH="0">
+          <a:defRPr kumimoji="0" sz="1800" b="0" i="0" u="none" strike="noStrike" cap="none" spc="0" normalizeH="0" baseline="0">
             <a:ln>
               <a:noFill/>
             </a:ln>
@@ -8868,7 +9068,7 @@
           <a:buFontTx/>
           <a:buNone/>
           <a:tabLst/>
-          <a:defRPr b="0" baseline="0" cap="none" i="0" spc="0" strike="noStrike" sz="1800" u="none" kumimoji="0" normalizeH="0">
+          <a:defRPr kumimoji="0" sz="1800" b="0" i="0" u="none" strike="noStrike" cap="none" spc="0" normalizeH="0" baseline="0">
             <a:ln>
               <a:noFill/>
             </a:ln>
@@ -8894,7 +9094,7 @@
           <a:buFontTx/>
           <a:buNone/>
           <a:tabLst/>
-          <a:defRPr b="0" baseline="0" cap="none" i="0" spc="0" strike="noStrike" sz="1800" u="none" kumimoji="0" normalizeH="0">
+          <a:defRPr kumimoji="0" sz="1800" b="0" i="0" u="none" strike="noStrike" cap="none" spc="0" normalizeH="0" baseline="0">
             <a:ln>
               <a:noFill/>
             </a:ln>
@@ -8920,7 +9120,7 @@
           <a:buFontTx/>
           <a:buNone/>
           <a:tabLst/>
-          <a:defRPr b="0" baseline="0" cap="none" i="0" spc="0" strike="noStrike" sz="1800" u="none" kumimoji="0" normalizeH="0">
+          <a:defRPr kumimoji="0" sz="1800" b="0" i="0" u="none" strike="noStrike" cap="none" spc="0" normalizeH="0" baseline="0">
             <a:ln>
               <a:noFill/>
             </a:ln>
@@ -8946,7 +9146,7 @@
           <a:buFontTx/>
           <a:buNone/>
           <a:tabLst/>
-          <a:defRPr b="0" baseline="0" cap="none" i="0" spc="0" strike="noStrike" sz="1800" u="none" kumimoji="0" normalizeH="0">
+          <a:defRPr kumimoji="0" sz="1800" b="0" i="0" u="none" strike="noStrike" cap="none" spc="0" normalizeH="0" baseline="0">
             <a:ln>
               <a:noFill/>
             </a:ln>
@@ -8972,7 +9172,7 @@
           <a:buFontTx/>
           <a:buNone/>
           <a:tabLst/>
-          <a:defRPr b="0" baseline="0" cap="none" i="0" spc="0" strike="noStrike" sz="1800" u="none" kumimoji="0" normalizeH="0">
+          <a:defRPr kumimoji="0" sz="1800" b="0" i="0" u="none" strike="noStrike" cap="none" spc="0" normalizeH="0" baseline="0">
             <a:ln>
               <a:noFill/>
             </a:ln>
@@ -8985,12 +9185,19 @@
         </a:lvl9pPr>
       </a:lstStyle>
       <a:style>
-        <a:lnRef idx="0"/>
-        <a:fillRef idx="0"/>
-        <a:effectRef idx="0"/>
+        <a:lnRef idx="0">
+          <a:scrgbClr r="0" g="0" b="0"/>
+        </a:lnRef>
+        <a:fillRef idx="0">
+          <a:scrgbClr r="0" g="0" b="0"/>
+        </a:fillRef>
+        <a:effectRef idx="0">
+          <a:scrgbClr r="0" g="0" b="0"/>
+        </a:effectRef>
         <a:fontRef idx="none"/>
       </a:style>
     </a:txDef>
   </a:objectDefaults>
+  <a:extraClrSchemeLst/>
 </a:theme>
 </file>
--- a/7- Midterm Presentation/7- Midterm Presentation.pptx
+++ b/7- Midterm Presentation/7- Midterm Presentation.pptx
@@ -5,7 +5,7 @@
     <p:sldMasterId id="2147483648" r:id="rId1"/>
   </p:sldMasterIdLst>
   <p:notesMasterIdLst>
-    <p:notesMasterId r:id="rId14"/>
+    <p:notesMasterId r:id="rId15"/>
   </p:notesMasterIdLst>
   <p:sldIdLst>
     <p:sldId id="256" r:id="rId2"/>
@@ -20,6 +20,7 @@
     <p:sldId id="265" r:id="rId11"/>
     <p:sldId id="266" r:id="rId12"/>
     <p:sldId id="267" r:id="rId13"/>
+    <p:sldId id="268" r:id="rId14"/>
   </p:sldIdLst>
   <p:sldSz cx="24384000" cy="13716000"/>
   <p:notesSz cx="6858000" cy="9144000"/>
@@ -4312,7 +4313,7 @@
       </p:sp>
       <p:sp>
         <p:nvSpPr>
-          <p:cNvPr id="152" name="Developed by Ahmet Nasuhcan ÜNLÜ | İlker MAVİLİ | Ozan İrfan BAYAR"/>
+          <p:cNvPr id="152" name="Developed by Ahmet Nasuhcan ÜNLÜ | İlker MAVİLİ | Ozan İrfan BAYAR 171805062 | 181805084 | 171805041"/>
           <p:cNvSpPr txBox="1">
             <a:spLocks noGrp="1"/>
           </p:cNvSpPr>
@@ -4321,6 +4322,10 @@
           </p:nvPr>
         </p:nvSpPr>
         <p:spPr>
+          <a:xfrm>
+            <a:off x="1270000" y="11501671"/>
+            <a:ext cx="21844000" cy="1352814"/>
+          </a:xfrm>
           <a:prstGeom prst="rect">
             <a:avLst/>
           </a:prstGeom>
@@ -4336,6 +4341,10 @@
           <a:p>
             <a:r>
               <a:t>Developed by Ahmet Nasuhcan ÜNLÜ | İlker MAVİLİ | Ozan İrfan BAYAR</a:t>
+            </a:r>
+            <a:br/>
+            <a:r>
+              <a:t>171805062 | 181805084 | 171805041</a:t>
             </a:r>
           </a:p>
         </p:txBody>
@@ -4371,13 +4380,13 @@
     <a:masterClrMapping/>
   </p:clrMapOvr>
   <mc:AlternateContent xmlns:mc="http://schemas.openxmlformats.org/markup-compatibility/2006">
-    <mc:Choice xmlns:p159="http://schemas.microsoft.com/office/powerpoint/2015/09/main" Requires="p159">
-      <p:transition xmlns:p14="http://schemas.microsoft.com/office/powerpoint/2010/main" spd="slow" p14:dur="2000">
-        <p159:morph option="byObject"/>
+    <mc:Choice xmlns:p14="http://schemas.microsoft.com/office/powerpoint/2010/main" Requires="p14">
+      <p:transition spd="med" p14:dur="700">
+        <p:fade/>
       </p:transition>
     </mc:Choice>
     <mc:Fallback>
-      <p:transition spd="slow">
+      <p:transition spd="med">
         <p:fade/>
       </p:transition>
     </mc:Fallback>
@@ -4402,9 +4411,450 @@
           <a:chExt cx="0" cy="0"/>
         </a:xfrm>
       </p:grpSpPr>
+      <p:graphicFrame>
+        <p:nvGraphicFramePr>
+          <p:cNvPr id="185" name="Table"/>
+          <p:cNvGraphicFramePr/>
+          <p:nvPr/>
+        </p:nvGraphicFramePr>
+        <p:xfrm>
+          <a:off x="1322603" y="1225550"/>
+          <a:ext cx="21738794" cy="11264900"/>
+        </p:xfrm>
+        <a:graphic>
+          <a:graphicData uri="http://schemas.openxmlformats.org/drawingml/2006/table">
+            <a:tbl>
+              <a:tblPr firstRow="1">
+                <a:tableStyleId>{C7B018BB-80A7-4F77-B60F-C8B233D01FF8}</a:tableStyleId>
+              </a:tblPr>
+              <a:tblGrid>
+                <a:gridCol w="10869397">
+                  <a:extLst>
+                    <a:ext uri="{9D8B030D-6E8A-4147-A177-3AD203B41FA5}">
+                      <a16:colId xmlns:a16="http://schemas.microsoft.com/office/drawing/2014/main" val="20000"/>
+                    </a:ext>
+                  </a:extLst>
+                </a:gridCol>
+                <a:gridCol w="10869397">
+                  <a:extLst>
+                    <a:ext uri="{9D8B030D-6E8A-4147-A177-3AD203B41FA5}">
+                      <a16:colId xmlns:a16="http://schemas.microsoft.com/office/drawing/2014/main" val="20001"/>
+                    </a:ext>
+                  </a:extLst>
+                </a:gridCol>
+              </a:tblGrid>
+              <a:tr h="2252980">
+                <a:tc>
+                  <a:txBody>
+                    <a:bodyPr/>
+                    <a:lstStyle/>
+                    <a:p>
+                      <a:pPr defTabSz="914400">
+                        <a:tabLst>
+                          <a:tab pos="1663700" algn="l"/>
+                        </a:tabLst>
+                        <a:defRPr sz="1800" b="0">
+                          <a:solidFill>
+                            <a:srgbClr val="000000"/>
+                          </a:solidFill>
+                        </a:defRPr>
+                      </a:pPr>
+                      <a:r>
+                        <a:rPr sz="4800">
+                          <a:solidFill>
+                            <a:srgbClr val="FFFFFF"/>
+                          </a:solidFill>
+                          <a:sym typeface="Graphik Semibold"/>
+                        </a:rPr>
+                        <a:t>Pre-Conditions</a:t>
+                      </a:r>
+                    </a:p>
+                  </a:txBody>
+                  <a:tcPr marL="50800" marR="50800" marT="50800" marB="50800" anchor="ctr" horzOverflow="overflow"/>
+                </a:tc>
+                <a:tc>
+                  <a:txBody>
+                    <a:bodyPr/>
+                    <a:lstStyle/>
+                    <a:p>
+                      <a:pPr defTabSz="914400">
+                        <a:tabLst>
+                          <a:tab pos="1663700" algn="l"/>
+                        </a:tabLst>
+                        <a:defRPr sz="1800" b="0">
+                          <a:solidFill>
+                            <a:srgbClr val="000000"/>
+                          </a:solidFill>
+                        </a:defRPr>
+                      </a:pPr>
+                      <a:r>
+                        <a:rPr sz="4800">
+                          <a:solidFill>
+                            <a:srgbClr val="FFFFFF"/>
+                          </a:solidFill>
+                          <a:sym typeface="Graphik Semibold"/>
+                        </a:rPr>
+                        <a:t>Post-Conditions</a:t>
+                      </a:r>
+                    </a:p>
+                  </a:txBody>
+                  <a:tcPr marL="50800" marR="50800" marT="50800" marB="50800" anchor="ctr" horzOverflow="overflow"/>
+                </a:tc>
+                <a:extLst>
+                  <a:ext uri="{0D108BD9-81ED-4DB2-BD59-A6C34878D82A}">
+                    <a16:rowId xmlns:a16="http://schemas.microsoft.com/office/drawing/2014/main" val="10000"/>
+                  </a:ext>
+                </a:extLst>
+              </a:tr>
+              <a:tr h="2252980">
+                <a:tc>
+                  <a:txBody>
+                    <a:bodyPr/>
+                    <a:lstStyle/>
+                    <a:p>
+                      <a:pPr defTabSz="457200">
+                        <a:lnSpc>
+                          <a:spcPct val="120000"/>
+                        </a:lnSpc>
+                        <a:spcBef>
+                          <a:spcPts val="1800"/>
+                        </a:spcBef>
+                        <a:defRPr sz="1800">
+                          <a:solidFill>
+                            <a:srgbClr val="000000"/>
+                          </a:solidFill>
+                        </a:defRPr>
+                      </a:pPr>
+                      <a:r>
+                        <a:rPr sz="3900">
+                          <a:solidFill>
+                            <a:srgbClr val="FFFFFF"/>
+                          </a:solidFill>
+                          <a:latin typeface="Helvetica"/>
+                          <a:ea typeface="Helvetica"/>
+                          <a:cs typeface="Helvetica"/>
+                          <a:sym typeface="Helvetica"/>
+                        </a:rPr>
+                        <a:t>User must give permission to manage the Wi-Fi network control.</a:t>
+                      </a:r>
+                    </a:p>
+                  </a:txBody>
+                  <a:tcPr marL="50800" marR="50800" marT="50800" marB="50800" anchor="ctr" horzOverflow="overflow"/>
+                </a:tc>
+                <a:tc>
+                  <a:txBody>
+                    <a:bodyPr/>
+                    <a:lstStyle/>
+                    <a:p>
+                      <a:pPr defTabSz="457200">
+                        <a:lnSpc>
+                          <a:spcPct val="120000"/>
+                        </a:lnSpc>
+                        <a:spcBef>
+                          <a:spcPts val="300"/>
+                        </a:spcBef>
+                        <a:defRPr sz="1800">
+                          <a:solidFill>
+                            <a:srgbClr val="000000"/>
+                          </a:solidFill>
+                        </a:defRPr>
+                      </a:pPr>
+                      <a:r>
+                        <a:rPr sz="3900">
+                          <a:solidFill>
+                            <a:srgbClr val="FFFFFF"/>
+                          </a:solidFill>
+                          <a:latin typeface="Helvetica"/>
+                          <a:ea typeface="Helvetica"/>
+                          <a:cs typeface="Helvetica"/>
+                          <a:sym typeface="Helvetica"/>
+                        </a:rPr>
+                        <a:t>User can set the range according to dBm values on Wi-Fi list.</a:t>
+                      </a:r>
+                    </a:p>
+                  </a:txBody>
+                  <a:tcPr marL="50800" marR="50800" marT="50800" marB="50800" anchor="ctr" horzOverflow="overflow"/>
+                </a:tc>
+                <a:extLst>
+                  <a:ext uri="{0D108BD9-81ED-4DB2-BD59-A6C34878D82A}">
+                    <a16:rowId xmlns:a16="http://schemas.microsoft.com/office/drawing/2014/main" val="10001"/>
+                  </a:ext>
+                </a:extLst>
+              </a:tr>
+              <a:tr h="2252980">
+                <a:tc>
+                  <a:txBody>
+                    <a:bodyPr/>
+                    <a:lstStyle/>
+                    <a:p>
+                      <a:pPr defTabSz="457200">
+                        <a:lnSpc>
+                          <a:spcPct val="120000"/>
+                        </a:lnSpc>
+                        <a:spcBef>
+                          <a:spcPts val="300"/>
+                        </a:spcBef>
+                        <a:defRPr sz="3900">
+                          <a:latin typeface="Helvetica"/>
+                          <a:ea typeface="Helvetica"/>
+                          <a:cs typeface="Helvetica"/>
+                          <a:sym typeface="Helvetica"/>
+                        </a:defRPr>
+                      </a:pPr>
+                      <a:r>
+                        <a:t>User must check the set priority box</a:t>
+                      </a:r>
+                      <a:r>
+                        <a:rPr>
+                          <a:latin typeface="Times New Roman"/>
+                          <a:ea typeface="Times New Roman"/>
+                          <a:cs typeface="Times New Roman"/>
+                          <a:sym typeface="Times New Roman"/>
+                        </a:rPr>
+                        <a:t>.</a:t>
+                      </a:r>
+                      <a:r>
+                        <a:rPr b="1"/>
+                        <a:t> </a:t>
+                      </a:r>
+                    </a:p>
+                  </a:txBody>
+                  <a:tcPr marL="50800" marR="50800" marT="50800" marB="50800" anchor="ctr" horzOverflow="overflow"/>
+                </a:tc>
+                <a:tc>
+                  <a:txBody>
+                    <a:bodyPr/>
+                    <a:lstStyle/>
+                    <a:p>
+                      <a:pPr defTabSz="457200">
+                        <a:lnSpc>
+                          <a:spcPct val="120000"/>
+                        </a:lnSpc>
+                        <a:spcBef>
+                          <a:spcPts val="300"/>
+                        </a:spcBef>
+                        <a:defRPr sz="1800">
+                          <a:solidFill>
+                            <a:srgbClr val="000000"/>
+                          </a:solidFill>
+                        </a:defRPr>
+                      </a:pPr>
+                      <a:r>
+                        <a:rPr sz="3900">
+                          <a:solidFill>
+                            <a:srgbClr val="FFFFFF"/>
+                          </a:solidFill>
+                          <a:latin typeface="Helvetica"/>
+                          <a:ea typeface="Helvetica"/>
+                          <a:cs typeface="Helvetica"/>
+                          <a:sym typeface="Helvetica"/>
+                        </a:rPr>
+                        <a:t>The application connects to the prioritized Wi-Fi’s first.</a:t>
+                      </a:r>
+                    </a:p>
+                  </a:txBody>
+                  <a:tcPr marL="50800" marR="50800" marT="50800" marB="50800" anchor="ctr" horzOverflow="overflow"/>
+                </a:tc>
+                <a:extLst>
+                  <a:ext uri="{0D108BD9-81ED-4DB2-BD59-A6C34878D82A}">
+                    <a16:rowId xmlns:a16="http://schemas.microsoft.com/office/drawing/2014/main" val="10002"/>
+                  </a:ext>
+                </a:extLst>
+              </a:tr>
+              <a:tr h="2252980">
+                <a:tc>
+                  <a:txBody>
+                    <a:bodyPr/>
+                    <a:lstStyle/>
+                    <a:p>
+                      <a:pPr defTabSz="457200">
+                        <a:lnSpc>
+                          <a:spcPct val="120000"/>
+                        </a:lnSpc>
+                        <a:spcBef>
+                          <a:spcPts val="300"/>
+                        </a:spcBef>
+                        <a:defRPr sz="1800">
+                          <a:solidFill>
+                            <a:srgbClr val="000000"/>
+                          </a:solidFill>
+                        </a:defRPr>
+                      </a:pPr>
+                      <a:r>
+                        <a:rPr sz="3900">
+                          <a:solidFill>
+                            <a:srgbClr val="FFFFFF"/>
+                          </a:solidFill>
+                          <a:latin typeface="Helvetica"/>
+                          <a:ea typeface="Helvetica"/>
+                          <a:cs typeface="Helvetica"/>
+                          <a:sym typeface="Helvetica"/>
+                        </a:rPr>
+                        <a:t>User must enter a value (sec/check).</a:t>
+                      </a:r>
+                    </a:p>
+                  </a:txBody>
+                  <a:tcPr marL="50800" marR="50800" marT="50800" marB="50800" anchor="ctr" horzOverflow="overflow"/>
+                </a:tc>
+                <a:tc>
+                  <a:txBody>
+                    <a:bodyPr/>
+                    <a:lstStyle/>
+                    <a:p>
+                      <a:pPr defTabSz="457200">
+                        <a:lnSpc>
+                          <a:spcPct val="120000"/>
+                        </a:lnSpc>
+                        <a:spcBef>
+                          <a:spcPts val="300"/>
+                        </a:spcBef>
+                        <a:defRPr sz="1800">
+                          <a:solidFill>
+                            <a:srgbClr val="000000"/>
+                          </a:solidFill>
+                        </a:defRPr>
+                      </a:pPr>
+                      <a:r>
+                        <a:rPr sz="3900">
+                          <a:solidFill>
+                            <a:srgbClr val="FFFFFF"/>
+                          </a:solidFill>
+                          <a:latin typeface="Helvetica"/>
+                          <a:ea typeface="Helvetica"/>
+                          <a:cs typeface="Helvetica"/>
+                          <a:sym typeface="Helvetica"/>
+                        </a:rPr>
+                        <a:t>Application will work periodically depending on the input value.</a:t>
+                      </a:r>
+                    </a:p>
+                  </a:txBody>
+                  <a:tcPr marL="50800" marR="50800" marT="50800" marB="50800" anchor="ctr" horzOverflow="overflow"/>
+                </a:tc>
+                <a:extLst>
+                  <a:ext uri="{0D108BD9-81ED-4DB2-BD59-A6C34878D82A}">
+                    <a16:rowId xmlns:a16="http://schemas.microsoft.com/office/drawing/2014/main" val="10003"/>
+                  </a:ext>
+                </a:extLst>
+              </a:tr>
+              <a:tr h="2252980">
+                <a:tc>
+                  <a:txBody>
+                    <a:bodyPr/>
+                    <a:lstStyle/>
+                    <a:p>
+                      <a:pPr defTabSz="457200">
+                        <a:lnSpc>
+                          <a:spcPct val="120000"/>
+                        </a:lnSpc>
+                        <a:spcBef>
+                          <a:spcPts val="300"/>
+                        </a:spcBef>
+                        <a:defRPr sz="1800">
+                          <a:solidFill>
+                            <a:srgbClr val="000000"/>
+                          </a:solidFill>
+                        </a:defRPr>
+                      </a:pPr>
+                      <a:r>
+                        <a:rPr sz="3900">
+                          <a:solidFill>
+                            <a:srgbClr val="FFFFFF"/>
+                          </a:solidFill>
+                          <a:latin typeface="Helvetica"/>
+                          <a:ea typeface="Helvetica"/>
+                          <a:cs typeface="Helvetica"/>
+                          <a:sym typeface="Helvetica"/>
+                        </a:rPr>
+                        <a:t>User must have at least Android 10 to use the dark theme. </a:t>
+                      </a:r>
+                    </a:p>
+                  </a:txBody>
+                  <a:tcPr marL="50800" marR="50800" marT="50800" marB="50800" anchor="ctr" horzOverflow="overflow"/>
+                </a:tc>
+                <a:tc>
+                  <a:txBody>
+                    <a:bodyPr/>
+                    <a:lstStyle/>
+                    <a:p>
+                      <a:pPr defTabSz="457200">
+                        <a:lnSpc>
+                          <a:spcPct val="120000"/>
+                        </a:lnSpc>
+                        <a:spcBef>
+                          <a:spcPts val="300"/>
+                        </a:spcBef>
+                        <a:defRPr sz="1800">
+                          <a:solidFill>
+                            <a:srgbClr val="000000"/>
+                          </a:solidFill>
+                        </a:defRPr>
+                      </a:pPr>
+                      <a:r>
+                        <a:rPr sz="3900">
+                          <a:solidFill>
+                            <a:srgbClr val="FFFFFF"/>
+                          </a:solidFill>
+                          <a:latin typeface="Helvetica"/>
+                          <a:ea typeface="Helvetica"/>
+                          <a:cs typeface="Helvetica"/>
+                          <a:sym typeface="Helvetica"/>
+                        </a:rPr>
+                        <a:t>The application runs with dark theme.</a:t>
+                      </a:r>
+                    </a:p>
+                  </a:txBody>
+                  <a:tcPr marL="50800" marR="50800" marT="50800" marB="50800" anchor="ctr" horzOverflow="overflow"/>
+                </a:tc>
+                <a:extLst>
+                  <a:ext uri="{0D108BD9-81ED-4DB2-BD59-A6C34878D82A}">
+                    <a16:rowId xmlns:a16="http://schemas.microsoft.com/office/drawing/2014/main" val="10004"/>
+                  </a:ext>
+                </a:extLst>
+              </a:tr>
+            </a:tbl>
+          </a:graphicData>
+        </a:graphic>
+      </p:graphicFrame>
+    </p:spTree>
+  </p:cSld>
+  <p:clrMapOvr>
+    <a:masterClrMapping/>
+  </p:clrMapOvr>
+  <mc:AlternateContent xmlns:mc="http://schemas.openxmlformats.org/markup-compatibility/2006">
+    <mc:Choice xmlns:p14="http://schemas.microsoft.com/office/powerpoint/2010/main" Requires="p14">
+      <p:transition spd="med" p14:dur="700">
+        <p:fade/>
+      </p:transition>
+    </mc:Choice>
+    <mc:Fallback>
+      <p:transition spd="med">
+        <p:fade/>
+      </p:transition>
+    </mc:Fallback>
+  </mc:AlternateContent>
+</p:sld>
+</file>
+
+<file path=ppt/slides/slide11.xml><?xml version="1.0" encoding="utf-8"?>
+<p:sld xmlns:a="http://schemas.openxmlformats.org/drawingml/2006/main" xmlns:r="http://schemas.openxmlformats.org/officeDocument/2006/relationships" xmlns:p="http://schemas.openxmlformats.org/presentationml/2006/main">
+  <p:cSld>
+    <p:spTree>
+      <p:nvGrpSpPr>
+        <p:cNvPr id="1" name=""/>
+        <p:cNvGrpSpPr/>
+        <p:nvPr/>
+      </p:nvGrpSpPr>
+      <p:grpSpPr>
+        <a:xfrm>
+          <a:off x="0" y="0"/>
+          <a:ext cx="0" cy="0"/>
+          <a:chOff x="0" y="0"/>
+          <a:chExt cx="0" cy="0"/>
+        </a:xfrm>
+      </p:grpSpPr>
       <p:sp>
         <p:nvSpPr>
-          <p:cNvPr id="181" name="First Sprint Table"/>
+          <p:cNvPr id="187" name="First Sprint Table"/>
           <p:cNvSpPr txBox="1">
             <a:spLocks noGrp="1"/>
           </p:cNvSpPr>
@@ -4429,7 +4879,7 @@
       </p:sp>
       <p:sp>
         <p:nvSpPr>
-          <p:cNvPr id="182" name="Slide Subtitle"/>
+          <p:cNvPr id="188" name="Slide Subtitle"/>
           <p:cNvSpPr txBox="1">
             <a:spLocks noGrp="1"/>
           </p:cNvSpPr>
@@ -4452,7 +4902,7 @@
       </p:sp>
       <p:graphicFrame>
         <p:nvGraphicFramePr>
-          <p:cNvPr id="183" name="Table"/>
+          <p:cNvPr id="189" name="Table"/>
           <p:cNvGraphicFramePr/>
           <p:nvPr/>
         </p:nvGraphicFramePr>
@@ -4892,13 +5342,13 @@
     <a:masterClrMapping/>
   </p:clrMapOvr>
   <mc:AlternateContent xmlns:mc="http://schemas.openxmlformats.org/markup-compatibility/2006">
-    <mc:Choice xmlns:p159="http://schemas.microsoft.com/office/powerpoint/2015/09/main" Requires="p159">
-      <p:transition xmlns:p14="http://schemas.microsoft.com/office/powerpoint/2010/main" spd="slow" p14:dur="2000">
-        <p159:morph option="byObject"/>
+    <mc:Choice xmlns:p14="http://schemas.microsoft.com/office/powerpoint/2010/main" Requires="p14">
+      <p:transition spd="med" p14:dur="700">
+        <p:fade/>
       </p:transition>
     </mc:Choice>
     <mc:Fallback>
-      <p:transition spd="slow">
+      <p:transition spd="med">
         <p:fade/>
       </p:transition>
     </mc:Fallback>
@@ -4906,7 +5356,7 @@
 </p:sld>
 </file>
 
-<file path=ppt/slides/slide11.xml><?xml version="1.0" encoding="utf-8"?>
+<file path=ppt/slides/slide12.xml><?xml version="1.0" encoding="utf-8"?>
 <p:sld xmlns:a="http://schemas.openxmlformats.org/drawingml/2006/main" xmlns:r="http://schemas.openxmlformats.org/officeDocument/2006/relationships" xmlns:p="http://schemas.openxmlformats.org/presentationml/2006/main">
   <p:cSld>
     <p:spTree>
@@ -4925,7 +5375,7 @@
       </p:grpSpPr>
       <p:sp>
         <p:nvSpPr>
-          <p:cNvPr id="185" name="Inferences"/>
+          <p:cNvPr id="191" name="Inferences"/>
           <p:cNvSpPr txBox="1">
             <a:spLocks noGrp="1"/>
           </p:cNvSpPr>
@@ -4966,7 +5416,7 @@
       </p:sp>
       <p:sp>
         <p:nvSpPr>
-          <p:cNvPr id="186" name="Slide Subtitle"/>
+          <p:cNvPr id="192" name="Slide Subtitle"/>
           <p:cNvSpPr txBox="1">
             <a:spLocks noGrp="1"/>
           </p:cNvSpPr>
@@ -4989,7 +5439,7 @@
       </p:sp>
       <p:sp>
         <p:nvSpPr>
-          <p:cNvPr id="187" name="We have improved our Collaboration Skills.…"/>
+          <p:cNvPr id="193" name="We have improved our Collaboration Skills.…"/>
           <p:cNvSpPr txBox="1">
             <a:spLocks noGrp="1"/>
           </p:cNvSpPr>
@@ -5028,13 +5478,13 @@
     <a:masterClrMapping/>
   </p:clrMapOvr>
   <mc:AlternateContent xmlns:mc="http://schemas.openxmlformats.org/markup-compatibility/2006">
-    <mc:Choice xmlns:p159="http://schemas.microsoft.com/office/powerpoint/2015/09/main" Requires="p159">
-      <p:transition xmlns:p14="http://schemas.microsoft.com/office/powerpoint/2010/main" spd="slow" p14:dur="2000">
-        <p159:morph option="byObject"/>
+    <mc:Choice xmlns:p14="http://schemas.microsoft.com/office/powerpoint/2010/main" Requires="p14">
+      <p:transition spd="med" p14:dur="700">
+        <p:fade/>
       </p:transition>
     </mc:Choice>
     <mc:Fallback>
-      <p:transition spd="slow">
+      <p:transition spd="med">
         <p:fade/>
       </p:transition>
     </mc:Fallback>
@@ -5042,7 +5492,7 @@
 </p:sld>
 </file>
 
-<file path=ppt/slides/slide12.xml><?xml version="1.0" encoding="utf-8"?>
+<file path=ppt/slides/slide13.xml><?xml version="1.0" encoding="utf-8"?>
 <p:sld xmlns:a="http://schemas.openxmlformats.org/drawingml/2006/main" xmlns:r="http://schemas.openxmlformats.org/officeDocument/2006/relationships" xmlns:p="http://schemas.openxmlformats.org/presentationml/2006/main">
   <p:cSld>
     <p:spTree>
@@ -5061,7 +5511,7 @@
       </p:grpSpPr>
       <p:sp>
         <p:nvSpPr>
-          <p:cNvPr id="189" name="https://github.com/Anunlu/Project-Orion"/>
+          <p:cNvPr id="195" name="https://github.com/Anunlu/Project-Orion"/>
           <p:cNvSpPr txBox="1">
             <a:spLocks noGrp="1"/>
           </p:cNvSpPr>
@@ -5091,7 +5541,7 @@
       </p:sp>
       <p:sp>
         <p:nvSpPr>
-          <p:cNvPr id="190" name="Thanks for Watching and Listening Us"/>
+          <p:cNvPr id="196" name="Thanks for Watching and Listening Us"/>
           <p:cNvSpPr txBox="1">
             <a:spLocks noGrp="1"/>
           </p:cNvSpPr>
@@ -5120,13 +5570,13 @@
     <a:masterClrMapping/>
   </p:clrMapOvr>
   <mc:AlternateContent xmlns:mc="http://schemas.openxmlformats.org/markup-compatibility/2006">
-    <mc:Choice xmlns:p159="http://schemas.microsoft.com/office/powerpoint/2015/09/main" Requires="p159">
-      <p:transition xmlns:p14="http://schemas.microsoft.com/office/powerpoint/2010/main" spd="slow" p14:dur="2000">
-        <p159:morph option="byObject"/>
+    <mc:Choice xmlns:p14="http://schemas.microsoft.com/office/powerpoint/2010/main" Requires="p14">
+      <p:transition spd="med" p14:dur="700">
+        <p:fade/>
       </p:transition>
     </mc:Choice>
     <mc:Fallback>
-      <p:transition spd="slow">
+      <p:transition spd="med">
         <p:fade/>
       </p:transition>
     </mc:Fallback>
@@ -5164,7 +5614,7 @@
                                       <p:cBhvr>
                                         <p:cTn id="6" fill="hold"/>
                                         <p:tgtEl>
-                                          <p:spTgt spid="189"/>
+                                          <p:spTgt spid="195"/>
                                         </p:tgtEl>
                                         <p:attrNameLst>
                                           <p:attrName>style.visibility</p:attrName>
@@ -5205,7 +5655,7 @@
       </p:par>
     </p:tnLst>
     <p:bldLst>
-      <p:bldP spid="189" grpId="1" animBg="1" advAuto="0"/>
+      <p:bldP spid="195" grpId="1" animBg="1" advAuto="0"/>
     </p:bldLst>
   </p:timing>
 </p:sld>
@@ -5536,13 +5986,13 @@
     <a:masterClrMapping/>
   </p:clrMapOvr>
   <mc:AlternateContent xmlns:mc="http://schemas.openxmlformats.org/markup-compatibility/2006">
-    <mc:Choice xmlns:p159="http://schemas.microsoft.com/office/powerpoint/2015/09/main" Requires="p159">
-      <p:transition xmlns:p14="http://schemas.microsoft.com/office/powerpoint/2010/main" spd="slow" p14:dur="2000">
-        <p159:morph option="byObject"/>
+    <mc:Choice xmlns:p14="http://schemas.microsoft.com/office/powerpoint/2010/main" Requires="p14">
+      <p:transition spd="med" p14:dur="700">
+        <p:fade/>
       </p:transition>
     </mc:Choice>
     <mc:Fallback>
-      <p:transition spd="slow">
+      <p:transition spd="med">
         <p:fade/>
       </p:transition>
     </mc:Fallback>
@@ -5673,13 +6123,13 @@
     <a:masterClrMapping/>
   </p:clrMapOvr>
   <mc:AlternateContent xmlns:mc="http://schemas.openxmlformats.org/markup-compatibility/2006">
-    <mc:Choice xmlns:p159="http://schemas.microsoft.com/office/powerpoint/2015/09/main" Requires="p159">
-      <p:transition xmlns:p14="http://schemas.microsoft.com/office/powerpoint/2010/main" spd="slow" p14:dur="2000">
-        <p159:morph option="byObject"/>
+    <mc:Choice xmlns:p14="http://schemas.microsoft.com/office/powerpoint/2010/main" Requires="p14">
+      <p:transition spd="med" p14:dur="700">
+        <p:fade/>
       </p:transition>
     </mc:Choice>
     <mc:Fallback>
-      <p:transition spd="slow">
+      <p:transition spd="med">
         <p:fade/>
       </p:transition>
     </mc:Fallback>
@@ -5833,13 +6283,13 @@
     <a:masterClrMapping/>
   </p:clrMapOvr>
   <mc:AlternateContent xmlns:mc="http://schemas.openxmlformats.org/markup-compatibility/2006">
-    <mc:Choice xmlns:p159="http://schemas.microsoft.com/office/powerpoint/2015/09/main" Requires="p159">
-      <p:transition xmlns:p14="http://schemas.microsoft.com/office/powerpoint/2010/main" spd="slow" p14:dur="2000">
-        <p159:morph option="byObject"/>
+    <mc:Choice xmlns:p14="http://schemas.microsoft.com/office/powerpoint/2010/main" Requires="p14">
+      <p:transition spd="med" p14:dur="700">
+        <p:fade/>
       </p:transition>
     </mc:Choice>
     <mc:Fallback>
-      <p:transition spd="slow">
+      <p:transition spd="med">
         <p:fade/>
       </p:transition>
     </mc:Fallback>
@@ -5876,8 +6326,8 @@
         </p:nvSpPr>
         <p:spPr>
           <a:xfrm>
-            <a:off x="1270000" y="812800"/>
-            <a:ext cx="21844000" cy="2670918"/>
+            <a:off x="1270000" y="812799"/>
+            <a:ext cx="21844000" cy="1517387"/>
           </a:xfrm>
           <a:prstGeom prst="rect">
             <a:avLst/>
@@ -5887,6 +6337,9 @@
           <a:bodyPr/>
           <a:lstStyle/>
           <a:p>
+            <a:pPr defTabSz="454025">
+              <a:defRPr sz="4620" spc="-138"/>
+            </a:pPr>
             <a:r>
               <a:t>Main Functional</a:t>
             </a:r>
@@ -5899,15 +6352,19 @@
       </p:sp>
       <p:sp>
         <p:nvSpPr>
-          <p:cNvPr id="166" name="• User should be able to see signal strengths, SSIDs and BSSIDS from “Wi-Fi List” menu.…"/>
+          <p:cNvPr id="166" name="• User should be able to see signal strengths, SSIDs and BSSIDS from “Wi-Fi List” menu."/>
           <p:cNvSpPr txBox="1">
             <a:spLocks noGrp="1"/>
           </p:cNvSpPr>
           <p:nvPr>
-            <p:ph type="body" idx="1"/>
+            <p:ph type="body" sz="quarter" idx="1"/>
           </p:nvPr>
         </p:nvSpPr>
         <p:spPr>
+          <a:xfrm>
+            <a:off x="1269999" y="12082501"/>
+            <a:ext cx="21844001" cy="2805807"/>
+          </a:xfrm>
           <a:prstGeom prst="rect">
             <a:avLst/>
           </a:prstGeom>
@@ -5916,66 +6373,73 @@
           <a:bodyPr/>
           <a:lstStyle/>
           <a:p>
-            <a:pPr marL="0" indent="0">
+            <a:pPr marL="0" indent="0" defTabSz="2121408">
+              <a:spcBef>
+                <a:spcPts val="2000"/>
+              </a:spcBef>
               <a:buClrTx/>
               <a:buSzTx/>
               <a:buNone/>
+              <a:defRPr sz="4176"/>
             </a:pPr>
             <a:r>
               <a:t>• User should be able to see signal strengths, SSIDs and BSSIDS from “Wi-Fi List” menu. </a:t>
             </a:r>
           </a:p>
           <a:p>
-            <a:pPr marL="0" indent="0">
+            <a:pPr marL="0" indent="0" defTabSz="2121408">
+              <a:spcBef>
+                <a:spcPts val="2000"/>
+              </a:spcBef>
               <a:buClrTx/>
               <a:buSzTx/>
               <a:buNone/>
+              <a:defRPr sz="4176"/>
             </a:pPr>
             <a:endParaRPr/>
           </a:p>
-          <a:p>
-            <a:pPr marL="0" indent="0">
-              <a:buClrTx/>
-              <a:buSzTx/>
-              <a:buNone/>
-            </a:pPr>
-            <a:r>
-              <a:t>• User should be able to set priority of stations and set the range from the “List of Conditions” menu. </a:t>
-            </a:r>
-          </a:p>
-          <a:p>
-            <a:pPr marL="0" indent="0">
-              <a:buClrTx/>
-              <a:buSzTx/>
-              <a:buNone/>
-            </a:pPr>
-            <a:endParaRPr/>
-          </a:p>
-          <a:p>
-            <a:pPr marL="0" indent="0">
-              <a:buClrTx/>
-              <a:buSzTx/>
-              <a:buNone/>
-            </a:pPr>
-            <a:r>
-              <a:t>• User should be able to change the theme and set the checking rate from “Settings” menu. </a:t>
-            </a:r>
-          </a:p>
         </p:txBody>
       </p:sp>
+      <p:pic>
+        <p:nvPicPr>
+          <p:cNvPr id="167" name="A1712D00-3E62-4AA0-A49F-7C88E320F311.png" descr="A1712D00-3E62-4AA0-A49F-7C88E320F311.png"/>
+          <p:cNvPicPr>
+            <a:picLocks noChangeAspect="1"/>
+          </p:cNvPicPr>
+          <p:nvPr/>
+        </p:nvPicPr>
+        <p:blipFill>
+          <a:blip r:embed="rId2"/>
+          <a:stretch>
+            <a:fillRect/>
+          </a:stretch>
+        </p:blipFill>
+        <p:spPr>
+          <a:xfrm>
+            <a:off x="9943753" y="2584948"/>
+            <a:ext cx="4496494" cy="9242790"/>
+          </a:xfrm>
+          <a:prstGeom prst="rect">
+            <a:avLst/>
+          </a:prstGeom>
+          <a:ln w="12700">
+            <a:miter lim="400000"/>
+          </a:ln>
+        </p:spPr>
+      </p:pic>
     </p:spTree>
   </p:cSld>
   <p:clrMapOvr>
     <a:masterClrMapping/>
   </p:clrMapOvr>
   <mc:AlternateContent xmlns:mc="http://schemas.openxmlformats.org/markup-compatibility/2006">
-    <mc:Choice xmlns:p159="http://schemas.microsoft.com/office/powerpoint/2015/09/main" Requires="p159">
-      <p:transition xmlns:p14="http://schemas.microsoft.com/office/powerpoint/2010/main" spd="slow" p14:dur="2000">
-        <p159:morph option="byObject"/>
+    <mc:Choice xmlns:p14="http://schemas.microsoft.com/office/powerpoint/2010/main" Requires="p14">
+      <p:transition spd="med" p14:dur="700">
+        <p:fade/>
       </p:transition>
     </mc:Choice>
     <mc:Fallback>
-      <p:transition spd="slow">
+      <p:transition spd="med">
         <p:fade/>
       </p:transition>
     </mc:Fallback>
@@ -6002,7 +6466,333 @@
       </p:grpSpPr>
       <p:sp>
         <p:nvSpPr>
-          <p:cNvPr id="168" name="Non-Functional Requirements"/>
+          <p:cNvPr id="169" name="Main Functional Requirements"/>
+          <p:cNvSpPr txBox="1">
+            <a:spLocks noGrp="1"/>
+          </p:cNvSpPr>
+          <p:nvPr>
+            <p:ph type="title"/>
+          </p:nvPr>
+        </p:nvSpPr>
+        <p:spPr>
+          <a:prstGeom prst="rect">
+            <a:avLst/>
+          </a:prstGeom>
+        </p:spPr>
+        <p:txBody>
+          <a:bodyPr/>
+          <a:lstStyle/>
+          <a:p>
+            <a:pPr defTabSz="470534">
+              <a:defRPr sz="4788" spc="-143"/>
+            </a:pPr>
+            <a:r>
+              <a:t>Main Functional</a:t>
+            </a:r>
+            <a:br/>
+            <a:r>
+              <a:t>Requirements</a:t>
+            </a:r>
+          </a:p>
+        </p:txBody>
+      </p:sp>
+      <p:sp>
+        <p:nvSpPr>
+          <p:cNvPr id="170" name="Slide Subtitle"/>
+          <p:cNvSpPr txBox="1">
+            <a:spLocks noGrp="1"/>
+          </p:cNvSpPr>
+          <p:nvPr>
+            <p:ph type="body" idx="21"/>
+          </p:nvPr>
+        </p:nvSpPr>
+        <p:spPr>
+          <a:prstGeom prst="rect">
+            <a:avLst/>
+          </a:prstGeom>
+        </p:spPr>
+        <p:txBody>
+          <a:bodyPr/>
+          <a:lstStyle/>
+          <a:p>
+            <a:endParaRPr/>
+          </a:p>
+        </p:txBody>
+      </p:sp>
+      <p:sp>
+        <p:nvSpPr>
+          <p:cNvPr id="171" name="• User should be able to set priority of stations and set the range from the “List of Conditions” menu."/>
+          <p:cNvSpPr txBox="1">
+            <a:spLocks noGrp="1"/>
+          </p:cNvSpPr>
+          <p:nvPr>
+            <p:ph type="body" sz="quarter" idx="1"/>
+          </p:nvPr>
+        </p:nvSpPr>
+        <p:spPr>
+          <a:xfrm>
+            <a:off x="1269999" y="11142563"/>
+            <a:ext cx="21844001" cy="1557437"/>
+          </a:xfrm>
+          <a:prstGeom prst="rect">
+            <a:avLst/>
+          </a:prstGeom>
+        </p:spPr>
+        <p:txBody>
+          <a:bodyPr/>
+          <a:lstStyle>
+            <a:lvl1pPr marL="0" indent="0" defTabSz="2170176">
+              <a:spcBef>
+                <a:spcPts val="2100"/>
+              </a:spcBef>
+              <a:buClrTx/>
+              <a:buSzTx/>
+              <a:buNone/>
+              <a:defRPr sz="4272"/>
+            </a:lvl1pPr>
+          </a:lstStyle>
+          <a:p>
+            <a:r>
+              <a:t>• User should be able to set priority of stations and set the range from the “List of Conditions” menu. </a:t>
+            </a:r>
+          </a:p>
+        </p:txBody>
+      </p:sp>
+      <p:pic>
+        <p:nvPicPr>
+          <p:cNvPr id="172" name="Screenshot_1605625835.png" descr="Screenshot_1605625835.png"/>
+          <p:cNvPicPr>
+            <a:picLocks noChangeAspect="1"/>
+          </p:cNvPicPr>
+          <p:nvPr/>
+        </p:nvPicPr>
+        <p:blipFill>
+          <a:blip r:embed="rId2"/>
+          <a:stretch>
+            <a:fillRect/>
+          </a:stretch>
+        </p:blipFill>
+        <p:spPr>
+          <a:xfrm>
+            <a:off x="10135947" y="2631670"/>
+            <a:ext cx="4112106" cy="8452660"/>
+          </a:xfrm>
+          <a:prstGeom prst="rect">
+            <a:avLst/>
+          </a:prstGeom>
+          <a:ln w="12700">
+            <a:miter lim="400000"/>
+          </a:ln>
+        </p:spPr>
+      </p:pic>
+    </p:spTree>
+  </p:cSld>
+  <p:clrMapOvr>
+    <a:masterClrMapping/>
+  </p:clrMapOvr>
+  <mc:AlternateContent xmlns:mc="http://schemas.openxmlformats.org/markup-compatibility/2006">
+    <mc:Choice xmlns:p14="http://schemas.microsoft.com/office/powerpoint/2010/main" Requires="p14">
+      <p:transition spd="med" p14:dur="700">
+        <p:fade/>
+      </p:transition>
+    </mc:Choice>
+    <mc:Fallback>
+      <p:transition spd="med">
+        <p:fade/>
+      </p:transition>
+    </mc:Fallback>
+  </mc:AlternateContent>
+</p:sld>
+</file>
+
+<file path=ppt/slides/slide7.xml><?xml version="1.0" encoding="utf-8"?>
+<p:sld xmlns:a="http://schemas.openxmlformats.org/drawingml/2006/main" xmlns:r="http://schemas.openxmlformats.org/officeDocument/2006/relationships" xmlns:p="http://schemas.openxmlformats.org/presentationml/2006/main">
+  <p:cSld>
+    <p:spTree>
+      <p:nvGrpSpPr>
+        <p:cNvPr id="1" name=""/>
+        <p:cNvGrpSpPr/>
+        <p:nvPr/>
+      </p:nvGrpSpPr>
+      <p:grpSpPr>
+        <a:xfrm>
+          <a:off x="0" y="0"/>
+          <a:ext cx="0" cy="0"/>
+          <a:chOff x="0" y="0"/>
+          <a:chExt cx="0" cy="0"/>
+        </a:xfrm>
+      </p:grpSpPr>
+      <p:sp>
+        <p:nvSpPr>
+          <p:cNvPr id="174" name="Main Functional Requirements"/>
+          <p:cNvSpPr txBox="1">
+            <a:spLocks noGrp="1"/>
+          </p:cNvSpPr>
+          <p:nvPr>
+            <p:ph type="title"/>
+          </p:nvPr>
+        </p:nvSpPr>
+        <p:spPr>
+          <a:prstGeom prst="rect">
+            <a:avLst/>
+          </a:prstGeom>
+        </p:spPr>
+        <p:txBody>
+          <a:bodyPr/>
+          <a:lstStyle/>
+          <a:p>
+            <a:pPr defTabSz="470534">
+              <a:defRPr sz="4788" spc="-143"/>
+            </a:pPr>
+            <a:r>
+              <a:t>Main Functional</a:t>
+            </a:r>
+            <a:br/>
+            <a:r>
+              <a:t>Requirements</a:t>
+            </a:r>
+          </a:p>
+        </p:txBody>
+      </p:sp>
+      <p:sp>
+        <p:nvSpPr>
+          <p:cNvPr id="175" name="• User should be able to change the theme and set the checking rate from “Settings” menu."/>
+          <p:cNvSpPr txBox="1">
+            <a:spLocks noGrp="1"/>
+          </p:cNvSpPr>
+          <p:nvPr>
+            <p:ph type="body" sz="half" idx="1"/>
+          </p:nvPr>
+        </p:nvSpPr>
+        <p:spPr>
+          <a:xfrm>
+            <a:off x="848455" y="11345763"/>
+            <a:ext cx="22687090" cy="4499589"/>
+          </a:xfrm>
+          <a:prstGeom prst="rect">
+            <a:avLst/>
+          </a:prstGeom>
+        </p:spPr>
+        <p:txBody>
+          <a:bodyPr/>
+          <a:lstStyle/>
+          <a:p>
+            <a:pPr marL="0" indent="0">
+              <a:buClrTx/>
+              <a:buSzTx/>
+              <a:buNone/>
+            </a:pPr>
+            <a:r>
+              <a:t>• User should be able to change the theme and set the checking rate from “Settings” menu. </a:t>
+            </a:r>
+          </a:p>
+          <a:p>
+            <a:pPr marL="0" indent="0">
+              <a:buClrTx/>
+              <a:buSzTx/>
+              <a:buNone/>
+            </a:pPr>
+            <a:endParaRPr/>
+          </a:p>
+        </p:txBody>
+      </p:sp>
+      <p:pic>
+        <p:nvPicPr>
+          <p:cNvPr id="176" name="Screenshot_1605626025.png" descr="Screenshot_1605626025.png"/>
+          <p:cNvPicPr>
+            <a:picLocks noChangeAspect="1"/>
+          </p:cNvPicPr>
+          <p:nvPr/>
+        </p:nvPicPr>
+        <p:blipFill>
+          <a:blip r:embed="rId2"/>
+          <a:stretch>
+            <a:fillRect/>
+          </a:stretch>
+        </p:blipFill>
+        <p:spPr>
+          <a:xfrm>
+            <a:off x="10209908" y="2783701"/>
+            <a:ext cx="3964184" cy="8148598"/>
+          </a:xfrm>
+          <a:prstGeom prst="rect">
+            <a:avLst/>
+          </a:prstGeom>
+          <a:ln w="12700">
+            <a:miter lim="400000"/>
+          </a:ln>
+        </p:spPr>
+      </p:pic>
+      <p:pic>
+        <p:nvPicPr>
+          <p:cNvPr id="177" name="Screenshot_1605625902.png" descr="Screenshot_1605625902.png">
+            <a:hlinkClick r:id="" action="ppaction://hlinkshowjump?jump=nextslide"/>
+          </p:cNvPr>
+          <p:cNvPicPr>
+            <a:picLocks noChangeAspect="1"/>
+          </p:cNvPicPr>
+          <p:nvPr/>
+        </p:nvPicPr>
+        <p:blipFill>
+          <a:blip r:embed="rId3"/>
+          <a:srcRect b="47349"/>
+          <a:stretch>
+            <a:fillRect/>
+          </a:stretch>
+        </p:blipFill>
+        <p:spPr>
+          <a:xfrm>
+            <a:off x="10210800" y="6175318"/>
+            <a:ext cx="3962401" cy="4288359"/>
+          </a:xfrm>
+          <a:prstGeom prst="rect">
+            <a:avLst/>
+          </a:prstGeom>
+          <a:ln w="12700">
+            <a:miter lim="400000"/>
+          </a:ln>
+        </p:spPr>
+      </p:pic>
+    </p:spTree>
+  </p:cSld>
+  <p:clrMapOvr>
+    <a:masterClrMapping/>
+  </p:clrMapOvr>
+  <mc:AlternateContent xmlns:mc="http://schemas.openxmlformats.org/markup-compatibility/2006">
+    <mc:Choice xmlns:p14="http://schemas.microsoft.com/office/powerpoint/2010/main" Requires="p14">
+      <p:transition spd="med" p14:dur="700">
+        <p:fade/>
+      </p:transition>
+    </mc:Choice>
+    <mc:Fallback>
+      <p:transition spd="med">
+        <p:fade/>
+      </p:transition>
+    </mc:Fallback>
+  </mc:AlternateContent>
+</p:sld>
+</file>
+
+<file path=ppt/slides/slide8.xml><?xml version="1.0" encoding="utf-8"?>
+<p:sld xmlns:a="http://schemas.openxmlformats.org/drawingml/2006/main" xmlns:r="http://schemas.openxmlformats.org/officeDocument/2006/relationships" xmlns:p="http://schemas.openxmlformats.org/presentationml/2006/main">
+  <p:cSld>
+    <p:spTree>
+      <p:nvGrpSpPr>
+        <p:cNvPr id="1" name=""/>
+        <p:cNvGrpSpPr/>
+        <p:nvPr/>
+      </p:nvGrpSpPr>
+      <p:grpSpPr>
+        <a:xfrm>
+          <a:off x="0" y="0"/>
+          <a:ext cx="0" cy="0"/>
+          <a:chOff x="0" y="0"/>
+          <a:chExt cx="0" cy="0"/>
+        </a:xfrm>
+      </p:grpSpPr>
+      <p:sp>
+        <p:nvSpPr>
+          <p:cNvPr id="179" name="Non-Functional Requirements"/>
           <p:cNvSpPr txBox="1">
             <a:spLocks noGrp="1"/>
           </p:cNvSpPr>
@@ -6053,7 +6843,7 @@
       </p:sp>
       <p:sp>
         <p:nvSpPr>
-          <p:cNvPr id="169" name="Security…"/>
+          <p:cNvPr id="180" name="Security…"/>
           <p:cNvSpPr txBox="1"/>
           <p:nvPr/>
         </p:nvSpPr>
@@ -6169,7 +6959,7 @@
       </p:sp>
       <p:sp>
         <p:nvSpPr>
-          <p:cNvPr id="170" name="• Compatibility…"/>
+          <p:cNvPr id="181" name="• Compatibility…"/>
           <p:cNvSpPr txBox="1"/>
           <p:nvPr/>
         </p:nvSpPr>
@@ -6259,13 +7049,13 @@
     <a:masterClrMapping/>
   </p:clrMapOvr>
   <mc:AlternateContent xmlns:mc="http://schemas.openxmlformats.org/markup-compatibility/2006">
-    <mc:Choice xmlns:p159="http://schemas.microsoft.com/office/powerpoint/2015/09/main" Requires="p159">
-      <p:transition xmlns:p14="http://schemas.microsoft.com/office/powerpoint/2010/main" spd="slow" p14:dur="2000">
-        <p159:morph option="byObject"/>
+    <mc:Choice xmlns:p14="http://schemas.microsoft.com/office/powerpoint/2010/main" Requires="p14">
+      <p:transition spd="med" p14:dur="700">
+        <p:fade/>
       </p:transition>
     </mc:Choice>
     <mc:Fallback>
-      <p:transition spd="slow">
+      <p:transition spd="med">
         <p:fade/>
       </p:transition>
     </mc:Fallback>
@@ -6303,7 +7093,7 @@
                                       <p:cBhvr>
                                         <p:cTn id="6" fill="hold"/>
                                         <p:tgtEl>
-                                          <p:spTgt spid="169"/>
+                                          <p:spTgt spid="180"/>
                                         </p:tgtEl>
                                         <p:attrNameLst>
                                           <p:attrName>style.visibility</p:attrName>
@@ -6317,7 +7107,7 @@
                                       <p:cBhvr>
                                         <p:cTn id="7" dur="1000"/>
                                         <p:tgtEl>
-                                          <p:spTgt spid="169"/>
+                                          <p:spTgt spid="180"/>
                                         </p:tgtEl>
                                       </p:cBhvr>
                                     </p:animEffect>
@@ -6355,7 +7145,7 @@
                                       <p:cBhvr>
                                         <p:cTn id="11" fill="hold"/>
                                         <p:tgtEl>
-                                          <p:spTgt spid="170"/>
+                                          <p:spTgt spid="181"/>
                                         </p:tgtEl>
                                         <p:attrNameLst>
                                           <p:attrName>style.visibility</p:attrName>
@@ -6369,7 +7159,7 @@
                                       <p:cBhvr>
                                         <p:cTn id="12" dur="1000"/>
                                         <p:tgtEl>
-                                          <p:spTgt spid="170"/>
+                                          <p:spTgt spid="181"/>
                                         </p:tgtEl>
                                       </p:cBhvr>
                                     </p:animEffect>
@@ -6404,513 +7194,10 @@
       </p:par>
     </p:tnLst>
     <p:bldLst>
-      <p:bldP spid="169" grpId="1" animBg="1" advAuto="0"/>
-      <p:bldP spid="170" grpId="2" animBg="1" advAuto="0"/>
+      <p:bldP spid="180" grpId="1" animBg="1" advAuto="0"/>
+      <p:bldP spid="181" grpId="2" animBg="1" advAuto="0"/>
     </p:bldLst>
   </p:timing>
-</p:sld>
-</file>
-
-<file path=ppt/slides/slide7.xml><?xml version="1.0" encoding="utf-8"?>
-<p:sld xmlns:a="http://schemas.openxmlformats.org/drawingml/2006/main" xmlns:r="http://schemas.openxmlformats.org/officeDocument/2006/relationships" xmlns:p="http://schemas.openxmlformats.org/presentationml/2006/main">
-  <p:cSld>
-    <p:spTree>
-      <p:nvGrpSpPr>
-        <p:cNvPr id="1" name=""/>
-        <p:cNvGrpSpPr/>
-        <p:nvPr/>
-      </p:nvGrpSpPr>
-      <p:grpSpPr>
-        <a:xfrm>
-          <a:off x="0" y="0"/>
-          <a:ext cx="0" cy="0"/>
-          <a:chOff x="0" y="0"/>
-          <a:chExt cx="0" cy="0"/>
-        </a:xfrm>
-      </p:grpSpPr>
-      <p:sp>
-        <p:nvSpPr>
-          <p:cNvPr id="172" name="Highlights of Product Backlog"/>
-          <p:cNvSpPr txBox="1">
-            <a:spLocks noGrp="1"/>
-          </p:cNvSpPr>
-          <p:nvPr>
-            <p:ph type="title"/>
-          </p:nvPr>
-        </p:nvSpPr>
-        <p:spPr>
-          <a:prstGeom prst="rect">
-            <a:avLst/>
-          </a:prstGeom>
-        </p:spPr>
-        <p:txBody>
-          <a:bodyPr/>
-          <a:lstStyle/>
-          <a:p>
-            <a:r>
-              <a:t>Highlights of Product Backlog</a:t>
-            </a:r>
-          </a:p>
-        </p:txBody>
-      </p:sp>
-    </p:spTree>
-  </p:cSld>
-  <p:clrMapOvr>
-    <a:masterClrMapping/>
-  </p:clrMapOvr>
-  <mc:AlternateContent xmlns:mc="http://schemas.openxmlformats.org/markup-compatibility/2006">
-    <mc:Choice xmlns:p159="http://schemas.microsoft.com/office/powerpoint/2015/09/main" Requires="p159">
-      <p:transition xmlns:p14="http://schemas.microsoft.com/office/powerpoint/2010/main" spd="slow" p14:dur="2000">
-        <p159:morph option="byObject"/>
-      </p:transition>
-    </mc:Choice>
-    <mc:Fallback>
-      <p:transition spd="slow">
-        <p:fade/>
-      </p:transition>
-    </mc:Fallback>
-  </mc:AlternateContent>
-</p:sld>
-</file>
-
-<file path=ppt/slides/slide8.xml><?xml version="1.0" encoding="utf-8"?>
-<p:sld xmlns:a="http://schemas.openxmlformats.org/drawingml/2006/main" xmlns:r="http://schemas.openxmlformats.org/officeDocument/2006/relationships" xmlns:p="http://schemas.openxmlformats.org/presentationml/2006/main">
-  <p:cSld>
-    <p:spTree>
-      <p:nvGrpSpPr>
-        <p:cNvPr id="1" name=""/>
-        <p:cNvGrpSpPr/>
-        <p:nvPr/>
-      </p:nvGrpSpPr>
-      <p:grpSpPr>
-        <a:xfrm>
-          <a:off x="0" y="0"/>
-          <a:ext cx="0" cy="0"/>
-          <a:chOff x="0" y="0"/>
-          <a:chExt cx="0" cy="0"/>
-        </a:xfrm>
-      </p:grpSpPr>
-      <p:graphicFrame>
-        <p:nvGraphicFramePr>
-          <p:cNvPr id="174" name="Table"/>
-          <p:cNvGraphicFramePr/>
-          <p:nvPr/>
-        </p:nvGraphicFramePr>
-        <p:xfrm>
-          <a:off x="1322603" y="1225550"/>
-          <a:ext cx="21738794" cy="11264900"/>
-        </p:xfrm>
-        <a:graphic>
-          <a:graphicData uri="http://schemas.openxmlformats.org/drawingml/2006/table">
-            <a:tbl>
-              <a:tblPr firstRow="1">
-                <a:tableStyleId>{C7B018BB-80A7-4F77-B60F-C8B233D01FF8}</a:tableStyleId>
-              </a:tblPr>
-              <a:tblGrid>
-                <a:gridCol w="10869397">
-                  <a:extLst>
-                    <a:ext uri="{9D8B030D-6E8A-4147-A177-3AD203B41FA5}">
-                      <a16:colId xmlns:a16="http://schemas.microsoft.com/office/drawing/2014/main" val="20000"/>
-                    </a:ext>
-                  </a:extLst>
-                </a:gridCol>
-                <a:gridCol w="10869397">
-                  <a:extLst>
-                    <a:ext uri="{9D8B030D-6E8A-4147-A177-3AD203B41FA5}">
-                      <a16:colId xmlns:a16="http://schemas.microsoft.com/office/drawing/2014/main" val="20001"/>
-                    </a:ext>
-                  </a:extLst>
-                </a:gridCol>
-              </a:tblGrid>
-              <a:tr h="2252980">
-                <a:tc>
-                  <a:txBody>
-                    <a:bodyPr/>
-                    <a:lstStyle/>
-                    <a:p>
-                      <a:pPr defTabSz="914400">
-                        <a:tabLst>
-                          <a:tab pos="1663700" algn="l"/>
-                        </a:tabLst>
-                        <a:defRPr sz="1800" b="0">
-                          <a:solidFill>
-                            <a:srgbClr val="000000"/>
-                          </a:solidFill>
-                        </a:defRPr>
-                      </a:pPr>
-                      <a:r>
-                        <a:rPr sz="4800">
-                          <a:solidFill>
-                            <a:srgbClr val="FFFFFF"/>
-                          </a:solidFill>
-                          <a:sym typeface="Graphik Semibold"/>
-                        </a:rPr>
-                        <a:t>Pre-Conditions</a:t>
-                      </a:r>
-                    </a:p>
-                  </a:txBody>
-                  <a:tcPr marL="50800" marR="50800" marT="50800" marB="50800" anchor="ctr" horzOverflow="overflow"/>
-                </a:tc>
-                <a:tc>
-                  <a:txBody>
-                    <a:bodyPr/>
-                    <a:lstStyle/>
-                    <a:p>
-                      <a:pPr defTabSz="914400">
-                        <a:tabLst>
-                          <a:tab pos="1663700" algn="l"/>
-                        </a:tabLst>
-                        <a:defRPr sz="1800" b="0">
-                          <a:solidFill>
-                            <a:srgbClr val="000000"/>
-                          </a:solidFill>
-                        </a:defRPr>
-                      </a:pPr>
-                      <a:r>
-                        <a:rPr sz="4800">
-                          <a:solidFill>
-                            <a:srgbClr val="FFFFFF"/>
-                          </a:solidFill>
-                          <a:sym typeface="Graphik Semibold"/>
-                        </a:rPr>
-                        <a:t>Post Conditions</a:t>
-                      </a:r>
-                    </a:p>
-                  </a:txBody>
-                  <a:tcPr marL="50800" marR="50800" marT="50800" marB="50800" anchor="ctr" horzOverflow="overflow"/>
-                </a:tc>
-                <a:extLst>
-                  <a:ext uri="{0D108BD9-81ED-4DB2-BD59-A6C34878D82A}">
-                    <a16:rowId xmlns:a16="http://schemas.microsoft.com/office/drawing/2014/main" val="10000"/>
-                  </a:ext>
-                </a:extLst>
-              </a:tr>
-              <a:tr h="2252980">
-                <a:tc>
-                  <a:txBody>
-                    <a:bodyPr/>
-                    <a:lstStyle/>
-                    <a:p>
-                      <a:pPr defTabSz="457200">
-                        <a:lnSpc>
-                          <a:spcPct val="120000"/>
-                        </a:lnSpc>
-                        <a:spcBef>
-                          <a:spcPts val="1800"/>
-                        </a:spcBef>
-                        <a:defRPr sz="1800">
-                          <a:solidFill>
-                            <a:srgbClr val="000000"/>
-                          </a:solidFill>
-                        </a:defRPr>
-                      </a:pPr>
-                      <a:r>
-                        <a:rPr sz="3900">
-                          <a:solidFill>
-                            <a:srgbClr val="FFFFFF"/>
-                          </a:solidFill>
-                          <a:latin typeface="Helvetica"/>
-                          <a:ea typeface="Helvetica"/>
-                          <a:cs typeface="Helvetica"/>
-                          <a:sym typeface="Helvetica"/>
-                        </a:rPr>
-                        <a:t>User must give permission to manage the Wi-Fi network control.</a:t>
-                      </a:r>
-                    </a:p>
-                  </a:txBody>
-                  <a:tcPr marL="50800" marR="50800" marT="50800" marB="50800" anchor="ctr" horzOverflow="overflow"/>
-                </a:tc>
-                <a:tc>
-                  <a:txBody>
-                    <a:bodyPr/>
-                    <a:lstStyle/>
-                    <a:p>
-                      <a:pPr defTabSz="457200">
-                        <a:lnSpc>
-                          <a:spcPct val="120000"/>
-                        </a:lnSpc>
-                        <a:spcBef>
-                          <a:spcPts val="300"/>
-                        </a:spcBef>
-                        <a:defRPr sz="1800">
-                          <a:solidFill>
-                            <a:srgbClr val="000000"/>
-                          </a:solidFill>
-                        </a:defRPr>
-                      </a:pPr>
-                      <a:r>
-                        <a:rPr sz="3900">
-                          <a:solidFill>
-                            <a:srgbClr val="FFFFFF"/>
-                          </a:solidFill>
-                          <a:latin typeface="Helvetica"/>
-                          <a:ea typeface="Helvetica"/>
-                          <a:cs typeface="Helvetica"/>
-                          <a:sym typeface="Helvetica"/>
-                        </a:rPr>
-                        <a:t>User can set the range according to dBm values on Wi-Fi list.</a:t>
-                      </a:r>
-                    </a:p>
-                  </a:txBody>
-                  <a:tcPr marL="50800" marR="50800" marT="50800" marB="50800" anchor="ctr" horzOverflow="overflow"/>
-                </a:tc>
-                <a:extLst>
-                  <a:ext uri="{0D108BD9-81ED-4DB2-BD59-A6C34878D82A}">
-                    <a16:rowId xmlns:a16="http://schemas.microsoft.com/office/drawing/2014/main" val="10001"/>
-                  </a:ext>
-                </a:extLst>
-              </a:tr>
-              <a:tr h="2252980">
-                <a:tc>
-                  <a:txBody>
-                    <a:bodyPr/>
-                    <a:lstStyle/>
-                    <a:p>
-                      <a:pPr defTabSz="457200">
-                        <a:lnSpc>
-                          <a:spcPct val="120000"/>
-                        </a:lnSpc>
-                        <a:spcBef>
-                          <a:spcPts val="300"/>
-                        </a:spcBef>
-                        <a:defRPr sz="3900">
-                          <a:latin typeface="Helvetica"/>
-                          <a:ea typeface="Helvetica"/>
-                          <a:cs typeface="Helvetica"/>
-                          <a:sym typeface="Helvetica"/>
-                        </a:defRPr>
-                      </a:pPr>
-                      <a:r>
-                        <a:t>User must check the set priority box</a:t>
-                      </a:r>
-                      <a:r>
-                        <a:rPr>
-                          <a:latin typeface="Times New Roman"/>
-                          <a:ea typeface="Times New Roman"/>
-                          <a:cs typeface="Times New Roman"/>
-                          <a:sym typeface="Times New Roman"/>
-                        </a:rPr>
-                        <a:t>.</a:t>
-                      </a:r>
-                      <a:r>
-                        <a:rPr b="1"/>
-                        <a:t> </a:t>
-                      </a:r>
-                    </a:p>
-                  </a:txBody>
-                  <a:tcPr marL="50800" marR="50800" marT="50800" marB="50800" anchor="ctr" horzOverflow="overflow"/>
-                </a:tc>
-                <a:tc>
-                  <a:txBody>
-                    <a:bodyPr/>
-                    <a:lstStyle/>
-                    <a:p>
-                      <a:pPr defTabSz="457200">
-                        <a:lnSpc>
-                          <a:spcPct val="120000"/>
-                        </a:lnSpc>
-                        <a:spcBef>
-                          <a:spcPts val="300"/>
-                        </a:spcBef>
-                        <a:defRPr sz="1800">
-                          <a:solidFill>
-                            <a:srgbClr val="000000"/>
-                          </a:solidFill>
-                        </a:defRPr>
-                      </a:pPr>
-                      <a:r>
-                        <a:rPr sz="3900">
-                          <a:solidFill>
-                            <a:srgbClr val="FFFFFF"/>
-                          </a:solidFill>
-                          <a:latin typeface="Helvetica"/>
-                          <a:ea typeface="Helvetica"/>
-                          <a:cs typeface="Helvetica"/>
-                          <a:sym typeface="Helvetica"/>
-                        </a:rPr>
-                        <a:t>The application connects to the prioritized Wi-Fi’s first.</a:t>
-                      </a:r>
-                    </a:p>
-                  </a:txBody>
-                  <a:tcPr marL="50800" marR="50800" marT="50800" marB="50800" anchor="ctr" horzOverflow="overflow"/>
-                </a:tc>
-                <a:extLst>
-                  <a:ext uri="{0D108BD9-81ED-4DB2-BD59-A6C34878D82A}">
-                    <a16:rowId xmlns:a16="http://schemas.microsoft.com/office/drawing/2014/main" val="10002"/>
-                  </a:ext>
-                </a:extLst>
-              </a:tr>
-              <a:tr h="2252980">
-                <a:tc>
-                  <a:txBody>
-                    <a:bodyPr/>
-                    <a:lstStyle/>
-                    <a:p>
-                      <a:pPr defTabSz="457200">
-                        <a:lnSpc>
-                          <a:spcPct val="120000"/>
-                        </a:lnSpc>
-                        <a:spcBef>
-                          <a:spcPts val="300"/>
-                        </a:spcBef>
-                        <a:defRPr sz="1800">
-                          <a:solidFill>
-                            <a:srgbClr val="000000"/>
-                          </a:solidFill>
-                        </a:defRPr>
-                      </a:pPr>
-                      <a:r>
-                        <a:rPr sz="3900">
-                          <a:solidFill>
-                            <a:srgbClr val="FFFFFF"/>
-                          </a:solidFill>
-                          <a:latin typeface="Helvetica"/>
-                          <a:ea typeface="Helvetica"/>
-                          <a:cs typeface="Helvetica"/>
-                          <a:sym typeface="Helvetica"/>
-                        </a:rPr>
-                        <a:t>User must enter a value (sec/check).</a:t>
-                      </a:r>
-                    </a:p>
-                  </a:txBody>
-                  <a:tcPr marL="50800" marR="50800" marT="50800" marB="50800" anchor="ctr" horzOverflow="overflow"/>
-                </a:tc>
-                <a:tc>
-                  <a:txBody>
-                    <a:bodyPr/>
-                    <a:lstStyle/>
-                    <a:p>
-                      <a:pPr defTabSz="457200">
-                        <a:lnSpc>
-                          <a:spcPct val="120000"/>
-                        </a:lnSpc>
-                        <a:spcBef>
-                          <a:spcPts val="300"/>
-                        </a:spcBef>
-                        <a:defRPr sz="1800">
-                          <a:solidFill>
-                            <a:srgbClr val="000000"/>
-                          </a:solidFill>
-                        </a:defRPr>
-                      </a:pPr>
-                      <a:r>
-                        <a:rPr sz="3900">
-                          <a:solidFill>
-                            <a:srgbClr val="FFFFFF"/>
-                          </a:solidFill>
-                          <a:latin typeface="Helvetica"/>
-                          <a:ea typeface="Helvetica"/>
-                          <a:cs typeface="Helvetica"/>
-                          <a:sym typeface="Helvetica"/>
-                        </a:rPr>
-                        <a:t>Application will work periodically depending on the input value.</a:t>
-                      </a:r>
-                    </a:p>
-                  </a:txBody>
-                  <a:tcPr marL="50800" marR="50800" marT="50800" marB="50800" anchor="ctr" horzOverflow="overflow"/>
-                </a:tc>
-                <a:extLst>
-                  <a:ext uri="{0D108BD9-81ED-4DB2-BD59-A6C34878D82A}">
-                    <a16:rowId xmlns:a16="http://schemas.microsoft.com/office/drawing/2014/main" val="10003"/>
-                  </a:ext>
-                </a:extLst>
-              </a:tr>
-              <a:tr h="2252980">
-                <a:tc>
-                  <a:txBody>
-                    <a:bodyPr/>
-                    <a:lstStyle/>
-                    <a:p>
-                      <a:pPr defTabSz="457200">
-                        <a:lnSpc>
-                          <a:spcPct val="120000"/>
-                        </a:lnSpc>
-                        <a:spcBef>
-                          <a:spcPts val="300"/>
-                        </a:spcBef>
-                        <a:defRPr sz="1800">
-                          <a:solidFill>
-                            <a:srgbClr val="000000"/>
-                          </a:solidFill>
-                        </a:defRPr>
-                      </a:pPr>
-                      <a:r>
-                        <a:rPr sz="3900">
-                          <a:solidFill>
-                            <a:srgbClr val="FFFFFF"/>
-                          </a:solidFill>
-                          <a:latin typeface="Helvetica"/>
-                          <a:ea typeface="Helvetica"/>
-                          <a:cs typeface="Helvetica"/>
-                          <a:sym typeface="Helvetica"/>
-                        </a:rPr>
-                        <a:t>User must have at least Android 10 to use the dark theme. </a:t>
-                      </a:r>
-                    </a:p>
-                  </a:txBody>
-                  <a:tcPr marL="50800" marR="50800" marT="50800" marB="50800" anchor="ctr" horzOverflow="overflow"/>
-                </a:tc>
-                <a:tc>
-                  <a:txBody>
-                    <a:bodyPr/>
-                    <a:lstStyle/>
-                    <a:p>
-                      <a:pPr defTabSz="457200">
-                        <a:lnSpc>
-                          <a:spcPct val="120000"/>
-                        </a:lnSpc>
-                        <a:spcBef>
-                          <a:spcPts val="300"/>
-                        </a:spcBef>
-                        <a:defRPr sz="1800">
-                          <a:solidFill>
-                            <a:srgbClr val="000000"/>
-                          </a:solidFill>
-                        </a:defRPr>
-                      </a:pPr>
-                      <a:r>
-                        <a:rPr sz="3900">
-                          <a:solidFill>
-                            <a:srgbClr val="FFFFFF"/>
-                          </a:solidFill>
-                          <a:latin typeface="Helvetica"/>
-                          <a:ea typeface="Helvetica"/>
-                          <a:cs typeface="Helvetica"/>
-                          <a:sym typeface="Helvetica"/>
-                        </a:rPr>
-                        <a:t>The application runs with dark theme.</a:t>
-                      </a:r>
-                    </a:p>
-                  </a:txBody>
-                  <a:tcPr marL="50800" marR="50800" marT="50800" marB="50800" anchor="ctr" horzOverflow="overflow"/>
-                </a:tc>
-                <a:extLst>
-                  <a:ext uri="{0D108BD9-81ED-4DB2-BD59-A6C34878D82A}">
-                    <a16:rowId xmlns:a16="http://schemas.microsoft.com/office/drawing/2014/main" val="10004"/>
-                  </a:ext>
-                </a:extLst>
-              </a:tr>
-            </a:tbl>
-          </a:graphicData>
-        </a:graphic>
-      </p:graphicFrame>
-    </p:spTree>
-  </p:cSld>
-  <p:clrMapOvr>
-    <a:masterClrMapping/>
-  </p:clrMapOvr>
-  <mc:AlternateContent xmlns:mc="http://schemas.openxmlformats.org/markup-compatibility/2006">
-    <mc:Choice xmlns:p159="http://schemas.microsoft.com/office/powerpoint/2015/09/main" Requires="p159">
-      <p:transition xmlns:p14="http://schemas.microsoft.com/office/powerpoint/2010/main" spd="slow" p14:dur="2000">
-        <p159:morph option="byObject"/>
-      </p:transition>
-    </mc:Choice>
-    <mc:Fallback>
-      <p:transition spd="slow">
-        <p:fade/>
-      </p:transition>
-    </mc:Fallback>
-  </mc:AlternateContent>
 </p:sld>
 </file>
 
@@ -6931,130 +7218,44 @@
           <a:chExt cx="0" cy="0"/>
         </a:xfrm>
       </p:grpSpPr>
-      <p:pic>
-        <p:nvPicPr>
-          <p:cNvPr id="176" name="A1712D00-3E62-4AA0-A49F-7C88E320F311.png" descr="A1712D00-3E62-4AA0-A49F-7C88E320F311.png"/>
-          <p:cNvPicPr>
-            <a:picLocks noChangeAspect="1"/>
-          </p:cNvPicPr>
-          <p:nvPr/>
-        </p:nvPicPr>
-        <p:blipFill>
-          <a:blip r:embed="rId2"/>
-          <a:stretch>
-            <a:fillRect/>
-          </a:stretch>
-        </p:blipFill>
+      <p:sp>
+        <p:nvSpPr>
+          <p:cNvPr id="183" name="Highlights of Product Backlog"/>
+          <p:cNvSpPr txBox="1">
+            <a:spLocks noGrp="1"/>
+          </p:cNvSpPr>
+          <p:nvPr>
+            <p:ph type="title"/>
+          </p:nvPr>
+        </p:nvSpPr>
         <p:spPr>
-          <a:xfrm>
-            <a:off x="1368367" y="745915"/>
-            <a:ext cx="5946894" cy="12224170"/>
-          </a:xfrm>
           <a:prstGeom prst="rect">
             <a:avLst/>
           </a:prstGeom>
-          <a:ln w="12700">
-            <a:miter lim="400000"/>
-          </a:ln>
         </p:spPr>
-      </p:pic>
-      <p:pic>
-        <p:nvPicPr>
-          <p:cNvPr id="177" name="Screenshot_1605626025.png" descr="Screenshot_1605626025.png"/>
-          <p:cNvPicPr>
-            <a:picLocks noChangeAspect="1"/>
-          </p:cNvPicPr>
-          <p:nvPr/>
-        </p:nvPicPr>
-        <p:blipFill>
-          <a:blip r:embed="rId3"/>
-          <a:stretch>
-            <a:fillRect/>
-          </a:stretch>
-        </p:blipFill>
-        <p:spPr>
-          <a:xfrm>
-            <a:off x="9640098" y="732712"/>
-            <a:ext cx="5946894" cy="12224170"/>
-          </a:xfrm>
-          <a:prstGeom prst="rect">
-            <a:avLst/>
-          </a:prstGeom>
-          <a:ln w="12700">
-            <a:miter lim="400000"/>
-          </a:ln>
-        </p:spPr>
-      </p:pic>
-      <p:pic>
-        <p:nvPicPr>
-          <p:cNvPr id="178" name="Screenshot_1605625835.png" descr="Screenshot_1605625835.png"/>
-          <p:cNvPicPr>
-            <a:picLocks noChangeAspect="1"/>
-          </p:cNvPicPr>
-          <p:nvPr/>
-        </p:nvPicPr>
-        <p:blipFill>
-          <a:blip r:embed="rId4"/>
-          <a:stretch>
-            <a:fillRect/>
-          </a:stretch>
-        </p:blipFill>
-        <p:spPr>
-          <a:xfrm>
-            <a:off x="17911829" y="732712"/>
-            <a:ext cx="5946893" cy="12224170"/>
-          </a:xfrm>
-          <a:prstGeom prst="rect">
-            <a:avLst/>
-          </a:prstGeom>
-          <a:ln w="12700">
-            <a:miter lim="400000"/>
-          </a:ln>
-        </p:spPr>
-      </p:pic>
-      <p:pic>
-        <p:nvPicPr>
-          <p:cNvPr id="179" name="Screenshot_1605625902.png" descr="Screenshot_1605625902.png">
-            <a:hlinkClick r:id="" action="ppaction://hlinkshowjump?jump=nextslide"/>
-          </p:cNvPr>
-          <p:cNvPicPr>
-            <a:picLocks noChangeAspect="1"/>
-          </p:cNvPicPr>
-          <p:nvPr/>
-        </p:nvPicPr>
-        <p:blipFill>
-          <a:blip r:embed="rId5"/>
-          <a:srcRect b="47349"/>
-          <a:stretch>
-            <a:fillRect/>
-          </a:stretch>
-        </p:blipFill>
-        <p:spPr>
-          <a:xfrm>
-            <a:off x="9640157" y="6547562"/>
-            <a:ext cx="5946722" cy="6435915"/>
-          </a:xfrm>
-          <a:prstGeom prst="rect">
-            <a:avLst/>
-          </a:prstGeom>
-          <a:ln w="12700">
-            <a:miter lim="400000"/>
-          </a:ln>
-        </p:spPr>
-      </p:pic>
+        <p:txBody>
+          <a:bodyPr/>
+          <a:lstStyle/>
+          <a:p>
+            <a:r>
+              <a:t>Highlights of Product Backlog</a:t>
+            </a:r>
+          </a:p>
+        </p:txBody>
+      </p:sp>
     </p:spTree>
   </p:cSld>
   <p:clrMapOvr>
     <a:masterClrMapping/>
   </p:clrMapOvr>
   <mc:AlternateContent xmlns:mc="http://schemas.openxmlformats.org/markup-compatibility/2006">
-    <mc:Choice xmlns:p159="http://schemas.microsoft.com/office/powerpoint/2015/09/main" Requires="p159">
-      <p:transition xmlns:p14="http://schemas.microsoft.com/office/powerpoint/2010/main" spd="slow" p14:dur="2000">
-        <p159:morph option="byObject"/>
+    <mc:Choice xmlns:p14="http://schemas.microsoft.com/office/powerpoint/2010/main" Requires="p14">
+      <p:transition spd="med" p14:dur="700">
+        <p:fade/>
       </p:transition>
     </mc:Choice>
     <mc:Fallback>
-      <p:transition spd="slow">
+      <p:transition spd="med">
         <p:fade/>
       </p:transition>
     </mc:Fallback>
